--- a/Lecture2/ECE1390_Lecture2.pptx
+++ b/Lecture2/ECE1390_Lecture2.pptx
@@ -5,40 +5,41 @@
     <p:sldMasterId id="2147483648" r:id="rId1"/>
   </p:sldMasterIdLst>
   <p:notesMasterIdLst>
-    <p:notesMasterId r:id="rId33"/>
+    <p:notesMasterId r:id="rId34"/>
   </p:notesMasterIdLst>
   <p:sldIdLst>
     <p:sldId id="256" r:id="rId2"/>
     <p:sldId id="322" r:id="rId3"/>
     <p:sldId id="274" r:id="rId4"/>
-    <p:sldId id="275" r:id="rId5"/>
-    <p:sldId id="345" r:id="rId6"/>
-    <p:sldId id="277" r:id="rId7"/>
-    <p:sldId id="354" r:id="rId8"/>
-    <p:sldId id="355" r:id="rId9"/>
-    <p:sldId id="346" r:id="rId10"/>
-    <p:sldId id="358" r:id="rId11"/>
-    <p:sldId id="359" r:id="rId12"/>
-    <p:sldId id="360" r:id="rId13"/>
-    <p:sldId id="381" r:id="rId14"/>
-    <p:sldId id="380" r:id="rId15"/>
-    <p:sldId id="382" r:id="rId16"/>
-    <p:sldId id="356" r:id="rId17"/>
-    <p:sldId id="347" r:id="rId18"/>
-    <p:sldId id="348" r:id="rId19"/>
-    <p:sldId id="349" r:id="rId20"/>
-    <p:sldId id="350" r:id="rId21"/>
-    <p:sldId id="353" r:id="rId22"/>
-    <p:sldId id="335" r:id="rId23"/>
-    <p:sldId id="337" r:id="rId24"/>
-    <p:sldId id="338" r:id="rId25"/>
-    <p:sldId id="339" r:id="rId26"/>
-    <p:sldId id="340" r:id="rId27"/>
-    <p:sldId id="357" r:id="rId28"/>
-    <p:sldId id="351" r:id="rId29"/>
-    <p:sldId id="352" r:id="rId30"/>
-    <p:sldId id="283" r:id="rId31"/>
-    <p:sldId id="320" r:id="rId32"/>
+    <p:sldId id="333" r:id="rId5"/>
+    <p:sldId id="275" r:id="rId6"/>
+    <p:sldId id="345" r:id="rId7"/>
+    <p:sldId id="277" r:id="rId8"/>
+    <p:sldId id="354" r:id="rId9"/>
+    <p:sldId id="355" r:id="rId10"/>
+    <p:sldId id="346" r:id="rId11"/>
+    <p:sldId id="358" r:id="rId12"/>
+    <p:sldId id="359" r:id="rId13"/>
+    <p:sldId id="360" r:id="rId14"/>
+    <p:sldId id="381" r:id="rId15"/>
+    <p:sldId id="380" r:id="rId16"/>
+    <p:sldId id="382" r:id="rId17"/>
+    <p:sldId id="356" r:id="rId18"/>
+    <p:sldId id="347" r:id="rId19"/>
+    <p:sldId id="348" r:id="rId20"/>
+    <p:sldId id="349" r:id="rId21"/>
+    <p:sldId id="350" r:id="rId22"/>
+    <p:sldId id="353" r:id="rId23"/>
+    <p:sldId id="335" r:id="rId24"/>
+    <p:sldId id="337" r:id="rId25"/>
+    <p:sldId id="338" r:id="rId26"/>
+    <p:sldId id="339" r:id="rId27"/>
+    <p:sldId id="340" r:id="rId28"/>
+    <p:sldId id="357" r:id="rId29"/>
+    <p:sldId id="351" r:id="rId30"/>
+    <p:sldId id="352" r:id="rId31"/>
+    <p:sldId id="283" r:id="rId32"/>
+    <p:sldId id="320" r:id="rId33"/>
   </p:sldIdLst>
   <p:sldSz cx="12192000" cy="6858000"/>
   <p:notesSz cx="6858000" cy="9144000"/>
@@ -559,7 +560,7 @@
           <a:p>
             <a:fld id="{94B5C116-8FE2-EF4A-B3C0-8D058563571F}" type="slidenum">
               <a:rPr lang="en-US" smtClean="0"/>
-              <a:t>6</a:t>
+              <a:t>4</a:t>
             </a:fld>
             <a:endParaRPr lang="en-US"/>
           </a:p>
@@ -568,7 +569,7 @@
     </p:spTree>
     <p:extLst>
       <p:ext uri="{BB962C8B-B14F-4D97-AF65-F5344CB8AC3E}">
-        <p14:creationId xmlns:p14="http://schemas.microsoft.com/office/powerpoint/2010/main" val="1485440744"/>
+        <p14:creationId xmlns:p14="http://schemas.microsoft.com/office/powerpoint/2010/main" val="3538252077"/>
       </p:ext>
     </p:extLst>
   </p:cSld>
@@ -643,7 +644,91 @@
           <a:p>
             <a:fld id="{94B5C116-8FE2-EF4A-B3C0-8D058563571F}" type="slidenum">
               <a:rPr lang="en-US" smtClean="0"/>
-              <a:t>15</a:t>
+              <a:t>7</a:t>
+            </a:fld>
+            <a:endParaRPr lang="en-US"/>
+          </a:p>
+        </p:txBody>
+      </p:sp>
+    </p:spTree>
+    <p:extLst>
+      <p:ext uri="{BB962C8B-B14F-4D97-AF65-F5344CB8AC3E}">
+        <p14:creationId xmlns:p14="http://schemas.microsoft.com/office/powerpoint/2010/main" val="1485440744"/>
+      </p:ext>
+    </p:extLst>
+  </p:cSld>
+  <p:clrMapOvr>
+    <a:masterClrMapping/>
+  </p:clrMapOvr>
+</p:notes>
+</file>
+
+<file path=ppt/notesSlides/notesSlide3.xml><?xml version="1.0" encoding="utf-8"?>
+<p:notes xmlns:a="http://schemas.openxmlformats.org/drawingml/2006/main" xmlns:r="http://schemas.openxmlformats.org/officeDocument/2006/relationships" xmlns:p="http://schemas.openxmlformats.org/presentationml/2006/main">
+  <p:cSld>
+    <p:spTree>
+      <p:nvGrpSpPr>
+        <p:cNvPr id="1" name=""/>
+        <p:cNvGrpSpPr/>
+        <p:nvPr/>
+      </p:nvGrpSpPr>
+      <p:grpSpPr>
+        <a:xfrm>
+          <a:off x="0" y="0"/>
+          <a:ext cx="0" cy="0"/>
+          <a:chOff x="0" y="0"/>
+          <a:chExt cx="0" cy="0"/>
+        </a:xfrm>
+      </p:grpSpPr>
+      <p:sp>
+        <p:nvSpPr>
+          <p:cNvPr id="2" name="Slide Image Placeholder 1"/>
+          <p:cNvSpPr>
+            <a:spLocks noGrp="1" noRot="1" noChangeAspect="1"/>
+          </p:cNvSpPr>
+          <p:nvPr>
+            <p:ph type="sldImg"/>
+          </p:nvPr>
+        </p:nvSpPr>
+        <p:spPr/>
+      </p:sp>
+      <p:sp>
+        <p:nvSpPr>
+          <p:cNvPr id="3" name="Notes Placeholder 2"/>
+          <p:cNvSpPr>
+            <a:spLocks noGrp="1"/>
+          </p:cNvSpPr>
+          <p:nvPr>
+            <p:ph type="body" idx="1"/>
+          </p:nvPr>
+        </p:nvSpPr>
+        <p:spPr/>
+        <p:txBody>
+          <a:bodyPr/>
+          <a:lstStyle/>
+          <a:p>
+            <a:endParaRPr lang="en-US" dirty="0"/>
+          </a:p>
+        </p:txBody>
+      </p:sp>
+      <p:sp>
+        <p:nvSpPr>
+          <p:cNvPr id="4" name="Slide Number Placeholder 3"/>
+          <p:cNvSpPr>
+            <a:spLocks noGrp="1"/>
+          </p:cNvSpPr>
+          <p:nvPr>
+            <p:ph type="sldNum" sz="quarter" idx="5"/>
+          </p:nvPr>
+        </p:nvSpPr>
+        <p:spPr/>
+        <p:txBody>
+          <a:bodyPr/>
+          <a:lstStyle/>
+          <a:p>
+            <a:fld id="{94B5C116-8FE2-EF4A-B3C0-8D058563571F}" type="slidenum">
+              <a:rPr lang="en-US" smtClean="0"/>
+              <a:t>16</a:t>
             </a:fld>
             <a:endParaRPr lang="en-US"/>
           </a:p>
@@ -4341,6 +4426,1484 @@
       </p:grpSpPr>
       <p:sp>
         <p:nvSpPr>
+          <p:cNvPr id="5" name="TextBox 4">
+            <a:extLst>
+              <a:ext uri="{FF2B5EF4-FFF2-40B4-BE49-F238E27FC236}">
+                <a16:creationId xmlns:a16="http://schemas.microsoft.com/office/drawing/2014/main" id="{03210803-3123-F78D-B7CD-C82CF941E461}"/>
+              </a:ext>
+            </a:extLst>
+          </p:cNvPr>
+          <p:cNvSpPr txBox="1"/>
+          <p:nvPr/>
+        </p:nvSpPr>
+        <p:spPr>
+          <a:xfrm>
+            <a:off x="3338257" y="1511166"/>
+            <a:ext cx="2757743" cy="400110"/>
+          </a:xfrm>
+          <a:prstGeom prst="rect">
+            <a:avLst/>
+          </a:prstGeom>
+          <a:noFill/>
+        </p:spPr>
+        <p:txBody>
+          <a:bodyPr wrap="none" rtlCol="0">
+            <a:spAutoFit/>
+          </a:bodyPr>
+          <a:lstStyle/>
+          <a:p>
+            <a:r>
+              <a:rPr lang="en-US" sz="2000" b="1" dirty="0"/>
+              <a:t>Point Spread Function</a:t>
+            </a:r>
+          </a:p>
+        </p:txBody>
+      </p:sp>
+      <mc:AlternateContent xmlns:mc="http://schemas.openxmlformats.org/markup-compatibility/2006" xmlns:a14="http://schemas.microsoft.com/office/drawing/2010/main">
+        <mc:Choice Requires="a14">
+          <p:sp>
+            <p:nvSpPr>
+              <p:cNvPr id="6" name="TextBox 5">
+                <a:extLst>
+                  <a:ext uri="{FF2B5EF4-FFF2-40B4-BE49-F238E27FC236}">
+                    <a16:creationId xmlns:a16="http://schemas.microsoft.com/office/drawing/2014/main" id="{0A709072-FFE3-E17B-A2AF-B784B92F13B0}"/>
+                  </a:ext>
+                </a:extLst>
+              </p:cNvPr>
+              <p:cNvSpPr txBox="1"/>
+              <p:nvPr/>
+            </p:nvSpPr>
+            <p:spPr>
+              <a:xfrm>
+                <a:off x="5130265" y="2285756"/>
+                <a:ext cx="1796710" cy="430887"/>
+              </a:xfrm>
+              <a:prstGeom prst="rect">
+                <a:avLst/>
+              </a:prstGeom>
+              <a:noFill/>
+            </p:spPr>
+            <p:txBody>
+              <a:bodyPr wrap="none" lIns="0" tIns="0" rIns="0" bIns="0" rtlCol="0">
+                <a:spAutoFit/>
+              </a:bodyPr>
+              <a:lstStyle/>
+              <a:p>
+                <a:pPr/>
+                <a14:m>
+                  <m:oMathPara xmlns:m="http://schemas.openxmlformats.org/officeDocument/2006/math">
+                    <m:oMathParaPr>
+                      <m:jc m:val="centerGroup"/>
+                    </m:oMathParaPr>
+                    <m:oMath xmlns:m="http://schemas.openxmlformats.org/officeDocument/2006/math">
+                      <m:r>
+                        <a:rPr lang="en-US" sz="2800" b="0" i="1" smtClean="0">
+                          <a:latin typeface="Cambria Math" panose="02040503050406030204" pitchFamily="18" charset="0"/>
+                        </a:rPr>
+                        <m:t>h</m:t>
+                      </m:r>
+                      <m:r>
+                        <a:rPr lang="en-US" sz="2800" b="0" i="1" smtClean="0">
+                          <a:latin typeface="Cambria Math" panose="02040503050406030204" pitchFamily="18" charset="0"/>
+                        </a:rPr>
+                        <m:t>(</m:t>
+                      </m:r>
+                      <m:r>
+                        <a:rPr lang="en-US" sz="2800" b="0" i="1" smtClean="0">
+                          <a:latin typeface="Cambria Math" panose="02040503050406030204" pitchFamily="18" charset="0"/>
+                        </a:rPr>
+                        <m:t>𝑥</m:t>
+                      </m:r>
+                      <m:r>
+                        <a:rPr lang="en-US" sz="2800" b="0" i="1" smtClean="0">
+                          <a:latin typeface="Cambria Math" panose="02040503050406030204" pitchFamily="18" charset="0"/>
+                        </a:rPr>
+                        <m:t>,</m:t>
+                      </m:r>
+                      <m:r>
+                        <a:rPr lang="en-US" sz="2800" b="0" i="1" smtClean="0">
+                          <a:latin typeface="Cambria Math" panose="02040503050406030204" pitchFamily="18" charset="0"/>
+                        </a:rPr>
+                        <m:t>𝑎</m:t>
+                      </m:r>
+                      <m:r>
+                        <a:rPr lang="en-US" sz="2800" b="0" i="1" smtClean="0">
+                          <a:latin typeface="Cambria Math" panose="02040503050406030204" pitchFamily="18" charset="0"/>
+                        </a:rPr>
+                        <m:t>,</m:t>
+                      </m:r>
+                      <m:r>
+                        <a:rPr lang="en-US" sz="2800" b="0" i="1" smtClean="0">
+                          <a:latin typeface="Cambria Math" panose="02040503050406030204" pitchFamily="18" charset="0"/>
+                        </a:rPr>
+                        <m:t>𝑦</m:t>
+                      </m:r>
+                      <m:r>
+                        <a:rPr lang="en-US" sz="2800" b="0" i="1" smtClean="0">
+                          <a:latin typeface="Cambria Math" panose="02040503050406030204" pitchFamily="18" charset="0"/>
+                        </a:rPr>
+                        <m:t>,</m:t>
+                      </m:r>
+                      <m:r>
+                        <a:rPr lang="en-US" sz="2800" b="0" i="1" smtClean="0">
+                          <a:latin typeface="Cambria Math" panose="02040503050406030204" pitchFamily="18" charset="0"/>
+                        </a:rPr>
+                        <m:t>𝑏</m:t>
+                      </m:r>
+                      <m:r>
+                        <a:rPr lang="en-US" sz="2800" b="0" i="1" smtClean="0">
+                          <a:latin typeface="Cambria Math" panose="02040503050406030204" pitchFamily="18" charset="0"/>
+                        </a:rPr>
+                        <m:t>)</m:t>
+                      </m:r>
+                    </m:oMath>
+                  </m:oMathPara>
+                </a14:m>
+                <a:endParaRPr lang="en-US" dirty="0"/>
+              </a:p>
+            </p:txBody>
+          </p:sp>
+        </mc:Choice>
+        <mc:Fallback xmlns="">
+          <p:sp>
+            <p:nvSpPr>
+              <p:cNvPr id="6" name="TextBox 5">
+                <a:extLst>
+                  <a:ext uri="{FF2B5EF4-FFF2-40B4-BE49-F238E27FC236}">
+                    <a16:creationId xmlns:a16="http://schemas.microsoft.com/office/drawing/2014/main" id="{0A709072-FFE3-E17B-A2AF-B784B92F13B0}"/>
+                  </a:ext>
+                </a:extLst>
+              </p:cNvPr>
+              <p:cNvSpPr txBox="1">
+                <a:spLocks noRot="1" noChangeAspect="1" noMove="1" noResize="1" noEditPoints="1" noAdjustHandles="1" noChangeArrowheads="1" noChangeShapeType="1" noTextEdit="1"/>
+              </p:cNvSpPr>
+              <p:nvPr/>
+            </p:nvSpPr>
+            <p:spPr>
+              <a:xfrm>
+                <a:off x="5130265" y="2285756"/>
+                <a:ext cx="1796710" cy="430887"/>
+              </a:xfrm>
+              <a:prstGeom prst="rect">
+                <a:avLst/>
+              </a:prstGeom>
+              <a:blipFill>
+                <a:blip r:embed="rId3"/>
+                <a:stretch>
+                  <a:fillRect l="-4930" t="-2857" r="-6338" b="-31429"/>
+                </a:stretch>
+              </a:blipFill>
+            </p:spPr>
+            <p:txBody>
+              <a:bodyPr/>
+              <a:lstStyle/>
+              <a:p>
+                <a:r>
+                  <a:rPr lang="en-US">
+                    <a:noFill/>
+                  </a:rPr>
+                  <a:t> </a:t>
+                </a:r>
+              </a:p>
+            </p:txBody>
+          </p:sp>
+        </mc:Fallback>
+      </mc:AlternateContent>
+      <mc:AlternateContent xmlns:mc="http://schemas.openxmlformats.org/markup-compatibility/2006" xmlns:a14="http://schemas.microsoft.com/office/drawing/2010/main">
+        <mc:Choice Requires="a14">
+          <p:sp>
+            <p:nvSpPr>
+              <p:cNvPr id="7" name="TextBox 6">
+                <a:extLst>
+                  <a:ext uri="{FF2B5EF4-FFF2-40B4-BE49-F238E27FC236}">
+                    <a16:creationId xmlns:a16="http://schemas.microsoft.com/office/drawing/2014/main" id="{BA36D7B2-C551-4A60-A240-096F03FF6D96}"/>
+                  </a:ext>
+                </a:extLst>
+              </p:cNvPr>
+              <p:cNvSpPr txBox="1"/>
+              <p:nvPr/>
+            </p:nvSpPr>
+            <p:spPr>
+              <a:xfrm>
+                <a:off x="5130265" y="4135842"/>
+                <a:ext cx="2384050" cy="430887"/>
+              </a:xfrm>
+              <a:prstGeom prst="rect">
+                <a:avLst/>
+              </a:prstGeom>
+              <a:noFill/>
+            </p:spPr>
+            <p:txBody>
+              <a:bodyPr wrap="none" lIns="0" tIns="0" rIns="0" bIns="0" rtlCol="0">
+                <a:spAutoFit/>
+              </a:bodyPr>
+              <a:lstStyle/>
+              <a:p>
+                <a:pPr/>
+                <a14:m>
+                  <m:oMathPara xmlns:m="http://schemas.openxmlformats.org/officeDocument/2006/math">
+                    <m:oMathParaPr>
+                      <m:jc m:val="centerGroup"/>
+                    </m:oMathParaPr>
+                    <m:oMath xmlns:m="http://schemas.openxmlformats.org/officeDocument/2006/math">
+                      <m:r>
+                        <a:rPr lang="en-US" sz="2800" b="0" i="1" smtClean="0">
+                          <a:latin typeface="Cambria Math" panose="02040503050406030204" pitchFamily="18" charset="0"/>
+                        </a:rPr>
+                        <m:t>h</m:t>
+                      </m:r>
+                      <m:r>
+                        <a:rPr lang="en-US" sz="2800" b="0" i="1" smtClean="0">
+                          <a:latin typeface="Cambria Math" panose="02040503050406030204" pitchFamily="18" charset="0"/>
+                        </a:rPr>
+                        <m:t>(</m:t>
+                      </m:r>
+                      <m:r>
+                        <a:rPr lang="en-US" sz="2800" b="0" i="1" smtClean="0">
+                          <a:latin typeface="Cambria Math" panose="02040503050406030204" pitchFamily="18" charset="0"/>
+                        </a:rPr>
+                        <m:t>𝑎</m:t>
+                      </m:r>
+                      <m:r>
+                        <a:rPr lang="en-US" sz="2800" b="0" i="1" smtClean="0">
+                          <a:latin typeface="Cambria Math" panose="02040503050406030204" pitchFamily="18" charset="0"/>
+                        </a:rPr>
+                        <m:t>−</m:t>
+                      </m:r>
+                      <m:r>
+                        <a:rPr lang="en-US" sz="2800" b="0" i="1" smtClean="0">
+                          <a:latin typeface="Cambria Math" panose="02040503050406030204" pitchFamily="18" charset="0"/>
+                        </a:rPr>
+                        <m:t>𝑥</m:t>
+                      </m:r>
+                      <m:r>
+                        <a:rPr lang="en-US" sz="2800" b="0" i="1" smtClean="0">
+                          <a:latin typeface="Cambria Math" panose="02040503050406030204" pitchFamily="18" charset="0"/>
+                        </a:rPr>
+                        <m:t>,</m:t>
+                      </m:r>
+                      <m:r>
+                        <a:rPr lang="en-US" sz="2800" b="0" i="1" smtClean="0">
+                          <a:latin typeface="Cambria Math" panose="02040503050406030204" pitchFamily="18" charset="0"/>
+                        </a:rPr>
+                        <m:t>𝑏</m:t>
+                      </m:r>
+                      <m:r>
+                        <a:rPr lang="en-US" sz="2800" b="0" i="1" smtClean="0">
+                          <a:latin typeface="Cambria Math" panose="02040503050406030204" pitchFamily="18" charset="0"/>
+                        </a:rPr>
+                        <m:t>−</m:t>
+                      </m:r>
+                      <m:r>
+                        <a:rPr lang="en-US" sz="2800" b="0" i="1" smtClean="0">
+                          <a:latin typeface="Cambria Math" panose="02040503050406030204" pitchFamily="18" charset="0"/>
+                        </a:rPr>
+                        <m:t>𝑦</m:t>
+                      </m:r>
+                      <m:r>
+                        <a:rPr lang="en-US" sz="2800" b="0" i="1" smtClean="0">
+                          <a:latin typeface="Cambria Math" panose="02040503050406030204" pitchFamily="18" charset="0"/>
+                        </a:rPr>
+                        <m:t>)</m:t>
+                      </m:r>
+                    </m:oMath>
+                  </m:oMathPara>
+                </a14:m>
+                <a:endParaRPr lang="en-US" dirty="0"/>
+              </a:p>
+            </p:txBody>
+          </p:sp>
+        </mc:Choice>
+        <mc:Fallback xmlns="">
+          <p:sp>
+            <p:nvSpPr>
+              <p:cNvPr id="7" name="TextBox 6">
+                <a:extLst>
+                  <a:ext uri="{FF2B5EF4-FFF2-40B4-BE49-F238E27FC236}">
+                    <a16:creationId xmlns:a16="http://schemas.microsoft.com/office/drawing/2014/main" id="{BA36D7B2-C551-4A60-A240-096F03FF6D96}"/>
+                  </a:ext>
+                </a:extLst>
+              </p:cNvPr>
+              <p:cNvSpPr txBox="1">
+                <a:spLocks noRot="1" noChangeAspect="1" noMove="1" noResize="1" noEditPoints="1" noAdjustHandles="1" noChangeArrowheads="1" noChangeShapeType="1" noTextEdit="1"/>
+              </p:cNvSpPr>
+              <p:nvPr/>
+            </p:nvSpPr>
+            <p:spPr>
+              <a:xfrm>
+                <a:off x="5130265" y="4135842"/>
+                <a:ext cx="2384050" cy="430887"/>
+              </a:xfrm>
+              <a:prstGeom prst="rect">
+                <a:avLst/>
+              </a:prstGeom>
+              <a:blipFill>
+                <a:blip r:embed="rId4"/>
+                <a:stretch>
+                  <a:fillRect l="-3723" t="-2857" r="-4787" b="-34286"/>
+                </a:stretch>
+              </a:blipFill>
+            </p:spPr>
+            <p:txBody>
+              <a:bodyPr/>
+              <a:lstStyle/>
+              <a:p>
+                <a:r>
+                  <a:rPr lang="en-US">
+                    <a:noFill/>
+                  </a:rPr>
+                  <a:t> </a:t>
+                </a:r>
+              </a:p>
+            </p:txBody>
+          </p:sp>
+        </mc:Fallback>
+      </mc:AlternateContent>
+      <p:sp>
+        <p:nvSpPr>
+          <p:cNvPr id="8" name="TextBox 7">
+            <a:extLst>
+              <a:ext uri="{FF2B5EF4-FFF2-40B4-BE49-F238E27FC236}">
+                <a16:creationId xmlns:a16="http://schemas.microsoft.com/office/drawing/2014/main" id="{2F4B592C-5F33-281B-D617-51CAD0E314AC}"/>
+              </a:ext>
+            </a:extLst>
+          </p:cNvPr>
+          <p:cNvSpPr txBox="1"/>
+          <p:nvPr/>
+        </p:nvSpPr>
+        <p:spPr>
+          <a:xfrm>
+            <a:off x="4307027" y="3686477"/>
+            <a:ext cx="1646476" cy="369332"/>
+          </a:xfrm>
+          <a:prstGeom prst="rect">
+            <a:avLst/>
+          </a:prstGeom>
+          <a:noFill/>
+        </p:spPr>
+        <p:txBody>
+          <a:bodyPr wrap="none" rtlCol="0">
+            <a:spAutoFit/>
+          </a:bodyPr>
+          <a:lstStyle/>
+          <a:p>
+            <a:r>
+              <a:rPr lang="en-US" b="1" dirty="0"/>
+              <a:t>Shift invariant</a:t>
+            </a:r>
+          </a:p>
+        </p:txBody>
+      </p:sp>
+      <p:sp>
+        <p:nvSpPr>
+          <p:cNvPr id="9" name="TextBox 8">
+            <a:extLst>
+              <a:ext uri="{FF2B5EF4-FFF2-40B4-BE49-F238E27FC236}">
+                <a16:creationId xmlns:a16="http://schemas.microsoft.com/office/drawing/2014/main" id="{863EBA52-E86E-64D4-78B2-B100E9B11D65}"/>
+              </a:ext>
+            </a:extLst>
+          </p:cNvPr>
+          <p:cNvSpPr txBox="1"/>
+          <p:nvPr/>
+        </p:nvSpPr>
+        <p:spPr>
+          <a:xfrm>
+            <a:off x="4345528" y="1851146"/>
+            <a:ext cx="1012970" cy="369332"/>
+          </a:xfrm>
+          <a:prstGeom prst="rect">
+            <a:avLst/>
+          </a:prstGeom>
+          <a:noFill/>
+        </p:spPr>
+        <p:txBody>
+          <a:bodyPr wrap="none" rtlCol="0">
+            <a:spAutoFit/>
+          </a:bodyPr>
+          <a:lstStyle/>
+          <a:p>
+            <a:r>
+              <a:rPr lang="en-US" b="1" dirty="0"/>
+              <a:t>General</a:t>
+            </a:r>
+          </a:p>
+        </p:txBody>
+      </p:sp>
+      <p:sp>
+        <p:nvSpPr>
+          <p:cNvPr id="10" name="TextBox 9">
+            <a:extLst>
+              <a:ext uri="{FF2B5EF4-FFF2-40B4-BE49-F238E27FC236}">
+                <a16:creationId xmlns:a16="http://schemas.microsoft.com/office/drawing/2014/main" id="{FA1500C6-E243-364E-7B58-CBF9FFDFB017}"/>
+              </a:ext>
+            </a:extLst>
+          </p:cNvPr>
+          <p:cNvSpPr txBox="1"/>
+          <p:nvPr/>
+        </p:nvSpPr>
+        <p:spPr>
+          <a:xfrm>
+            <a:off x="5358498" y="2839453"/>
+            <a:ext cx="6552499" cy="369332"/>
+          </a:xfrm>
+          <a:prstGeom prst="rect">
+            <a:avLst/>
+          </a:prstGeom>
+          <a:noFill/>
+        </p:spPr>
+        <p:txBody>
+          <a:bodyPr wrap="none" rtlCol="0">
+            <a:spAutoFit/>
+          </a:bodyPr>
+          <a:lstStyle/>
+          <a:p>
+            <a:r>
+              <a:rPr lang="en-US" dirty="0"/>
+              <a:t>Operation varies depending on which position (</a:t>
+            </a:r>
+            <a:r>
+              <a:rPr lang="en-US" dirty="0" err="1"/>
+              <a:t>x,y</a:t>
+            </a:r>
+            <a:r>
+              <a:rPr lang="en-US" dirty="0"/>
+              <a:t>) in the image</a:t>
+            </a:r>
+          </a:p>
+        </p:txBody>
+      </p:sp>
+      <p:sp>
+        <p:nvSpPr>
+          <p:cNvPr id="11" name="TextBox 10">
+            <a:extLst>
+              <a:ext uri="{FF2B5EF4-FFF2-40B4-BE49-F238E27FC236}">
+                <a16:creationId xmlns:a16="http://schemas.microsoft.com/office/drawing/2014/main" id="{B12FE83B-F31E-1BF8-7CE5-2C2167F2E958}"/>
+              </a:ext>
+            </a:extLst>
+          </p:cNvPr>
+          <p:cNvSpPr txBox="1"/>
+          <p:nvPr/>
+        </p:nvSpPr>
+        <p:spPr>
+          <a:xfrm>
+            <a:off x="5493252" y="4798200"/>
+            <a:ext cx="5811078" cy="369332"/>
+          </a:xfrm>
+          <a:prstGeom prst="rect">
+            <a:avLst/>
+          </a:prstGeom>
+          <a:noFill/>
+        </p:spPr>
+        <p:txBody>
+          <a:bodyPr wrap="none" rtlCol="0">
+            <a:spAutoFit/>
+          </a:bodyPr>
+          <a:lstStyle/>
+          <a:p>
+            <a:r>
+              <a:rPr lang="en-US" dirty="0"/>
+              <a:t>Operation is independent of the position (</a:t>
+            </a:r>
+            <a:r>
+              <a:rPr lang="en-US" dirty="0" err="1"/>
+              <a:t>x,y</a:t>
+            </a:r>
+            <a:r>
+              <a:rPr lang="en-US" dirty="0"/>
+              <a:t>) in the image</a:t>
+            </a:r>
+          </a:p>
+        </p:txBody>
+      </p:sp>
+      <p:grpSp>
+        <p:nvGrpSpPr>
+          <p:cNvPr id="12" name="Group 11">
+            <a:extLst>
+              <a:ext uri="{FF2B5EF4-FFF2-40B4-BE49-F238E27FC236}">
+                <a16:creationId xmlns:a16="http://schemas.microsoft.com/office/drawing/2014/main" id="{EC93AFF7-4EB4-0DC0-4345-72BE99A66D53}"/>
+              </a:ext>
+            </a:extLst>
+          </p:cNvPr>
+          <p:cNvGrpSpPr/>
+          <p:nvPr/>
+        </p:nvGrpSpPr>
+        <p:grpSpPr>
+          <a:xfrm>
+            <a:off x="1081103" y="2506715"/>
+            <a:ext cx="2539975" cy="2743193"/>
+            <a:chOff x="2489200" y="1701800"/>
+            <a:chExt cx="4572000" cy="4572000"/>
+          </a:xfrm>
+          <a:solidFill>
+            <a:schemeClr val="bg1">
+              <a:alpha val="58000"/>
+            </a:schemeClr>
+          </a:solidFill>
+        </p:grpSpPr>
+        <p:sp>
+          <p:nvSpPr>
+            <p:cNvPr id="13" name="Rectangle 12">
+              <a:extLst>
+                <a:ext uri="{FF2B5EF4-FFF2-40B4-BE49-F238E27FC236}">
+                  <a16:creationId xmlns:a16="http://schemas.microsoft.com/office/drawing/2014/main" id="{98B1E443-656F-FE89-550F-94F02EEE65DD}"/>
+                </a:ext>
+              </a:extLst>
+            </p:cNvPr>
+            <p:cNvSpPr/>
+            <p:nvPr/>
+          </p:nvSpPr>
+          <p:spPr>
+            <a:xfrm>
+              <a:off x="2489200" y="1701800"/>
+              <a:ext cx="4572000" cy="4572000"/>
+            </a:xfrm>
+            <a:prstGeom prst="rect">
+              <a:avLst/>
+            </a:prstGeom>
+            <a:grpFill/>
+            <a:ln w="50800">
+              <a:solidFill>
+                <a:schemeClr val="tx1"/>
+              </a:solidFill>
+            </a:ln>
+          </p:spPr>
+          <p:style>
+            <a:lnRef idx="2">
+              <a:schemeClr val="accent1">
+                <a:shade val="15000"/>
+              </a:schemeClr>
+            </a:lnRef>
+            <a:fillRef idx="1">
+              <a:schemeClr val="accent1"/>
+            </a:fillRef>
+            <a:effectRef idx="0">
+              <a:schemeClr val="accent1"/>
+            </a:effectRef>
+            <a:fontRef idx="minor">
+              <a:schemeClr val="lt1"/>
+            </a:fontRef>
+          </p:style>
+          <p:txBody>
+            <a:bodyPr rtlCol="0" anchor="ctr"/>
+            <a:lstStyle/>
+            <a:p>
+              <a:pPr algn="ctr"/>
+              <a:endParaRPr lang="en-US" dirty="0"/>
+            </a:p>
+          </p:txBody>
+        </p:sp>
+        <p:grpSp>
+          <p:nvGrpSpPr>
+            <p:cNvPr id="14" name="Group 13">
+              <a:extLst>
+                <a:ext uri="{FF2B5EF4-FFF2-40B4-BE49-F238E27FC236}">
+                  <a16:creationId xmlns:a16="http://schemas.microsoft.com/office/drawing/2014/main" id="{69C0E143-0D21-9D70-C805-14033F0AFA74}"/>
+                </a:ext>
+              </a:extLst>
+            </p:cNvPr>
+            <p:cNvGrpSpPr/>
+            <p:nvPr/>
+          </p:nvGrpSpPr>
+          <p:grpSpPr>
+            <a:xfrm>
+              <a:off x="2980267" y="1701800"/>
+              <a:ext cx="3522133" cy="4572000"/>
+              <a:chOff x="2980267" y="1701800"/>
+              <a:chExt cx="3522133" cy="4572000"/>
+            </a:xfrm>
+            <a:grpFill/>
+          </p:grpSpPr>
+          <p:cxnSp>
+            <p:nvCxnSpPr>
+              <p:cNvPr id="23" name="Straight Connector 22">
+                <a:extLst>
+                  <a:ext uri="{FF2B5EF4-FFF2-40B4-BE49-F238E27FC236}">
+                    <a16:creationId xmlns:a16="http://schemas.microsoft.com/office/drawing/2014/main" id="{1136A38C-C7E8-E8E7-65D0-6096CFD84F33}"/>
+                  </a:ext>
+                </a:extLst>
+              </p:cNvPr>
+              <p:cNvCxnSpPr>
+                <a:cxnSpLocks/>
+              </p:cNvCxnSpPr>
+              <p:nvPr/>
+            </p:nvCxnSpPr>
+            <p:spPr>
+              <a:xfrm>
+                <a:off x="4741333" y="1701800"/>
+                <a:ext cx="0" cy="4572000"/>
+              </a:xfrm>
+              <a:prstGeom prst="line">
+                <a:avLst/>
+              </a:prstGeom>
+              <a:grpFill/>
+              <a:ln w="50800">
+                <a:solidFill>
+                  <a:schemeClr val="tx1"/>
+                </a:solidFill>
+              </a:ln>
+            </p:spPr>
+            <p:style>
+              <a:lnRef idx="2">
+                <a:schemeClr val="accent1"/>
+              </a:lnRef>
+              <a:fillRef idx="0">
+                <a:schemeClr val="accent1"/>
+              </a:fillRef>
+              <a:effectRef idx="1">
+                <a:schemeClr val="accent1"/>
+              </a:effectRef>
+              <a:fontRef idx="minor">
+                <a:schemeClr val="tx1"/>
+              </a:fontRef>
+            </p:style>
+          </p:cxnSp>
+          <p:cxnSp>
+            <p:nvCxnSpPr>
+              <p:cNvPr id="24" name="Straight Connector 23">
+                <a:extLst>
+                  <a:ext uri="{FF2B5EF4-FFF2-40B4-BE49-F238E27FC236}">
+                    <a16:creationId xmlns:a16="http://schemas.microsoft.com/office/drawing/2014/main" id="{5785EBC8-C222-6AC4-14A2-3B64DA999A05}"/>
+                  </a:ext>
+                </a:extLst>
+              </p:cNvPr>
+              <p:cNvCxnSpPr>
+                <a:cxnSpLocks/>
+              </p:cNvCxnSpPr>
+              <p:nvPr/>
+            </p:nvCxnSpPr>
+            <p:spPr>
+              <a:xfrm>
+                <a:off x="5915377" y="1701800"/>
+                <a:ext cx="0" cy="4572000"/>
+              </a:xfrm>
+              <a:prstGeom prst="line">
+                <a:avLst/>
+              </a:prstGeom>
+              <a:grpFill/>
+              <a:ln w="50800">
+                <a:solidFill>
+                  <a:schemeClr val="tx1"/>
+                </a:solidFill>
+              </a:ln>
+            </p:spPr>
+            <p:style>
+              <a:lnRef idx="2">
+                <a:schemeClr val="accent1"/>
+              </a:lnRef>
+              <a:fillRef idx="0">
+                <a:schemeClr val="accent1"/>
+              </a:fillRef>
+              <a:effectRef idx="1">
+                <a:schemeClr val="accent1"/>
+              </a:effectRef>
+              <a:fontRef idx="minor">
+                <a:schemeClr val="tx1"/>
+              </a:fontRef>
+            </p:style>
+          </p:cxnSp>
+          <p:cxnSp>
+            <p:nvCxnSpPr>
+              <p:cNvPr id="25" name="Straight Connector 24">
+                <a:extLst>
+                  <a:ext uri="{FF2B5EF4-FFF2-40B4-BE49-F238E27FC236}">
+                    <a16:creationId xmlns:a16="http://schemas.microsoft.com/office/drawing/2014/main" id="{17424C71-0245-C941-C265-81B3974DB0B5}"/>
+                  </a:ext>
+                </a:extLst>
+              </p:cNvPr>
+              <p:cNvCxnSpPr>
+                <a:cxnSpLocks/>
+              </p:cNvCxnSpPr>
+              <p:nvPr/>
+            </p:nvCxnSpPr>
+            <p:spPr>
+              <a:xfrm>
+                <a:off x="5328355" y="1701800"/>
+                <a:ext cx="0" cy="4572000"/>
+              </a:xfrm>
+              <a:prstGeom prst="line">
+                <a:avLst/>
+              </a:prstGeom>
+              <a:grpFill/>
+              <a:ln w="50800">
+                <a:solidFill>
+                  <a:schemeClr val="tx1"/>
+                </a:solidFill>
+              </a:ln>
+            </p:spPr>
+            <p:style>
+              <a:lnRef idx="2">
+                <a:schemeClr val="accent1"/>
+              </a:lnRef>
+              <a:fillRef idx="0">
+                <a:schemeClr val="accent1"/>
+              </a:fillRef>
+              <a:effectRef idx="1">
+                <a:schemeClr val="accent1"/>
+              </a:effectRef>
+              <a:fontRef idx="minor">
+                <a:schemeClr val="tx1"/>
+              </a:fontRef>
+            </p:style>
+          </p:cxnSp>
+          <p:cxnSp>
+            <p:nvCxnSpPr>
+              <p:cNvPr id="26" name="Straight Connector 25">
+                <a:extLst>
+                  <a:ext uri="{FF2B5EF4-FFF2-40B4-BE49-F238E27FC236}">
+                    <a16:creationId xmlns:a16="http://schemas.microsoft.com/office/drawing/2014/main" id="{A021A35C-E96A-7898-68AE-9BE4CE0E60C2}"/>
+                  </a:ext>
+                </a:extLst>
+              </p:cNvPr>
+              <p:cNvCxnSpPr>
+                <a:cxnSpLocks/>
+              </p:cNvCxnSpPr>
+              <p:nvPr/>
+            </p:nvCxnSpPr>
+            <p:spPr>
+              <a:xfrm>
+                <a:off x="6502400" y="1701800"/>
+                <a:ext cx="0" cy="4572000"/>
+              </a:xfrm>
+              <a:prstGeom prst="line">
+                <a:avLst/>
+              </a:prstGeom>
+              <a:grpFill/>
+              <a:ln w="50800">
+                <a:solidFill>
+                  <a:schemeClr val="tx1"/>
+                </a:solidFill>
+              </a:ln>
+            </p:spPr>
+            <p:style>
+              <a:lnRef idx="2">
+                <a:schemeClr val="accent1"/>
+              </a:lnRef>
+              <a:fillRef idx="0">
+                <a:schemeClr val="accent1"/>
+              </a:fillRef>
+              <a:effectRef idx="1">
+                <a:schemeClr val="accent1"/>
+              </a:effectRef>
+              <a:fontRef idx="minor">
+                <a:schemeClr val="tx1"/>
+              </a:fontRef>
+            </p:style>
+          </p:cxnSp>
+          <p:cxnSp>
+            <p:nvCxnSpPr>
+              <p:cNvPr id="27" name="Straight Connector 26">
+                <a:extLst>
+                  <a:ext uri="{FF2B5EF4-FFF2-40B4-BE49-F238E27FC236}">
+                    <a16:creationId xmlns:a16="http://schemas.microsoft.com/office/drawing/2014/main" id="{4F2AC8BF-0539-74B2-1483-61F0C0F93B12}"/>
+                  </a:ext>
+                </a:extLst>
+              </p:cNvPr>
+              <p:cNvCxnSpPr>
+                <a:cxnSpLocks/>
+              </p:cNvCxnSpPr>
+              <p:nvPr/>
+            </p:nvCxnSpPr>
+            <p:spPr>
+              <a:xfrm>
+                <a:off x="3567289" y="1701800"/>
+                <a:ext cx="0" cy="4572000"/>
+              </a:xfrm>
+              <a:prstGeom prst="line">
+                <a:avLst/>
+              </a:prstGeom>
+              <a:grpFill/>
+              <a:ln w="50800">
+                <a:solidFill>
+                  <a:schemeClr val="tx1"/>
+                </a:solidFill>
+              </a:ln>
+            </p:spPr>
+            <p:style>
+              <a:lnRef idx="2">
+                <a:schemeClr val="accent1"/>
+              </a:lnRef>
+              <a:fillRef idx="0">
+                <a:schemeClr val="accent1"/>
+              </a:fillRef>
+              <a:effectRef idx="1">
+                <a:schemeClr val="accent1"/>
+              </a:effectRef>
+              <a:fontRef idx="minor">
+                <a:schemeClr val="tx1"/>
+              </a:fontRef>
+            </p:style>
+          </p:cxnSp>
+          <p:cxnSp>
+            <p:nvCxnSpPr>
+              <p:cNvPr id="28" name="Straight Connector 27">
+                <a:extLst>
+                  <a:ext uri="{FF2B5EF4-FFF2-40B4-BE49-F238E27FC236}">
+                    <a16:creationId xmlns:a16="http://schemas.microsoft.com/office/drawing/2014/main" id="{8E843F69-29D5-6F97-C5C3-A180D9EC6375}"/>
+                  </a:ext>
+                </a:extLst>
+              </p:cNvPr>
+              <p:cNvCxnSpPr>
+                <a:cxnSpLocks/>
+              </p:cNvCxnSpPr>
+              <p:nvPr/>
+            </p:nvCxnSpPr>
+            <p:spPr>
+              <a:xfrm>
+                <a:off x="2980267" y="1701800"/>
+                <a:ext cx="0" cy="4572000"/>
+              </a:xfrm>
+              <a:prstGeom prst="line">
+                <a:avLst/>
+              </a:prstGeom>
+              <a:grpFill/>
+              <a:ln w="50800">
+                <a:solidFill>
+                  <a:schemeClr val="tx1"/>
+                </a:solidFill>
+              </a:ln>
+            </p:spPr>
+            <p:style>
+              <a:lnRef idx="2">
+                <a:schemeClr val="accent1"/>
+              </a:lnRef>
+              <a:fillRef idx="0">
+                <a:schemeClr val="accent1"/>
+              </a:fillRef>
+              <a:effectRef idx="1">
+                <a:schemeClr val="accent1"/>
+              </a:effectRef>
+              <a:fontRef idx="minor">
+                <a:schemeClr val="tx1"/>
+              </a:fontRef>
+            </p:style>
+          </p:cxnSp>
+          <p:cxnSp>
+            <p:nvCxnSpPr>
+              <p:cNvPr id="29" name="Straight Connector 28">
+                <a:extLst>
+                  <a:ext uri="{FF2B5EF4-FFF2-40B4-BE49-F238E27FC236}">
+                    <a16:creationId xmlns:a16="http://schemas.microsoft.com/office/drawing/2014/main" id="{21068300-F9D6-6DB2-0537-36D05E74297C}"/>
+                  </a:ext>
+                </a:extLst>
+              </p:cNvPr>
+              <p:cNvCxnSpPr>
+                <a:cxnSpLocks/>
+              </p:cNvCxnSpPr>
+              <p:nvPr/>
+            </p:nvCxnSpPr>
+            <p:spPr>
+              <a:xfrm>
+                <a:off x="4154311" y="1701800"/>
+                <a:ext cx="0" cy="4572000"/>
+              </a:xfrm>
+              <a:prstGeom prst="line">
+                <a:avLst/>
+              </a:prstGeom>
+              <a:grpFill/>
+              <a:ln w="50800">
+                <a:solidFill>
+                  <a:schemeClr val="tx1"/>
+                </a:solidFill>
+              </a:ln>
+            </p:spPr>
+            <p:style>
+              <a:lnRef idx="2">
+                <a:schemeClr val="accent1"/>
+              </a:lnRef>
+              <a:fillRef idx="0">
+                <a:schemeClr val="accent1"/>
+              </a:fillRef>
+              <a:effectRef idx="1">
+                <a:schemeClr val="accent1"/>
+              </a:effectRef>
+              <a:fontRef idx="minor">
+                <a:schemeClr val="tx1"/>
+              </a:fontRef>
+            </p:style>
+          </p:cxnSp>
+        </p:grpSp>
+        <p:grpSp>
+          <p:nvGrpSpPr>
+            <p:cNvPr id="15" name="Group 14">
+              <a:extLst>
+                <a:ext uri="{FF2B5EF4-FFF2-40B4-BE49-F238E27FC236}">
+                  <a16:creationId xmlns:a16="http://schemas.microsoft.com/office/drawing/2014/main" id="{6958389A-EC0D-AB65-3267-4FEC75B9FB48}"/>
+                </a:ext>
+              </a:extLst>
+            </p:cNvPr>
+            <p:cNvGrpSpPr/>
+            <p:nvPr/>
+          </p:nvGrpSpPr>
+          <p:grpSpPr>
+            <a:xfrm rot="5400000">
+              <a:off x="3014133" y="1701800"/>
+              <a:ext cx="3522133" cy="4572000"/>
+              <a:chOff x="2980267" y="1701800"/>
+              <a:chExt cx="3522133" cy="4572000"/>
+            </a:xfrm>
+            <a:grpFill/>
+          </p:grpSpPr>
+          <p:cxnSp>
+            <p:nvCxnSpPr>
+              <p:cNvPr id="16" name="Straight Connector 15">
+                <a:extLst>
+                  <a:ext uri="{FF2B5EF4-FFF2-40B4-BE49-F238E27FC236}">
+                    <a16:creationId xmlns:a16="http://schemas.microsoft.com/office/drawing/2014/main" id="{7EB93441-FCAE-E9A6-5276-1EAB5778F5AB}"/>
+                  </a:ext>
+                </a:extLst>
+              </p:cNvPr>
+              <p:cNvCxnSpPr>
+                <a:cxnSpLocks/>
+              </p:cNvCxnSpPr>
+              <p:nvPr/>
+            </p:nvCxnSpPr>
+            <p:spPr>
+              <a:xfrm>
+                <a:off x="4741333" y="1701800"/>
+                <a:ext cx="0" cy="4572000"/>
+              </a:xfrm>
+              <a:prstGeom prst="line">
+                <a:avLst/>
+              </a:prstGeom>
+              <a:grpFill/>
+              <a:ln w="50800">
+                <a:solidFill>
+                  <a:schemeClr val="tx1"/>
+                </a:solidFill>
+              </a:ln>
+            </p:spPr>
+            <p:style>
+              <a:lnRef idx="2">
+                <a:schemeClr val="accent1"/>
+              </a:lnRef>
+              <a:fillRef idx="0">
+                <a:schemeClr val="accent1"/>
+              </a:fillRef>
+              <a:effectRef idx="1">
+                <a:schemeClr val="accent1"/>
+              </a:effectRef>
+              <a:fontRef idx="minor">
+                <a:schemeClr val="tx1"/>
+              </a:fontRef>
+            </p:style>
+          </p:cxnSp>
+          <p:cxnSp>
+            <p:nvCxnSpPr>
+              <p:cNvPr id="17" name="Straight Connector 16">
+                <a:extLst>
+                  <a:ext uri="{FF2B5EF4-FFF2-40B4-BE49-F238E27FC236}">
+                    <a16:creationId xmlns:a16="http://schemas.microsoft.com/office/drawing/2014/main" id="{4C8E1B46-FA76-5D8E-CAF1-0F52431B9307}"/>
+                  </a:ext>
+                </a:extLst>
+              </p:cNvPr>
+              <p:cNvCxnSpPr>
+                <a:cxnSpLocks/>
+              </p:cNvCxnSpPr>
+              <p:nvPr/>
+            </p:nvCxnSpPr>
+            <p:spPr>
+              <a:xfrm>
+                <a:off x="5915377" y="1701800"/>
+                <a:ext cx="0" cy="4572000"/>
+              </a:xfrm>
+              <a:prstGeom prst="line">
+                <a:avLst/>
+              </a:prstGeom>
+              <a:grpFill/>
+              <a:ln w="50800">
+                <a:solidFill>
+                  <a:schemeClr val="tx1"/>
+                </a:solidFill>
+              </a:ln>
+            </p:spPr>
+            <p:style>
+              <a:lnRef idx="2">
+                <a:schemeClr val="accent1"/>
+              </a:lnRef>
+              <a:fillRef idx="0">
+                <a:schemeClr val="accent1"/>
+              </a:fillRef>
+              <a:effectRef idx="1">
+                <a:schemeClr val="accent1"/>
+              </a:effectRef>
+              <a:fontRef idx="minor">
+                <a:schemeClr val="tx1"/>
+              </a:fontRef>
+            </p:style>
+          </p:cxnSp>
+          <p:cxnSp>
+            <p:nvCxnSpPr>
+              <p:cNvPr id="18" name="Straight Connector 17">
+                <a:extLst>
+                  <a:ext uri="{FF2B5EF4-FFF2-40B4-BE49-F238E27FC236}">
+                    <a16:creationId xmlns:a16="http://schemas.microsoft.com/office/drawing/2014/main" id="{22DE5504-DDF2-0092-C301-FCAA91AC5727}"/>
+                  </a:ext>
+                </a:extLst>
+              </p:cNvPr>
+              <p:cNvCxnSpPr>
+                <a:cxnSpLocks/>
+              </p:cNvCxnSpPr>
+              <p:nvPr/>
+            </p:nvCxnSpPr>
+            <p:spPr>
+              <a:xfrm>
+                <a:off x="5328355" y="1701800"/>
+                <a:ext cx="0" cy="4572000"/>
+              </a:xfrm>
+              <a:prstGeom prst="line">
+                <a:avLst/>
+              </a:prstGeom>
+              <a:grpFill/>
+              <a:ln w="50800">
+                <a:solidFill>
+                  <a:schemeClr val="tx1"/>
+                </a:solidFill>
+              </a:ln>
+            </p:spPr>
+            <p:style>
+              <a:lnRef idx="2">
+                <a:schemeClr val="accent1"/>
+              </a:lnRef>
+              <a:fillRef idx="0">
+                <a:schemeClr val="accent1"/>
+              </a:fillRef>
+              <a:effectRef idx="1">
+                <a:schemeClr val="accent1"/>
+              </a:effectRef>
+              <a:fontRef idx="minor">
+                <a:schemeClr val="tx1"/>
+              </a:fontRef>
+            </p:style>
+          </p:cxnSp>
+          <p:cxnSp>
+            <p:nvCxnSpPr>
+              <p:cNvPr id="19" name="Straight Connector 18">
+                <a:extLst>
+                  <a:ext uri="{FF2B5EF4-FFF2-40B4-BE49-F238E27FC236}">
+                    <a16:creationId xmlns:a16="http://schemas.microsoft.com/office/drawing/2014/main" id="{15A26F9E-FCB9-637A-88F1-0EFEFC72AAFE}"/>
+                  </a:ext>
+                </a:extLst>
+              </p:cNvPr>
+              <p:cNvCxnSpPr>
+                <a:cxnSpLocks/>
+              </p:cNvCxnSpPr>
+              <p:nvPr/>
+            </p:nvCxnSpPr>
+            <p:spPr>
+              <a:xfrm>
+                <a:off x="6502400" y="1701800"/>
+                <a:ext cx="0" cy="4572000"/>
+              </a:xfrm>
+              <a:prstGeom prst="line">
+                <a:avLst/>
+              </a:prstGeom>
+              <a:grpFill/>
+              <a:ln w="50800">
+                <a:solidFill>
+                  <a:schemeClr val="tx1"/>
+                </a:solidFill>
+              </a:ln>
+            </p:spPr>
+            <p:style>
+              <a:lnRef idx="2">
+                <a:schemeClr val="accent1"/>
+              </a:lnRef>
+              <a:fillRef idx="0">
+                <a:schemeClr val="accent1"/>
+              </a:fillRef>
+              <a:effectRef idx="1">
+                <a:schemeClr val="accent1"/>
+              </a:effectRef>
+              <a:fontRef idx="minor">
+                <a:schemeClr val="tx1"/>
+              </a:fontRef>
+            </p:style>
+          </p:cxnSp>
+          <p:cxnSp>
+            <p:nvCxnSpPr>
+              <p:cNvPr id="20" name="Straight Connector 19">
+                <a:extLst>
+                  <a:ext uri="{FF2B5EF4-FFF2-40B4-BE49-F238E27FC236}">
+                    <a16:creationId xmlns:a16="http://schemas.microsoft.com/office/drawing/2014/main" id="{3A2F69A8-32FA-B4FF-D611-0C23797E010B}"/>
+                  </a:ext>
+                </a:extLst>
+              </p:cNvPr>
+              <p:cNvCxnSpPr>
+                <a:cxnSpLocks/>
+              </p:cNvCxnSpPr>
+              <p:nvPr/>
+            </p:nvCxnSpPr>
+            <p:spPr>
+              <a:xfrm>
+                <a:off x="3567289" y="1701800"/>
+                <a:ext cx="0" cy="4572000"/>
+              </a:xfrm>
+              <a:prstGeom prst="line">
+                <a:avLst/>
+              </a:prstGeom>
+              <a:grpFill/>
+              <a:ln w="50800">
+                <a:solidFill>
+                  <a:schemeClr val="tx1"/>
+                </a:solidFill>
+              </a:ln>
+            </p:spPr>
+            <p:style>
+              <a:lnRef idx="2">
+                <a:schemeClr val="accent1"/>
+              </a:lnRef>
+              <a:fillRef idx="0">
+                <a:schemeClr val="accent1"/>
+              </a:fillRef>
+              <a:effectRef idx="1">
+                <a:schemeClr val="accent1"/>
+              </a:effectRef>
+              <a:fontRef idx="minor">
+                <a:schemeClr val="tx1"/>
+              </a:fontRef>
+            </p:style>
+          </p:cxnSp>
+          <p:cxnSp>
+            <p:nvCxnSpPr>
+              <p:cNvPr id="21" name="Straight Connector 20">
+                <a:extLst>
+                  <a:ext uri="{FF2B5EF4-FFF2-40B4-BE49-F238E27FC236}">
+                    <a16:creationId xmlns:a16="http://schemas.microsoft.com/office/drawing/2014/main" id="{680D549A-3155-915C-59DC-81BC7F82DFC9}"/>
+                  </a:ext>
+                </a:extLst>
+              </p:cNvPr>
+              <p:cNvCxnSpPr>
+                <a:cxnSpLocks/>
+              </p:cNvCxnSpPr>
+              <p:nvPr/>
+            </p:nvCxnSpPr>
+            <p:spPr>
+              <a:xfrm>
+                <a:off x="2980267" y="1701800"/>
+                <a:ext cx="0" cy="4572000"/>
+              </a:xfrm>
+              <a:prstGeom prst="line">
+                <a:avLst/>
+              </a:prstGeom>
+              <a:grpFill/>
+              <a:ln w="50800">
+                <a:solidFill>
+                  <a:schemeClr val="tx1"/>
+                </a:solidFill>
+              </a:ln>
+            </p:spPr>
+            <p:style>
+              <a:lnRef idx="2">
+                <a:schemeClr val="accent1"/>
+              </a:lnRef>
+              <a:fillRef idx="0">
+                <a:schemeClr val="accent1"/>
+              </a:fillRef>
+              <a:effectRef idx="1">
+                <a:schemeClr val="accent1"/>
+              </a:effectRef>
+              <a:fontRef idx="minor">
+                <a:schemeClr val="tx1"/>
+              </a:fontRef>
+            </p:style>
+          </p:cxnSp>
+          <p:cxnSp>
+            <p:nvCxnSpPr>
+              <p:cNvPr id="22" name="Straight Connector 21">
+                <a:extLst>
+                  <a:ext uri="{FF2B5EF4-FFF2-40B4-BE49-F238E27FC236}">
+                    <a16:creationId xmlns:a16="http://schemas.microsoft.com/office/drawing/2014/main" id="{101CC20D-69BB-10EE-65C0-CA93FF16F64D}"/>
+                  </a:ext>
+                </a:extLst>
+              </p:cNvPr>
+              <p:cNvCxnSpPr>
+                <a:cxnSpLocks/>
+              </p:cNvCxnSpPr>
+              <p:nvPr/>
+            </p:nvCxnSpPr>
+            <p:spPr>
+              <a:xfrm>
+                <a:off x="4154311" y="1701800"/>
+                <a:ext cx="0" cy="4572000"/>
+              </a:xfrm>
+              <a:prstGeom prst="line">
+                <a:avLst/>
+              </a:prstGeom>
+              <a:grpFill/>
+              <a:ln w="50800">
+                <a:solidFill>
+                  <a:schemeClr val="tx1"/>
+                </a:solidFill>
+              </a:ln>
+            </p:spPr>
+            <p:style>
+              <a:lnRef idx="2">
+                <a:schemeClr val="accent1"/>
+              </a:lnRef>
+              <a:fillRef idx="0">
+                <a:schemeClr val="accent1"/>
+              </a:fillRef>
+              <a:effectRef idx="1">
+                <a:schemeClr val="accent1"/>
+              </a:effectRef>
+              <a:fontRef idx="minor">
+                <a:schemeClr val="tx1"/>
+              </a:fontRef>
+            </p:style>
+          </p:cxnSp>
+        </p:grpSp>
+      </p:grpSp>
+      <p:sp>
+        <p:nvSpPr>
+          <p:cNvPr id="30" name="TextBox 29">
+            <a:extLst>
+              <a:ext uri="{FF2B5EF4-FFF2-40B4-BE49-F238E27FC236}">
+                <a16:creationId xmlns:a16="http://schemas.microsoft.com/office/drawing/2014/main" id="{23431B99-5A86-7962-CD70-7F7F1A752708}"/>
+              </a:ext>
+            </a:extLst>
+          </p:cNvPr>
+          <p:cNvSpPr txBox="1"/>
+          <p:nvPr/>
+        </p:nvSpPr>
+        <p:spPr>
+          <a:xfrm>
+            <a:off x="2128973" y="3453899"/>
+            <a:ext cx="705706" cy="461665"/>
+          </a:xfrm>
+          <a:prstGeom prst="rect">
+            <a:avLst/>
+          </a:prstGeom>
+          <a:noFill/>
+        </p:spPr>
+        <p:txBody>
+          <a:bodyPr wrap="none" rtlCol="0">
+            <a:spAutoFit/>
+          </a:bodyPr>
+          <a:lstStyle/>
+          <a:p>
+            <a:r>
+              <a:rPr lang="en-US" sz="2400" dirty="0">
+                <a:solidFill>
+                  <a:srgbClr val="FF0000"/>
+                </a:solidFill>
+              </a:rPr>
+              <a:t>(</a:t>
+            </a:r>
+            <a:r>
+              <a:rPr lang="en-US" sz="2400" dirty="0" err="1">
+                <a:solidFill>
+                  <a:srgbClr val="FF0000"/>
+                </a:solidFill>
+              </a:rPr>
+              <a:t>x,y</a:t>
+            </a:r>
+            <a:r>
+              <a:rPr lang="en-US" sz="2400" dirty="0">
+                <a:solidFill>
+                  <a:srgbClr val="FF0000"/>
+                </a:solidFill>
+              </a:rPr>
+              <a:t>)</a:t>
+            </a:r>
+          </a:p>
+        </p:txBody>
+      </p:sp>
+      <p:sp>
+        <p:nvSpPr>
+          <p:cNvPr id="31" name="TextBox 30">
+            <a:extLst>
+              <a:ext uri="{FF2B5EF4-FFF2-40B4-BE49-F238E27FC236}">
+                <a16:creationId xmlns:a16="http://schemas.microsoft.com/office/drawing/2014/main" id="{CF7AB1BC-6E33-AC1C-12D9-C78B5D5138DE}"/>
+              </a:ext>
+            </a:extLst>
+          </p:cNvPr>
+          <p:cNvSpPr txBox="1"/>
+          <p:nvPr/>
+        </p:nvSpPr>
+        <p:spPr>
+          <a:xfrm>
+            <a:off x="2957052" y="3453898"/>
+            <a:ext cx="348172" cy="461665"/>
+          </a:xfrm>
+          <a:prstGeom prst="rect">
+            <a:avLst/>
+          </a:prstGeom>
+          <a:noFill/>
+        </p:spPr>
+        <p:txBody>
+          <a:bodyPr wrap="none" rtlCol="0">
+            <a:spAutoFit/>
+          </a:bodyPr>
+          <a:lstStyle/>
+          <a:p>
+            <a:r>
+              <a:rPr lang="en-US" sz="2400" dirty="0">
+                <a:solidFill>
+                  <a:srgbClr val="FF0000"/>
+                </a:solidFill>
+              </a:rPr>
+              <a:t>a</a:t>
+            </a:r>
+          </a:p>
+        </p:txBody>
+      </p:sp>
+      <p:sp>
+        <p:nvSpPr>
+          <p:cNvPr id="32" name="TextBox 31">
+            <a:extLst>
+              <a:ext uri="{FF2B5EF4-FFF2-40B4-BE49-F238E27FC236}">
+                <a16:creationId xmlns:a16="http://schemas.microsoft.com/office/drawing/2014/main" id="{20034F06-AA61-14F8-808A-AA83387B2DD8}"/>
+              </a:ext>
+            </a:extLst>
+          </p:cNvPr>
+          <p:cNvSpPr txBox="1"/>
+          <p:nvPr/>
+        </p:nvSpPr>
+        <p:spPr>
+          <a:xfrm>
+            <a:off x="2943600" y="2728993"/>
+            <a:ext cx="357790" cy="461665"/>
+          </a:xfrm>
+          <a:prstGeom prst="rect">
+            <a:avLst/>
+          </a:prstGeom>
+          <a:noFill/>
+        </p:spPr>
+        <p:txBody>
+          <a:bodyPr wrap="none" rtlCol="0">
+            <a:spAutoFit/>
+          </a:bodyPr>
+          <a:lstStyle/>
+          <a:p>
+            <a:r>
+              <a:rPr lang="en-US" sz="2400" dirty="0">
+                <a:solidFill>
+                  <a:srgbClr val="FF0000"/>
+                </a:solidFill>
+              </a:rPr>
+              <a:t>b</a:t>
+            </a:r>
+          </a:p>
+        </p:txBody>
+      </p:sp>
+      <p:cxnSp>
+        <p:nvCxnSpPr>
+          <p:cNvPr id="34" name="Straight Arrow Connector 33">
+            <a:extLst>
+              <a:ext uri="{FF2B5EF4-FFF2-40B4-BE49-F238E27FC236}">
+                <a16:creationId xmlns:a16="http://schemas.microsoft.com/office/drawing/2014/main" id="{6924D4D2-7635-08C6-EB59-3B38F692FD91}"/>
+              </a:ext>
+            </a:extLst>
+          </p:cNvPr>
+          <p:cNvCxnSpPr/>
+          <p:nvPr/>
+        </p:nvCxnSpPr>
+        <p:spPr>
+          <a:xfrm>
+            <a:off x="2510023" y="3878311"/>
+            <a:ext cx="649312" cy="0"/>
+          </a:xfrm>
+          <a:prstGeom prst="straightConnector1">
+            <a:avLst/>
+          </a:prstGeom>
+          <a:ln w="38100">
+            <a:solidFill>
+              <a:srgbClr val="C00000"/>
+            </a:solidFill>
+            <a:tailEnd type="triangle"/>
+          </a:ln>
+        </p:spPr>
+        <p:style>
+          <a:lnRef idx="2">
+            <a:schemeClr val="accent1"/>
+          </a:lnRef>
+          <a:fillRef idx="0">
+            <a:schemeClr val="accent1"/>
+          </a:fillRef>
+          <a:effectRef idx="1">
+            <a:schemeClr val="accent1"/>
+          </a:effectRef>
+          <a:fontRef idx="minor">
+            <a:schemeClr val="tx1"/>
+          </a:fontRef>
+        </p:style>
+      </p:cxnSp>
+      <p:cxnSp>
+        <p:nvCxnSpPr>
+          <p:cNvPr id="35" name="Straight Arrow Connector 34">
+            <a:extLst>
+              <a:ext uri="{FF2B5EF4-FFF2-40B4-BE49-F238E27FC236}">
+                <a16:creationId xmlns:a16="http://schemas.microsoft.com/office/drawing/2014/main" id="{D4D5EDF5-87E9-A2E1-101A-D754E8CB1816}"/>
+              </a:ext>
+            </a:extLst>
+          </p:cNvPr>
+          <p:cNvCxnSpPr>
+            <a:cxnSpLocks/>
+          </p:cNvCxnSpPr>
+          <p:nvPr/>
+        </p:nvCxnSpPr>
+        <p:spPr>
+          <a:xfrm flipV="1">
+            <a:off x="3310636" y="2959825"/>
+            <a:ext cx="0" cy="809028"/>
+          </a:xfrm>
+          <a:prstGeom prst="straightConnector1">
+            <a:avLst/>
+          </a:prstGeom>
+          <a:ln w="38100">
+            <a:solidFill>
+              <a:srgbClr val="C00000"/>
+            </a:solidFill>
+            <a:tailEnd type="triangle"/>
+          </a:ln>
+        </p:spPr>
+        <p:style>
+          <a:lnRef idx="2">
+            <a:schemeClr val="accent1"/>
+          </a:lnRef>
+          <a:fillRef idx="0">
+            <a:schemeClr val="accent1"/>
+          </a:fillRef>
+          <a:effectRef idx="1">
+            <a:schemeClr val="accent1"/>
+          </a:effectRef>
+          <a:fontRef idx="minor">
+            <a:schemeClr val="tx1"/>
+          </a:fontRef>
+        </p:style>
+      </p:cxnSp>
+    </p:spTree>
+    <p:extLst>
+      <p:ext uri="{BB962C8B-B14F-4D97-AF65-F5344CB8AC3E}">
+        <p14:creationId xmlns:p14="http://schemas.microsoft.com/office/powerpoint/2010/main" val="992342197"/>
+      </p:ext>
+    </p:extLst>
+  </p:cSld>
+  <p:clrMapOvr>
+    <a:masterClrMapping/>
+  </p:clrMapOvr>
+</p:sld>
+</file>
+
+<file path=ppt/slides/slide11.xml><?xml version="1.0" encoding="utf-8"?>
+<p:sld xmlns:a="http://schemas.openxmlformats.org/drawingml/2006/main" xmlns:r="http://schemas.openxmlformats.org/officeDocument/2006/relationships" xmlns:p="http://schemas.openxmlformats.org/presentationml/2006/main">
+  <p:cSld>
+    <p:spTree>
+      <p:nvGrpSpPr>
+        <p:cNvPr id="1" name=""/>
+        <p:cNvGrpSpPr/>
+        <p:nvPr/>
+      </p:nvGrpSpPr>
+      <p:grpSpPr>
+        <a:xfrm>
+          <a:off x="0" y="0"/>
+          <a:ext cx="0" cy="0"/>
+          <a:chOff x="0" y="0"/>
+          <a:chExt cx="0" cy="0"/>
+        </a:xfrm>
+      </p:grpSpPr>
+      <p:sp>
+        <p:nvSpPr>
           <p:cNvPr id="4" name="TextBox 3">
             <a:extLst>
               <a:ext uri="{FF2B5EF4-FFF2-40B4-BE49-F238E27FC236}">
@@ -4762,7 +6325,7 @@
 </p:sld>
 </file>
 
-<file path=ppt/slides/slide11.xml><?xml version="1.0" encoding="utf-8"?>
+<file path=ppt/slides/slide12.xml><?xml version="1.0" encoding="utf-8"?>
 <p:sld xmlns:a="http://schemas.openxmlformats.org/drawingml/2006/main" xmlns:r="http://schemas.openxmlformats.org/officeDocument/2006/relationships" xmlns:p="http://schemas.openxmlformats.org/presentationml/2006/main">
   <p:cSld>
     <p:spTree>
@@ -5822,7 +7385,7 @@
 </p:sld>
 </file>
 
-<file path=ppt/slides/slide12.xml><?xml version="1.0" encoding="utf-8"?>
+<file path=ppt/slides/slide13.xml><?xml version="1.0" encoding="utf-8"?>
 <p:sld xmlns:a="http://schemas.openxmlformats.org/drawingml/2006/main" xmlns:r="http://schemas.openxmlformats.org/officeDocument/2006/relationships" xmlns:p="http://schemas.openxmlformats.org/presentationml/2006/main">
   <p:cSld>
     <p:spTree>
@@ -6949,7 +8512,7 @@
 </p:sld>
 </file>
 
-<file path=ppt/slides/slide13.xml><?xml version="1.0" encoding="utf-8"?>
+<file path=ppt/slides/slide14.xml><?xml version="1.0" encoding="utf-8"?>
 <p:sld xmlns:a="http://schemas.openxmlformats.org/drawingml/2006/main" xmlns:r="http://schemas.openxmlformats.org/officeDocument/2006/relationships" xmlns:p="http://schemas.openxmlformats.org/presentationml/2006/main">
   <p:cSld>
     <p:spTree>
@@ -7527,7 +9090,7 @@
 </p:sld>
 </file>
 
-<file path=ppt/slides/slide14.xml><?xml version="1.0" encoding="utf-8"?>
+<file path=ppt/slides/slide15.xml><?xml version="1.0" encoding="utf-8"?>
 <p:sld xmlns:a="http://schemas.openxmlformats.org/drawingml/2006/main" xmlns:r="http://schemas.openxmlformats.org/officeDocument/2006/relationships" xmlns:p="http://schemas.openxmlformats.org/presentationml/2006/main">
   <p:cSld>
     <p:spTree>
@@ -9618,7 +11181,7 @@
 </p:sld>
 </file>
 
-<file path=ppt/slides/slide15.xml><?xml version="1.0" encoding="utf-8"?>
+<file path=ppt/slides/slide16.xml><?xml version="1.0" encoding="utf-8"?>
 <p:sld xmlns:a="http://schemas.openxmlformats.org/drawingml/2006/main" xmlns:r="http://schemas.openxmlformats.org/officeDocument/2006/relationships" xmlns:p="http://schemas.openxmlformats.org/presentationml/2006/main">
   <p:cSld>
     <p:spTree>
@@ -10243,7 +11806,7 @@
 </p:sld>
 </file>
 
-<file path=ppt/slides/slide16.xml><?xml version="1.0" encoding="utf-8"?>
+<file path=ppt/slides/slide17.xml><?xml version="1.0" encoding="utf-8"?>
 <p:sld xmlns:a="http://schemas.openxmlformats.org/drawingml/2006/main" xmlns:r="http://schemas.openxmlformats.org/officeDocument/2006/relationships" xmlns:p="http://schemas.openxmlformats.org/presentationml/2006/main">
   <p:cSld>
     <p:spTree>
@@ -11552,7 +13115,7 @@
 </p:sld>
 </file>
 
-<file path=ppt/slides/slide17.xml><?xml version="1.0" encoding="utf-8"?>
+<file path=ppt/slides/slide18.xml><?xml version="1.0" encoding="utf-8"?>
 <p:sld xmlns:a="http://schemas.openxmlformats.org/drawingml/2006/main" xmlns:r="http://schemas.openxmlformats.org/officeDocument/2006/relationships" xmlns:p="http://schemas.openxmlformats.org/presentationml/2006/main">
   <p:cSld>
     <p:spTree>
@@ -13451,7 +15014,7 @@
 </p:sld>
 </file>
 
-<file path=ppt/slides/slide18.xml><?xml version="1.0" encoding="utf-8"?>
+<file path=ppt/slides/slide19.xml><?xml version="1.0" encoding="utf-8"?>
 <p:sld xmlns:a="http://schemas.openxmlformats.org/drawingml/2006/main" xmlns:r="http://schemas.openxmlformats.org/officeDocument/2006/relationships" xmlns:p="http://schemas.openxmlformats.org/presentationml/2006/main">
   <p:cSld>
     <p:spTree>
@@ -17660,970 +19223,6 @@
     <p:extLst>
       <p:ext uri="{BB962C8B-B14F-4D97-AF65-F5344CB8AC3E}">
         <p14:creationId xmlns:p14="http://schemas.microsoft.com/office/powerpoint/2010/main" val="2763728336"/>
-      </p:ext>
-    </p:extLst>
-  </p:cSld>
-  <p:clrMapOvr>
-    <a:masterClrMapping/>
-  </p:clrMapOvr>
-</p:sld>
-</file>
-
-<file path=ppt/slides/slide19.xml><?xml version="1.0" encoding="utf-8"?>
-<p:sld xmlns:a="http://schemas.openxmlformats.org/drawingml/2006/main" xmlns:r="http://schemas.openxmlformats.org/officeDocument/2006/relationships" xmlns:p="http://schemas.openxmlformats.org/presentationml/2006/main">
-  <p:cSld>
-    <p:spTree>
-      <p:nvGrpSpPr>
-        <p:cNvPr id="1" name=""/>
-        <p:cNvGrpSpPr/>
-        <p:nvPr/>
-      </p:nvGrpSpPr>
-      <p:grpSpPr>
-        <a:xfrm>
-          <a:off x="0" y="0"/>
-          <a:ext cx="0" cy="0"/>
-          <a:chOff x="0" y="0"/>
-          <a:chExt cx="0" cy="0"/>
-        </a:xfrm>
-      </p:grpSpPr>
-      <p:sp>
-        <p:nvSpPr>
-          <p:cNvPr id="2" name="Title 1">
-            <a:extLst>
-              <a:ext uri="{FF2B5EF4-FFF2-40B4-BE49-F238E27FC236}">
-                <a16:creationId xmlns:a16="http://schemas.microsoft.com/office/drawing/2014/main" id="{F61AEC2D-22ED-0C9F-1BBB-6AD77A915DCB}"/>
-              </a:ext>
-            </a:extLst>
-          </p:cNvPr>
-          <p:cNvSpPr>
-            <a:spLocks noGrp="1"/>
-          </p:cNvSpPr>
-          <p:nvPr>
-            <p:ph type="title"/>
-          </p:nvPr>
-        </p:nvSpPr>
-        <p:spPr>
-          <a:xfrm>
-            <a:off x="749300" y="195355"/>
-            <a:ext cx="10515600" cy="1325563"/>
-          </a:xfrm>
-        </p:spPr>
-        <p:txBody>
-          <a:bodyPr/>
-          <a:lstStyle/>
-          <a:p>
-            <a:r>
-              <a:rPr lang="en-US" dirty="0"/>
-              <a:t>2D convolution as a matrix operation</a:t>
-            </a:r>
-          </a:p>
-        </p:txBody>
-      </p:sp>
-      <mc:AlternateContent xmlns:mc="http://schemas.openxmlformats.org/markup-compatibility/2006" xmlns:a14="http://schemas.microsoft.com/office/drawing/2010/main">
-        <mc:Choice Requires="a14">
-          <p:sp>
-            <p:nvSpPr>
-              <p:cNvPr id="3" name="TextBox 2">
-                <a:extLst>
-                  <a:ext uri="{FF2B5EF4-FFF2-40B4-BE49-F238E27FC236}">
-                    <a16:creationId xmlns:a16="http://schemas.microsoft.com/office/drawing/2014/main" id="{D49D1B48-2D9F-AE5B-D605-82A622661732}"/>
-                  </a:ext>
-                </a:extLst>
-              </p:cNvPr>
-              <p:cNvSpPr txBox="1"/>
-              <p:nvPr/>
-            </p:nvSpPr>
-            <p:spPr>
-              <a:xfrm>
-                <a:off x="581723" y="3842703"/>
-                <a:ext cx="1219200" cy="2720040"/>
-              </a:xfrm>
-              <a:prstGeom prst="rect">
-                <a:avLst/>
-              </a:prstGeom>
-              <a:noFill/>
-            </p:spPr>
-            <p:txBody>
-              <a:bodyPr wrap="square" lIns="0" tIns="0" rIns="0" bIns="0" rtlCol="0">
-                <a:spAutoFit/>
-              </a:bodyPr>
-              <a:lstStyle/>
-              <a:p>
-                <a:pPr/>
-                <a14:m>
-                  <m:oMathPara xmlns:m="http://schemas.openxmlformats.org/officeDocument/2006/math">
-                    <m:oMathParaPr>
-                      <m:jc m:val="centerGroup"/>
-                    </m:oMathParaPr>
-                    <m:oMath xmlns:m="http://schemas.openxmlformats.org/officeDocument/2006/math">
-                      <m:m>
-                        <m:mPr>
-                          <m:mcs>
-                            <m:mc>
-                              <m:mcPr>
-                                <m:count m:val="1"/>
-                                <m:mcJc m:val="center"/>
-                              </m:mcPr>
-                            </m:mc>
-                          </m:mcs>
-                          <m:ctrlPr>
-                            <a:rPr lang="en-US" sz="2400" b="0" i="1" smtClean="0">
-                              <a:latin typeface="Cambria Math" panose="02040503050406030204" pitchFamily="18" charset="0"/>
-                            </a:rPr>
-                          </m:ctrlPr>
-                        </m:mPr>
-                        <m:mr>
-                          <m:e>
-                            <m:r>
-                              <m:rPr>
-                                <m:brk m:alnAt="7"/>
-                              </m:rPr>
-                              <a:rPr lang="en-US" sz="2400" b="0" i="1" smtClean="0">
-                                <a:latin typeface="Cambria Math" panose="02040503050406030204" pitchFamily="18" charset="0"/>
-                              </a:rPr>
-                              <m:t>𝑎</m:t>
-                            </m:r>
-                          </m:e>
-                        </m:mr>
-                        <m:mr>
-                          <m:e>
-                            <m:r>
-                              <a:rPr lang="en-US" sz="2400" b="0" i="1" smtClean="0">
-                                <a:latin typeface="Cambria Math" panose="02040503050406030204" pitchFamily="18" charset="0"/>
-                              </a:rPr>
-                              <m:t>𝑏</m:t>
-                            </m:r>
-                          </m:e>
-                        </m:mr>
-                        <m:mr>
-                          <m:e>
-                            <m:r>
-                              <a:rPr lang="en-US" sz="2400" b="0" i="1" smtClean="0">
-                                <a:latin typeface="Cambria Math" panose="02040503050406030204" pitchFamily="18" charset="0"/>
-                              </a:rPr>
-                              <m:t>𝑐</m:t>
-                            </m:r>
-                          </m:e>
-                        </m:mr>
-                        <m:mr>
-                          <m:e>
-                            <m:r>
-                              <a:rPr lang="en-US" sz="2400" b="0" i="1" smtClean="0">
-                                <a:latin typeface="Cambria Math" panose="02040503050406030204" pitchFamily="18" charset="0"/>
-                              </a:rPr>
-                              <m:t>𝑑</m:t>
-                            </m:r>
-                          </m:e>
-                        </m:mr>
-                        <m:mr>
-                          <m:e>
-                            <m:r>
-                              <a:rPr lang="en-US" sz="2400" b="0" i="1" smtClean="0">
-                                <a:latin typeface="Cambria Math" panose="02040503050406030204" pitchFamily="18" charset="0"/>
-                              </a:rPr>
-                              <m:t>𝑒</m:t>
-                            </m:r>
-                          </m:e>
-                        </m:mr>
-                        <m:mr>
-                          <m:e>
-                            <m:r>
-                              <a:rPr lang="en-US" sz="2400" b="0" i="1" smtClean="0">
-                                <a:latin typeface="Cambria Math" panose="02040503050406030204" pitchFamily="18" charset="0"/>
-                              </a:rPr>
-                              <m:t>𝑓</m:t>
-                            </m:r>
-                          </m:e>
-                        </m:mr>
-                        <m:mr>
-                          <m:e>
-                            <m:r>
-                              <a:rPr lang="en-US" sz="2400" b="0" i="1" smtClean="0">
-                                <a:latin typeface="Cambria Math" panose="02040503050406030204" pitchFamily="18" charset="0"/>
-                              </a:rPr>
-                              <m:t>𝑔</m:t>
-                            </m:r>
-                          </m:e>
-                        </m:mr>
-                        <m:mr>
-                          <m:e>
-                            <m:r>
-                              <a:rPr lang="en-US" sz="2400" b="0" i="1" smtClean="0">
-                                <a:latin typeface="Cambria Math" panose="02040503050406030204" pitchFamily="18" charset="0"/>
-                              </a:rPr>
-                              <m:t>⋮</m:t>
-                            </m:r>
-                          </m:e>
-                        </m:mr>
-                      </m:m>
-                    </m:oMath>
-                  </m:oMathPara>
-                </a14:m>
-                <a:endParaRPr lang="en-US" sz="2400" dirty="0"/>
-              </a:p>
-            </p:txBody>
-          </p:sp>
-        </mc:Choice>
-        <mc:Fallback xmlns="">
-          <p:sp>
-            <p:nvSpPr>
-              <p:cNvPr id="3" name="TextBox 2">
-                <a:extLst>
-                  <a:ext uri="{FF2B5EF4-FFF2-40B4-BE49-F238E27FC236}">
-                    <a16:creationId xmlns:a16="http://schemas.microsoft.com/office/drawing/2014/main" id="{D49D1B48-2D9F-AE5B-D605-82A622661732}"/>
-                  </a:ext>
-                </a:extLst>
-              </p:cNvPr>
-              <p:cNvSpPr txBox="1">
-                <a:spLocks noRot="1" noChangeAspect="1" noMove="1" noResize="1" noEditPoints="1" noAdjustHandles="1" noChangeArrowheads="1" noChangeShapeType="1" noTextEdit="1"/>
-              </p:cNvSpPr>
-              <p:nvPr/>
-            </p:nvSpPr>
-            <p:spPr>
-              <a:xfrm>
-                <a:off x="581723" y="3842703"/>
-                <a:ext cx="1219200" cy="2720040"/>
-              </a:xfrm>
-              <a:prstGeom prst="rect">
-                <a:avLst/>
-              </a:prstGeom>
-              <a:blipFill>
-                <a:blip r:embed="rId2"/>
-                <a:stretch>
-                  <a:fillRect b="-3256"/>
-                </a:stretch>
-              </a:blipFill>
-            </p:spPr>
-            <p:txBody>
-              <a:bodyPr/>
-              <a:lstStyle/>
-              <a:p>
-                <a:r>
-                  <a:rPr lang="en-US">
-                    <a:noFill/>
-                  </a:rPr>
-                  <a:t> </a:t>
-                </a:r>
-              </a:p>
-            </p:txBody>
-          </p:sp>
-        </mc:Fallback>
-      </mc:AlternateContent>
-      <mc:AlternateContent xmlns:mc="http://schemas.openxmlformats.org/markup-compatibility/2006" xmlns:a14="http://schemas.microsoft.com/office/drawing/2010/main">
-        <mc:Choice Requires="a14">
-          <p:sp>
-            <p:nvSpPr>
-              <p:cNvPr id="4" name="TextBox 3">
-                <a:extLst>
-                  <a:ext uri="{FF2B5EF4-FFF2-40B4-BE49-F238E27FC236}">
-                    <a16:creationId xmlns:a16="http://schemas.microsoft.com/office/drawing/2014/main" id="{B707A0AE-88E0-DFD7-6BED-ED51E4C9DEE8}"/>
-                  </a:ext>
-                </a:extLst>
-              </p:cNvPr>
-              <p:cNvSpPr txBox="1"/>
-              <p:nvPr/>
-            </p:nvSpPr>
-            <p:spPr>
-              <a:xfrm>
-                <a:off x="5323777" y="3146132"/>
-                <a:ext cx="2642647" cy="677108"/>
-              </a:xfrm>
-              <a:prstGeom prst="rect">
-                <a:avLst/>
-              </a:prstGeom>
-              <a:noFill/>
-            </p:spPr>
-            <p:txBody>
-              <a:bodyPr wrap="none" lIns="0" tIns="0" rIns="0" bIns="0" rtlCol="0">
-                <a:spAutoFit/>
-              </a:bodyPr>
-              <a:lstStyle/>
-              <a:p>
-                <a:pPr/>
-                <a14:m>
-                  <m:oMathPara xmlns:m="http://schemas.openxmlformats.org/officeDocument/2006/math">
-                    <m:oMathParaPr>
-                      <m:jc m:val="centerGroup"/>
-                    </m:oMathParaPr>
-                    <m:oMath xmlns:m="http://schemas.openxmlformats.org/officeDocument/2006/math">
-                      <m:r>
-                        <a:rPr lang="en-US" sz="4400" b="0" i="1" smtClean="0">
-                          <a:latin typeface="Cambria Math" panose="02040503050406030204" pitchFamily="18" charset="0"/>
-                        </a:rPr>
-                        <m:t>𝐻</m:t>
-                      </m:r>
-                      <m:r>
-                        <a:rPr lang="en-US" sz="4400" b="0" i="1" smtClean="0">
-                          <a:latin typeface="Cambria Math" panose="02040503050406030204" pitchFamily="18" charset="0"/>
-                        </a:rPr>
-                        <m:t>∗</m:t>
-                      </m:r>
-                      <m:sSup>
-                        <m:sSupPr>
-                          <m:ctrlPr>
-                            <a:rPr lang="en-US" sz="4400" b="0" i="1" smtClean="0">
-                              <a:latin typeface="Cambria Math" panose="02040503050406030204" pitchFamily="18" charset="0"/>
-                            </a:rPr>
-                          </m:ctrlPr>
-                        </m:sSupPr>
-                        <m:e>
-                          <m:r>
-                            <a:rPr lang="en-US" sz="4400" b="0" i="1" smtClean="0">
-                              <a:latin typeface="Cambria Math" panose="02040503050406030204" pitchFamily="18" charset="0"/>
-                            </a:rPr>
-                            <m:t>𝑔</m:t>
-                          </m:r>
-                        </m:e>
-                        <m:sup>
-                          <m:r>
-                            <a:rPr lang="en-US" sz="4400" b="0" i="1" smtClean="0">
-                              <a:latin typeface="Cambria Math" panose="02040503050406030204" pitchFamily="18" charset="0"/>
-                            </a:rPr>
-                            <m:t>′</m:t>
-                          </m:r>
-                        </m:sup>
-                      </m:sSup>
-                      <m:r>
-                        <a:rPr lang="en-US" sz="4400" b="0" i="1" smtClean="0">
-                          <a:latin typeface="Cambria Math" panose="02040503050406030204" pitchFamily="18" charset="0"/>
-                        </a:rPr>
-                        <m:t>=</m:t>
-                      </m:r>
-                      <m:r>
-                        <a:rPr lang="en-US" sz="4400" b="0" i="1" smtClean="0">
-                          <a:latin typeface="Cambria Math" panose="02040503050406030204" pitchFamily="18" charset="0"/>
-                        </a:rPr>
-                        <m:t>𝑥</m:t>
-                      </m:r>
-                    </m:oMath>
-                  </m:oMathPara>
-                </a14:m>
-                <a:endParaRPr lang="en-US" sz="4400" dirty="0"/>
-              </a:p>
-            </p:txBody>
-          </p:sp>
-        </mc:Choice>
-        <mc:Fallback xmlns="">
-          <p:sp>
-            <p:nvSpPr>
-              <p:cNvPr id="4" name="TextBox 3">
-                <a:extLst>
-                  <a:ext uri="{FF2B5EF4-FFF2-40B4-BE49-F238E27FC236}">
-                    <a16:creationId xmlns:a16="http://schemas.microsoft.com/office/drawing/2014/main" id="{B707A0AE-88E0-DFD7-6BED-ED51E4C9DEE8}"/>
-                  </a:ext>
-                </a:extLst>
-              </p:cNvPr>
-              <p:cNvSpPr txBox="1">
-                <a:spLocks noRot="1" noChangeAspect="1" noMove="1" noResize="1" noEditPoints="1" noAdjustHandles="1" noChangeArrowheads="1" noChangeShapeType="1" noTextEdit="1"/>
-              </p:cNvSpPr>
-              <p:nvPr/>
-            </p:nvSpPr>
-            <p:spPr>
-              <a:xfrm>
-                <a:off x="5323777" y="3146132"/>
-                <a:ext cx="2642647" cy="677108"/>
-              </a:xfrm>
-              <a:prstGeom prst="rect">
-                <a:avLst/>
-              </a:prstGeom>
-              <a:blipFill>
-                <a:blip r:embed="rId3"/>
-                <a:stretch>
-                  <a:fillRect l="-4785" r="-1914" b="-25926"/>
-                </a:stretch>
-              </a:blipFill>
-            </p:spPr>
-            <p:txBody>
-              <a:bodyPr/>
-              <a:lstStyle/>
-              <a:p>
-                <a:r>
-                  <a:rPr lang="en-US">
-                    <a:noFill/>
-                  </a:rPr>
-                  <a:t> </a:t>
-                </a:r>
-              </a:p>
-            </p:txBody>
-          </p:sp>
-        </mc:Fallback>
-      </mc:AlternateContent>
-      <p:sp>
-        <p:nvSpPr>
-          <p:cNvPr id="5" name="TextBox 4">
-            <a:extLst>
-              <a:ext uri="{FF2B5EF4-FFF2-40B4-BE49-F238E27FC236}">
-                <a16:creationId xmlns:a16="http://schemas.microsoft.com/office/drawing/2014/main" id="{2A5F2C10-2F0B-2AE4-FDE6-F5425263722C}"/>
-              </a:ext>
-            </a:extLst>
-          </p:cNvPr>
-          <p:cNvSpPr txBox="1"/>
-          <p:nvPr/>
-        </p:nvSpPr>
-        <p:spPr>
-          <a:xfrm>
-            <a:off x="3768573" y="1960123"/>
-            <a:ext cx="1718740" cy="523220"/>
-          </a:xfrm>
-          <a:prstGeom prst="rect">
-            <a:avLst/>
-          </a:prstGeom>
-          <a:noFill/>
-        </p:spPr>
-        <p:txBody>
-          <a:bodyPr wrap="none" rtlCol="0">
-            <a:spAutoFit/>
-          </a:bodyPr>
-          <a:lstStyle/>
-          <a:p>
-            <a:r>
-              <a:rPr lang="en-US" sz="2800" dirty="0"/>
-              <a:t>&lt;16 x 36 &gt;</a:t>
-            </a:r>
-          </a:p>
-        </p:txBody>
-      </p:sp>
-      <p:sp>
-        <p:nvSpPr>
-          <p:cNvPr id="6" name="TextBox 5">
-            <a:extLst>
-              <a:ext uri="{FF2B5EF4-FFF2-40B4-BE49-F238E27FC236}">
-                <a16:creationId xmlns:a16="http://schemas.microsoft.com/office/drawing/2014/main" id="{251E5DB4-2CEC-C8D3-2B62-BA9696D691BC}"/>
-              </a:ext>
-            </a:extLst>
-          </p:cNvPr>
-          <p:cNvSpPr txBox="1"/>
-          <p:nvPr/>
-        </p:nvSpPr>
-        <p:spPr>
-          <a:xfrm>
-            <a:off x="6130750" y="1960123"/>
-            <a:ext cx="1526380" cy="523220"/>
-          </a:xfrm>
-          <a:prstGeom prst="rect">
-            <a:avLst/>
-          </a:prstGeom>
-          <a:noFill/>
-        </p:spPr>
-        <p:txBody>
-          <a:bodyPr wrap="none" rtlCol="0">
-            <a:spAutoFit/>
-          </a:bodyPr>
-          <a:lstStyle/>
-          <a:p>
-            <a:r>
-              <a:rPr lang="en-US" sz="2800" dirty="0"/>
-              <a:t>&lt;36 x 1 &gt;</a:t>
-            </a:r>
-          </a:p>
-        </p:txBody>
-      </p:sp>
-      <mc:AlternateContent xmlns:mc="http://schemas.openxmlformats.org/markup-compatibility/2006" xmlns:a14="http://schemas.microsoft.com/office/drawing/2010/main">
-        <mc:Choice Requires="a14">
-          <p:sp>
-            <p:nvSpPr>
-              <p:cNvPr id="8" name="TextBox 7">
-                <a:extLst>
-                  <a:ext uri="{FF2B5EF4-FFF2-40B4-BE49-F238E27FC236}">
-                    <a16:creationId xmlns:a16="http://schemas.microsoft.com/office/drawing/2014/main" id="{6974FF80-3986-37E1-CA58-CC5DB056BB00}"/>
-                  </a:ext>
-                </a:extLst>
-              </p:cNvPr>
-              <p:cNvSpPr txBox="1"/>
-              <p:nvPr/>
-            </p:nvSpPr>
-            <p:spPr>
-              <a:xfrm>
-                <a:off x="4904677" y="3983929"/>
-                <a:ext cx="6096000" cy="646331"/>
-              </a:xfrm>
-              <a:prstGeom prst="rect">
-                <a:avLst/>
-              </a:prstGeom>
-              <a:noFill/>
-            </p:spPr>
-            <p:txBody>
-              <a:bodyPr wrap="square">
-                <a:spAutoFit/>
-              </a:bodyPr>
-              <a:lstStyle/>
-              <a:p>
-                <a:pPr/>
-                <a14:m>
-                  <m:oMathPara xmlns:m="http://schemas.openxmlformats.org/officeDocument/2006/math">
-                    <m:oMathParaPr>
-                      <m:jc m:val="centerGroup"/>
-                    </m:oMathParaPr>
-                    <m:oMath xmlns:m="http://schemas.openxmlformats.org/officeDocument/2006/math">
-                      <m:r>
-                        <a:rPr lang="en-US" sz="3600" b="0" i="1" smtClean="0">
-                          <a:latin typeface="Cambria Math" panose="02040503050406030204" pitchFamily="18" charset="0"/>
-                        </a:rPr>
-                        <m:t>𝑟𝑒𝑠h𝑎𝑝𝑒</m:t>
-                      </m:r>
-                      <m:d>
-                        <m:dPr>
-                          <m:ctrlPr>
-                            <a:rPr lang="en-US" sz="3600" b="0" i="1" smtClean="0">
-                              <a:latin typeface="Cambria Math" panose="02040503050406030204" pitchFamily="18" charset="0"/>
-                            </a:rPr>
-                          </m:ctrlPr>
-                        </m:dPr>
-                        <m:e>
-                          <m:r>
-                            <a:rPr lang="en-US" sz="3600" b="0" i="1" smtClean="0">
-                              <a:latin typeface="Cambria Math" panose="02040503050406030204" pitchFamily="18" charset="0"/>
-                            </a:rPr>
-                            <m:t>𝑥</m:t>
-                          </m:r>
-                        </m:e>
-                      </m:d>
-                      <m:r>
-                        <a:rPr lang="en-US" sz="3600" b="0" i="1" smtClean="0">
-                          <a:latin typeface="Cambria Math" panose="02040503050406030204" pitchFamily="18" charset="0"/>
-                        </a:rPr>
-                        <m:t>→ &lt;4 </m:t>
-                      </m:r>
-                      <m:r>
-                        <a:rPr lang="en-US" sz="3600" b="0" i="1" smtClean="0">
-                          <a:latin typeface="Cambria Math" panose="02040503050406030204" pitchFamily="18" charset="0"/>
-                        </a:rPr>
-                        <m:t>𝑥</m:t>
-                      </m:r>
-                      <m:r>
-                        <a:rPr lang="en-US" sz="3600" b="0" i="1" smtClean="0">
-                          <a:latin typeface="Cambria Math" panose="02040503050406030204" pitchFamily="18" charset="0"/>
-                        </a:rPr>
-                        <m:t> 4&gt;</m:t>
-                      </m:r>
-                    </m:oMath>
-                  </m:oMathPara>
-                </a14:m>
-                <a:endParaRPr lang="en-US" sz="3600" dirty="0"/>
-              </a:p>
-            </p:txBody>
-          </p:sp>
-        </mc:Choice>
-        <mc:Fallback xmlns="">
-          <p:sp>
-            <p:nvSpPr>
-              <p:cNvPr id="8" name="TextBox 7">
-                <a:extLst>
-                  <a:ext uri="{FF2B5EF4-FFF2-40B4-BE49-F238E27FC236}">
-                    <a16:creationId xmlns:a16="http://schemas.microsoft.com/office/drawing/2014/main" id="{6974FF80-3986-37E1-CA58-CC5DB056BB00}"/>
-                  </a:ext>
-                </a:extLst>
-              </p:cNvPr>
-              <p:cNvSpPr txBox="1">
-                <a:spLocks noRot="1" noChangeAspect="1" noMove="1" noResize="1" noEditPoints="1" noAdjustHandles="1" noChangeArrowheads="1" noChangeShapeType="1" noTextEdit="1"/>
-              </p:cNvSpPr>
-              <p:nvPr/>
-            </p:nvSpPr>
-            <p:spPr>
-              <a:xfrm>
-                <a:off x="4904677" y="3983929"/>
-                <a:ext cx="6096000" cy="646331"/>
-              </a:xfrm>
-              <a:prstGeom prst="rect">
-                <a:avLst/>
-              </a:prstGeom>
-              <a:blipFill>
-                <a:blip r:embed="rId4"/>
-                <a:stretch>
-                  <a:fillRect t="-1923" b="-23077"/>
-                </a:stretch>
-              </a:blipFill>
-            </p:spPr>
-            <p:txBody>
-              <a:bodyPr/>
-              <a:lstStyle/>
-              <a:p>
-                <a:r>
-                  <a:rPr lang="en-US">
-                    <a:noFill/>
-                  </a:rPr>
-                  <a:t> </a:t>
-                </a:r>
-              </a:p>
-            </p:txBody>
-          </p:sp>
-        </mc:Fallback>
-      </mc:AlternateContent>
-      <p:sp>
-        <p:nvSpPr>
-          <p:cNvPr id="9" name="TextBox 8">
-            <a:extLst>
-              <a:ext uri="{FF2B5EF4-FFF2-40B4-BE49-F238E27FC236}">
-                <a16:creationId xmlns:a16="http://schemas.microsoft.com/office/drawing/2014/main" id="{4520772E-8619-48AF-DFDA-0DF91C92FE60}"/>
-              </a:ext>
-            </a:extLst>
-          </p:cNvPr>
-          <p:cNvSpPr txBox="1"/>
-          <p:nvPr/>
-        </p:nvSpPr>
-        <p:spPr>
-          <a:xfrm>
-            <a:off x="1489653" y="4405026"/>
-            <a:ext cx="1218603" cy="923330"/>
-          </a:xfrm>
-          <a:prstGeom prst="rect">
-            <a:avLst/>
-          </a:prstGeom>
-          <a:noFill/>
-        </p:spPr>
-        <p:txBody>
-          <a:bodyPr wrap="none" rtlCol="0">
-            <a:spAutoFit/>
-          </a:bodyPr>
-          <a:lstStyle/>
-          <a:p>
-            <a:r>
-              <a:rPr lang="en-US" sz="5400" dirty="0"/>
-              <a:t>= g’</a:t>
-            </a:r>
-          </a:p>
-        </p:txBody>
-      </p:sp>
-      <p:cxnSp>
-        <p:nvCxnSpPr>
-          <p:cNvPr id="10" name="Straight Arrow Connector 9">
-            <a:extLst>
-              <a:ext uri="{FF2B5EF4-FFF2-40B4-BE49-F238E27FC236}">
-                <a16:creationId xmlns:a16="http://schemas.microsoft.com/office/drawing/2014/main" id="{3EC67579-C8D8-5D98-5E45-07357AE2A0D8}"/>
-              </a:ext>
-            </a:extLst>
-          </p:cNvPr>
-          <p:cNvCxnSpPr/>
-          <p:nvPr/>
-        </p:nvCxnSpPr>
-        <p:spPr>
-          <a:xfrm>
-            <a:off x="4627943" y="2553128"/>
-            <a:ext cx="695834" cy="593004"/>
-          </a:xfrm>
-          <a:prstGeom prst="straightConnector1">
-            <a:avLst/>
-          </a:prstGeom>
-          <a:ln>
-            <a:tailEnd type="triangle"/>
-          </a:ln>
-        </p:spPr>
-        <p:style>
-          <a:lnRef idx="2">
-            <a:schemeClr val="accent1"/>
-          </a:lnRef>
-          <a:fillRef idx="0">
-            <a:schemeClr val="accent1"/>
-          </a:fillRef>
-          <a:effectRef idx="1">
-            <a:schemeClr val="accent1"/>
-          </a:effectRef>
-          <a:fontRef idx="minor">
-            <a:schemeClr val="tx1"/>
-          </a:fontRef>
-        </p:style>
-      </p:cxnSp>
-      <p:cxnSp>
-        <p:nvCxnSpPr>
-          <p:cNvPr id="11" name="Straight Arrow Connector 10">
-            <a:extLst>
-              <a:ext uri="{FF2B5EF4-FFF2-40B4-BE49-F238E27FC236}">
-                <a16:creationId xmlns:a16="http://schemas.microsoft.com/office/drawing/2014/main" id="{6C3404FD-874B-FD71-C158-3BF49639A59C}"/>
-              </a:ext>
-            </a:extLst>
-          </p:cNvPr>
-          <p:cNvCxnSpPr>
-            <a:cxnSpLocks/>
-          </p:cNvCxnSpPr>
-          <p:nvPr/>
-        </p:nvCxnSpPr>
-        <p:spPr>
-          <a:xfrm flipH="1">
-            <a:off x="6496050" y="2553128"/>
-            <a:ext cx="318835" cy="593004"/>
-          </a:xfrm>
-          <a:prstGeom prst="straightConnector1">
-            <a:avLst/>
-          </a:prstGeom>
-          <a:ln>
-            <a:tailEnd type="triangle"/>
-          </a:ln>
-        </p:spPr>
-        <p:style>
-          <a:lnRef idx="2">
-            <a:schemeClr val="accent1"/>
-          </a:lnRef>
-          <a:fillRef idx="0">
-            <a:schemeClr val="accent1"/>
-          </a:fillRef>
-          <a:effectRef idx="1">
-            <a:schemeClr val="accent1"/>
-          </a:effectRef>
-          <a:fontRef idx="minor">
-            <a:schemeClr val="tx1"/>
-          </a:fontRef>
-        </p:style>
-      </p:cxnSp>
-      <mc:AlternateContent xmlns:mc="http://schemas.openxmlformats.org/markup-compatibility/2006" xmlns:a14="http://schemas.microsoft.com/office/drawing/2010/main">
-        <mc:Choice Requires="a14">
-          <p:sp>
-            <p:nvSpPr>
-              <p:cNvPr id="13" name="TextBox 12">
-                <a:extLst>
-                  <a:ext uri="{FF2B5EF4-FFF2-40B4-BE49-F238E27FC236}">
-                    <a16:creationId xmlns:a16="http://schemas.microsoft.com/office/drawing/2014/main" id="{D8E4CB76-C0DA-324D-25C9-B67EFD1E8CA5}"/>
-                  </a:ext>
-                </a:extLst>
-              </p:cNvPr>
-              <p:cNvSpPr txBox="1"/>
-              <p:nvPr/>
-            </p:nvSpPr>
-            <p:spPr>
-              <a:xfrm>
-                <a:off x="511136" y="1370107"/>
-                <a:ext cx="2470228" cy="1614673"/>
-              </a:xfrm>
-              <a:prstGeom prst="rect">
-                <a:avLst/>
-              </a:prstGeom>
-              <a:noFill/>
-            </p:spPr>
-            <p:txBody>
-              <a:bodyPr wrap="none" lIns="0" tIns="0" rIns="0" bIns="0" rtlCol="0">
-                <a:spAutoFit/>
-              </a:bodyPr>
-              <a:lstStyle/>
-              <a:p>
-                <a:pPr/>
-                <a14:m>
-                  <m:oMathPara xmlns:m="http://schemas.openxmlformats.org/officeDocument/2006/math">
-                    <m:oMathParaPr>
-                      <m:jc m:val="centerGroup"/>
-                    </m:oMathParaPr>
-                    <m:oMath xmlns:m="http://schemas.openxmlformats.org/officeDocument/2006/math">
-                      <m:m>
-                        <m:mPr>
-                          <m:mcs>
-                            <m:mc>
-                              <m:mcPr>
-                                <m:count m:val="6"/>
-                                <m:mcJc m:val="center"/>
-                              </m:mcPr>
-                            </m:mc>
-                          </m:mcs>
-                          <m:ctrlPr>
-                            <a:rPr lang="en-US" i="1" smtClean="0">
-                              <a:latin typeface="Cambria Math" panose="02040503050406030204" pitchFamily="18" charset="0"/>
-                            </a:rPr>
-                          </m:ctrlPr>
-                        </m:mPr>
-                        <m:mr>
-                          <m:e>
-                            <m:r>
-                              <m:rPr>
-                                <m:brk m:alnAt="7"/>
-                              </m:rPr>
-                              <a:rPr lang="en-US" b="0" i="1" smtClean="0">
-                                <a:latin typeface="Cambria Math" panose="02040503050406030204" pitchFamily="18" charset="0"/>
-                              </a:rPr>
-                              <m:t>𝑎</m:t>
-                            </m:r>
-                          </m:e>
-                          <m:e>
-                            <m:r>
-                              <a:rPr lang="en-US" b="0" i="1" smtClean="0">
-                                <a:latin typeface="Cambria Math" panose="02040503050406030204" pitchFamily="18" charset="0"/>
-                              </a:rPr>
-                              <m:t>𝑏</m:t>
-                            </m:r>
-                          </m:e>
-                          <m:e>
-                            <m:r>
-                              <a:rPr lang="en-US" b="0" i="1" smtClean="0">
-                                <a:latin typeface="Cambria Math" panose="02040503050406030204" pitchFamily="18" charset="0"/>
-                              </a:rPr>
-                              <m:t>𝑐</m:t>
-                            </m:r>
-                          </m:e>
-                          <m:e>
-                            <m:r>
-                              <a:rPr lang="en-US" b="0" i="1" smtClean="0">
-                                <a:latin typeface="Cambria Math" panose="02040503050406030204" pitchFamily="18" charset="0"/>
-                              </a:rPr>
-                              <m:t>𝑑</m:t>
-                            </m:r>
-                          </m:e>
-                          <m:e>
-                            <m:r>
-                              <a:rPr lang="en-US" b="0" i="1" smtClean="0">
-                                <a:latin typeface="Cambria Math" panose="02040503050406030204" pitchFamily="18" charset="0"/>
-                              </a:rPr>
-                              <m:t>𝑒</m:t>
-                            </m:r>
-                          </m:e>
-                          <m:e>
-                            <m:r>
-                              <a:rPr lang="en-US" b="0" i="1" smtClean="0">
-                                <a:latin typeface="Cambria Math" panose="02040503050406030204" pitchFamily="18" charset="0"/>
-                              </a:rPr>
-                              <m:t>𝑓</m:t>
-                            </m:r>
-                          </m:e>
-                        </m:mr>
-                        <m:mr>
-                          <m:e>
-                            <m:r>
-                              <a:rPr lang="en-US" b="0" i="1" smtClean="0">
-                                <a:latin typeface="Cambria Math" panose="02040503050406030204" pitchFamily="18" charset="0"/>
-                              </a:rPr>
-                              <m:t>𝑔</m:t>
-                            </m:r>
-                          </m:e>
-                          <m:e>
-                            <m:r>
-                              <a:rPr lang="en-US" b="0" i="1" smtClean="0">
-                                <a:latin typeface="Cambria Math" panose="02040503050406030204" pitchFamily="18" charset="0"/>
-                              </a:rPr>
-                              <m:t>h</m:t>
-                            </m:r>
-                          </m:e>
-                          <m:e>
-                            <m:r>
-                              <a:rPr lang="en-US" b="0" i="1" smtClean="0">
-                                <a:latin typeface="Cambria Math" panose="02040503050406030204" pitchFamily="18" charset="0"/>
-                              </a:rPr>
-                              <m:t>…</m:t>
-                            </m:r>
-                          </m:e>
-                          <m:e/>
-                          <m:e/>
-                          <m:e/>
-                        </m:mr>
-                        <m:mr>
-                          <m:e/>
-                          <m:e/>
-                          <m:e/>
-                          <m:e/>
-                          <m:e/>
-                          <m:e/>
-                        </m:mr>
-                        <m:mr>
-                          <m:e/>
-                          <m:e/>
-                          <m:e/>
-                          <m:e/>
-                          <m:e/>
-                          <m:e/>
-                        </m:mr>
-                        <m:mr>
-                          <m:e/>
-                          <m:e/>
-                          <m:e/>
-                          <m:e/>
-                          <m:e/>
-                          <m:e/>
-                        </m:mr>
-                        <m:mr>
-                          <m:e/>
-                          <m:e/>
-                          <m:e/>
-                          <m:e/>
-                          <m:e/>
-                          <m:e/>
-                        </m:mr>
-                      </m:m>
-                    </m:oMath>
-                  </m:oMathPara>
-                </a14:m>
-                <a:endParaRPr lang="en-US" dirty="0"/>
-              </a:p>
-            </p:txBody>
-          </p:sp>
-        </mc:Choice>
-        <mc:Fallback xmlns="">
-          <p:sp>
-            <p:nvSpPr>
-              <p:cNvPr id="13" name="TextBox 12">
-                <a:extLst>
-                  <a:ext uri="{FF2B5EF4-FFF2-40B4-BE49-F238E27FC236}">
-                    <a16:creationId xmlns:a16="http://schemas.microsoft.com/office/drawing/2014/main" id="{D8E4CB76-C0DA-324D-25C9-B67EFD1E8CA5}"/>
-                  </a:ext>
-                </a:extLst>
-              </p:cNvPr>
-              <p:cNvSpPr txBox="1">
-                <a:spLocks noRot="1" noChangeAspect="1" noMove="1" noResize="1" noEditPoints="1" noAdjustHandles="1" noChangeArrowheads="1" noChangeShapeType="1" noTextEdit="1"/>
-              </p:cNvSpPr>
-              <p:nvPr/>
-            </p:nvSpPr>
-            <p:spPr>
-              <a:xfrm>
-                <a:off x="511136" y="1370107"/>
-                <a:ext cx="2470228" cy="1614673"/>
-              </a:xfrm>
-              <a:prstGeom prst="rect">
-                <a:avLst/>
-              </a:prstGeom>
-              <a:blipFill>
-                <a:blip r:embed="rId5"/>
-                <a:stretch>
-                  <a:fillRect l="-513" t="-1563" r="-1026"/>
-                </a:stretch>
-              </a:blipFill>
-            </p:spPr>
-            <p:txBody>
-              <a:bodyPr/>
-              <a:lstStyle/>
-              <a:p>
-                <a:r>
-                  <a:rPr lang="en-US">
-                    <a:noFill/>
-                  </a:rPr>
-                  <a:t> </a:t>
-                </a:r>
-              </a:p>
-            </p:txBody>
-          </p:sp>
-        </mc:Fallback>
-      </mc:AlternateContent>
-      <p:sp>
-        <p:nvSpPr>
-          <p:cNvPr id="14" name="TextBox 13">
-            <a:extLst>
-              <a:ext uri="{FF2B5EF4-FFF2-40B4-BE49-F238E27FC236}">
-                <a16:creationId xmlns:a16="http://schemas.microsoft.com/office/drawing/2014/main" id="{FE44D978-E40F-9B37-E021-8CAF51FFAA10}"/>
-              </a:ext>
-            </a:extLst>
-          </p:cNvPr>
-          <p:cNvSpPr txBox="1"/>
-          <p:nvPr/>
-        </p:nvSpPr>
-        <p:spPr>
-          <a:xfrm>
-            <a:off x="1301300" y="3074401"/>
-            <a:ext cx="1407758" cy="523220"/>
-          </a:xfrm>
-          <a:prstGeom prst="rect">
-            <a:avLst/>
-          </a:prstGeom>
-          <a:noFill/>
-        </p:spPr>
-        <p:txBody>
-          <a:bodyPr wrap="none" rtlCol="0">
-            <a:spAutoFit/>
-          </a:bodyPr>
-          <a:lstStyle/>
-          <a:p>
-            <a:r>
-              <a:rPr lang="en-US" sz="2800" dirty="0"/>
-              <a:t>&lt; 6 x 6 &gt;</a:t>
-            </a:r>
-          </a:p>
-        </p:txBody>
-      </p:sp>
-    </p:spTree>
-    <p:extLst>
-      <p:ext uri="{BB962C8B-B14F-4D97-AF65-F5344CB8AC3E}">
-        <p14:creationId xmlns:p14="http://schemas.microsoft.com/office/powerpoint/2010/main" val="1229996324"/>
       </p:ext>
     </p:extLst>
   </p:cSld>
@@ -20125,6 +20724,970 @@
       </p:grpSpPr>
       <p:sp>
         <p:nvSpPr>
+          <p:cNvPr id="2" name="Title 1">
+            <a:extLst>
+              <a:ext uri="{FF2B5EF4-FFF2-40B4-BE49-F238E27FC236}">
+                <a16:creationId xmlns:a16="http://schemas.microsoft.com/office/drawing/2014/main" id="{F61AEC2D-22ED-0C9F-1BBB-6AD77A915DCB}"/>
+              </a:ext>
+            </a:extLst>
+          </p:cNvPr>
+          <p:cNvSpPr>
+            <a:spLocks noGrp="1"/>
+          </p:cNvSpPr>
+          <p:nvPr>
+            <p:ph type="title"/>
+          </p:nvPr>
+        </p:nvSpPr>
+        <p:spPr>
+          <a:xfrm>
+            <a:off x="749300" y="195355"/>
+            <a:ext cx="10515600" cy="1325563"/>
+          </a:xfrm>
+        </p:spPr>
+        <p:txBody>
+          <a:bodyPr/>
+          <a:lstStyle/>
+          <a:p>
+            <a:r>
+              <a:rPr lang="en-US" dirty="0"/>
+              <a:t>2D convolution as a matrix operation</a:t>
+            </a:r>
+          </a:p>
+        </p:txBody>
+      </p:sp>
+      <mc:AlternateContent xmlns:mc="http://schemas.openxmlformats.org/markup-compatibility/2006" xmlns:a14="http://schemas.microsoft.com/office/drawing/2010/main">
+        <mc:Choice Requires="a14">
+          <p:sp>
+            <p:nvSpPr>
+              <p:cNvPr id="3" name="TextBox 2">
+                <a:extLst>
+                  <a:ext uri="{FF2B5EF4-FFF2-40B4-BE49-F238E27FC236}">
+                    <a16:creationId xmlns:a16="http://schemas.microsoft.com/office/drawing/2014/main" id="{D49D1B48-2D9F-AE5B-D605-82A622661732}"/>
+                  </a:ext>
+                </a:extLst>
+              </p:cNvPr>
+              <p:cNvSpPr txBox="1"/>
+              <p:nvPr/>
+            </p:nvSpPr>
+            <p:spPr>
+              <a:xfrm>
+                <a:off x="581723" y="3842703"/>
+                <a:ext cx="1219200" cy="2720040"/>
+              </a:xfrm>
+              <a:prstGeom prst="rect">
+                <a:avLst/>
+              </a:prstGeom>
+              <a:noFill/>
+            </p:spPr>
+            <p:txBody>
+              <a:bodyPr wrap="square" lIns="0" tIns="0" rIns="0" bIns="0" rtlCol="0">
+                <a:spAutoFit/>
+              </a:bodyPr>
+              <a:lstStyle/>
+              <a:p>
+                <a:pPr/>
+                <a14:m>
+                  <m:oMathPara xmlns:m="http://schemas.openxmlformats.org/officeDocument/2006/math">
+                    <m:oMathParaPr>
+                      <m:jc m:val="centerGroup"/>
+                    </m:oMathParaPr>
+                    <m:oMath xmlns:m="http://schemas.openxmlformats.org/officeDocument/2006/math">
+                      <m:m>
+                        <m:mPr>
+                          <m:mcs>
+                            <m:mc>
+                              <m:mcPr>
+                                <m:count m:val="1"/>
+                                <m:mcJc m:val="center"/>
+                              </m:mcPr>
+                            </m:mc>
+                          </m:mcs>
+                          <m:ctrlPr>
+                            <a:rPr lang="en-US" sz="2400" b="0" i="1" smtClean="0">
+                              <a:latin typeface="Cambria Math" panose="02040503050406030204" pitchFamily="18" charset="0"/>
+                            </a:rPr>
+                          </m:ctrlPr>
+                        </m:mPr>
+                        <m:mr>
+                          <m:e>
+                            <m:r>
+                              <m:rPr>
+                                <m:brk m:alnAt="7"/>
+                              </m:rPr>
+                              <a:rPr lang="en-US" sz="2400" b="0" i="1" smtClean="0">
+                                <a:latin typeface="Cambria Math" panose="02040503050406030204" pitchFamily="18" charset="0"/>
+                              </a:rPr>
+                              <m:t>𝑎</m:t>
+                            </m:r>
+                          </m:e>
+                        </m:mr>
+                        <m:mr>
+                          <m:e>
+                            <m:r>
+                              <a:rPr lang="en-US" sz="2400" b="0" i="1" smtClean="0">
+                                <a:latin typeface="Cambria Math" panose="02040503050406030204" pitchFamily="18" charset="0"/>
+                              </a:rPr>
+                              <m:t>𝑏</m:t>
+                            </m:r>
+                          </m:e>
+                        </m:mr>
+                        <m:mr>
+                          <m:e>
+                            <m:r>
+                              <a:rPr lang="en-US" sz="2400" b="0" i="1" smtClean="0">
+                                <a:latin typeface="Cambria Math" panose="02040503050406030204" pitchFamily="18" charset="0"/>
+                              </a:rPr>
+                              <m:t>𝑐</m:t>
+                            </m:r>
+                          </m:e>
+                        </m:mr>
+                        <m:mr>
+                          <m:e>
+                            <m:r>
+                              <a:rPr lang="en-US" sz="2400" b="0" i="1" smtClean="0">
+                                <a:latin typeface="Cambria Math" panose="02040503050406030204" pitchFamily="18" charset="0"/>
+                              </a:rPr>
+                              <m:t>𝑑</m:t>
+                            </m:r>
+                          </m:e>
+                        </m:mr>
+                        <m:mr>
+                          <m:e>
+                            <m:r>
+                              <a:rPr lang="en-US" sz="2400" b="0" i="1" smtClean="0">
+                                <a:latin typeface="Cambria Math" panose="02040503050406030204" pitchFamily="18" charset="0"/>
+                              </a:rPr>
+                              <m:t>𝑒</m:t>
+                            </m:r>
+                          </m:e>
+                        </m:mr>
+                        <m:mr>
+                          <m:e>
+                            <m:r>
+                              <a:rPr lang="en-US" sz="2400" b="0" i="1" smtClean="0">
+                                <a:latin typeface="Cambria Math" panose="02040503050406030204" pitchFamily="18" charset="0"/>
+                              </a:rPr>
+                              <m:t>𝑓</m:t>
+                            </m:r>
+                          </m:e>
+                        </m:mr>
+                        <m:mr>
+                          <m:e>
+                            <m:r>
+                              <a:rPr lang="en-US" sz="2400" b="0" i="1" smtClean="0">
+                                <a:latin typeface="Cambria Math" panose="02040503050406030204" pitchFamily="18" charset="0"/>
+                              </a:rPr>
+                              <m:t>𝑔</m:t>
+                            </m:r>
+                          </m:e>
+                        </m:mr>
+                        <m:mr>
+                          <m:e>
+                            <m:r>
+                              <a:rPr lang="en-US" sz="2400" b="0" i="1" smtClean="0">
+                                <a:latin typeface="Cambria Math" panose="02040503050406030204" pitchFamily="18" charset="0"/>
+                              </a:rPr>
+                              <m:t>⋮</m:t>
+                            </m:r>
+                          </m:e>
+                        </m:mr>
+                      </m:m>
+                    </m:oMath>
+                  </m:oMathPara>
+                </a14:m>
+                <a:endParaRPr lang="en-US" sz="2400" dirty="0"/>
+              </a:p>
+            </p:txBody>
+          </p:sp>
+        </mc:Choice>
+        <mc:Fallback xmlns="">
+          <p:sp>
+            <p:nvSpPr>
+              <p:cNvPr id="3" name="TextBox 2">
+                <a:extLst>
+                  <a:ext uri="{FF2B5EF4-FFF2-40B4-BE49-F238E27FC236}">
+                    <a16:creationId xmlns:a16="http://schemas.microsoft.com/office/drawing/2014/main" id="{D49D1B48-2D9F-AE5B-D605-82A622661732}"/>
+                  </a:ext>
+                </a:extLst>
+              </p:cNvPr>
+              <p:cNvSpPr txBox="1">
+                <a:spLocks noRot="1" noChangeAspect="1" noMove="1" noResize="1" noEditPoints="1" noAdjustHandles="1" noChangeArrowheads="1" noChangeShapeType="1" noTextEdit="1"/>
+              </p:cNvSpPr>
+              <p:nvPr/>
+            </p:nvSpPr>
+            <p:spPr>
+              <a:xfrm>
+                <a:off x="581723" y="3842703"/>
+                <a:ext cx="1219200" cy="2720040"/>
+              </a:xfrm>
+              <a:prstGeom prst="rect">
+                <a:avLst/>
+              </a:prstGeom>
+              <a:blipFill>
+                <a:blip r:embed="rId2"/>
+                <a:stretch>
+                  <a:fillRect b="-3256"/>
+                </a:stretch>
+              </a:blipFill>
+            </p:spPr>
+            <p:txBody>
+              <a:bodyPr/>
+              <a:lstStyle/>
+              <a:p>
+                <a:r>
+                  <a:rPr lang="en-US">
+                    <a:noFill/>
+                  </a:rPr>
+                  <a:t> </a:t>
+                </a:r>
+              </a:p>
+            </p:txBody>
+          </p:sp>
+        </mc:Fallback>
+      </mc:AlternateContent>
+      <mc:AlternateContent xmlns:mc="http://schemas.openxmlformats.org/markup-compatibility/2006" xmlns:a14="http://schemas.microsoft.com/office/drawing/2010/main">
+        <mc:Choice Requires="a14">
+          <p:sp>
+            <p:nvSpPr>
+              <p:cNvPr id="4" name="TextBox 3">
+                <a:extLst>
+                  <a:ext uri="{FF2B5EF4-FFF2-40B4-BE49-F238E27FC236}">
+                    <a16:creationId xmlns:a16="http://schemas.microsoft.com/office/drawing/2014/main" id="{B707A0AE-88E0-DFD7-6BED-ED51E4C9DEE8}"/>
+                  </a:ext>
+                </a:extLst>
+              </p:cNvPr>
+              <p:cNvSpPr txBox="1"/>
+              <p:nvPr/>
+            </p:nvSpPr>
+            <p:spPr>
+              <a:xfrm>
+                <a:off x="5323777" y="3146132"/>
+                <a:ext cx="2642647" cy="677108"/>
+              </a:xfrm>
+              <a:prstGeom prst="rect">
+                <a:avLst/>
+              </a:prstGeom>
+              <a:noFill/>
+            </p:spPr>
+            <p:txBody>
+              <a:bodyPr wrap="none" lIns="0" tIns="0" rIns="0" bIns="0" rtlCol="0">
+                <a:spAutoFit/>
+              </a:bodyPr>
+              <a:lstStyle/>
+              <a:p>
+                <a:pPr/>
+                <a14:m>
+                  <m:oMathPara xmlns:m="http://schemas.openxmlformats.org/officeDocument/2006/math">
+                    <m:oMathParaPr>
+                      <m:jc m:val="centerGroup"/>
+                    </m:oMathParaPr>
+                    <m:oMath xmlns:m="http://schemas.openxmlformats.org/officeDocument/2006/math">
+                      <m:r>
+                        <a:rPr lang="en-US" sz="4400" b="0" i="1" smtClean="0">
+                          <a:latin typeface="Cambria Math" panose="02040503050406030204" pitchFamily="18" charset="0"/>
+                        </a:rPr>
+                        <m:t>𝐻</m:t>
+                      </m:r>
+                      <m:r>
+                        <a:rPr lang="en-US" sz="4400" b="0" i="1" smtClean="0">
+                          <a:latin typeface="Cambria Math" panose="02040503050406030204" pitchFamily="18" charset="0"/>
+                        </a:rPr>
+                        <m:t>∗</m:t>
+                      </m:r>
+                      <m:sSup>
+                        <m:sSupPr>
+                          <m:ctrlPr>
+                            <a:rPr lang="en-US" sz="4400" b="0" i="1" smtClean="0">
+                              <a:latin typeface="Cambria Math" panose="02040503050406030204" pitchFamily="18" charset="0"/>
+                            </a:rPr>
+                          </m:ctrlPr>
+                        </m:sSupPr>
+                        <m:e>
+                          <m:r>
+                            <a:rPr lang="en-US" sz="4400" b="0" i="1" smtClean="0">
+                              <a:latin typeface="Cambria Math" panose="02040503050406030204" pitchFamily="18" charset="0"/>
+                            </a:rPr>
+                            <m:t>𝑔</m:t>
+                          </m:r>
+                        </m:e>
+                        <m:sup>
+                          <m:r>
+                            <a:rPr lang="en-US" sz="4400" b="0" i="1" smtClean="0">
+                              <a:latin typeface="Cambria Math" panose="02040503050406030204" pitchFamily="18" charset="0"/>
+                            </a:rPr>
+                            <m:t>′</m:t>
+                          </m:r>
+                        </m:sup>
+                      </m:sSup>
+                      <m:r>
+                        <a:rPr lang="en-US" sz="4400" b="0" i="1" smtClean="0">
+                          <a:latin typeface="Cambria Math" panose="02040503050406030204" pitchFamily="18" charset="0"/>
+                        </a:rPr>
+                        <m:t>=</m:t>
+                      </m:r>
+                      <m:r>
+                        <a:rPr lang="en-US" sz="4400" b="0" i="1" smtClean="0">
+                          <a:latin typeface="Cambria Math" panose="02040503050406030204" pitchFamily="18" charset="0"/>
+                        </a:rPr>
+                        <m:t>𝑥</m:t>
+                      </m:r>
+                    </m:oMath>
+                  </m:oMathPara>
+                </a14:m>
+                <a:endParaRPr lang="en-US" sz="4400" dirty="0"/>
+              </a:p>
+            </p:txBody>
+          </p:sp>
+        </mc:Choice>
+        <mc:Fallback xmlns="">
+          <p:sp>
+            <p:nvSpPr>
+              <p:cNvPr id="4" name="TextBox 3">
+                <a:extLst>
+                  <a:ext uri="{FF2B5EF4-FFF2-40B4-BE49-F238E27FC236}">
+                    <a16:creationId xmlns:a16="http://schemas.microsoft.com/office/drawing/2014/main" id="{B707A0AE-88E0-DFD7-6BED-ED51E4C9DEE8}"/>
+                  </a:ext>
+                </a:extLst>
+              </p:cNvPr>
+              <p:cNvSpPr txBox="1">
+                <a:spLocks noRot="1" noChangeAspect="1" noMove="1" noResize="1" noEditPoints="1" noAdjustHandles="1" noChangeArrowheads="1" noChangeShapeType="1" noTextEdit="1"/>
+              </p:cNvSpPr>
+              <p:nvPr/>
+            </p:nvSpPr>
+            <p:spPr>
+              <a:xfrm>
+                <a:off x="5323777" y="3146132"/>
+                <a:ext cx="2642647" cy="677108"/>
+              </a:xfrm>
+              <a:prstGeom prst="rect">
+                <a:avLst/>
+              </a:prstGeom>
+              <a:blipFill>
+                <a:blip r:embed="rId3"/>
+                <a:stretch>
+                  <a:fillRect l="-4785" r="-1914" b="-25926"/>
+                </a:stretch>
+              </a:blipFill>
+            </p:spPr>
+            <p:txBody>
+              <a:bodyPr/>
+              <a:lstStyle/>
+              <a:p>
+                <a:r>
+                  <a:rPr lang="en-US">
+                    <a:noFill/>
+                  </a:rPr>
+                  <a:t> </a:t>
+                </a:r>
+              </a:p>
+            </p:txBody>
+          </p:sp>
+        </mc:Fallback>
+      </mc:AlternateContent>
+      <p:sp>
+        <p:nvSpPr>
+          <p:cNvPr id="5" name="TextBox 4">
+            <a:extLst>
+              <a:ext uri="{FF2B5EF4-FFF2-40B4-BE49-F238E27FC236}">
+                <a16:creationId xmlns:a16="http://schemas.microsoft.com/office/drawing/2014/main" id="{2A5F2C10-2F0B-2AE4-FDE6-F5425263722C}"/>
+              </a:ext>
+            </a:extLst>
+          </p:cNvPr>
+          <p:cNvSpPr txBox="1"/>
+          <p:nvPr/>
+        </p:nvSpPr>
+        <p:spPr>
+          <a:xfrm>
+            <a:off x="3768573" y="1960123"/>
+            <a:ext cx="1718740" cy="523220"/>
+          </a:xfrm>
+          <a:prstGeom prst="rect">
+            <a:avLst/>
+          </a:prstGeom>
+          <a:noFill/>
+        </p:spPr>
+        <p:txBody>
+          <a:bodyPr wrap="none" rtlCol="0">
+            <a:spAutoFit/>
+          </a:bodyPr>
+          <a:lstStyle/>
+          <a:p>
+            <a:r>
+              <a:rPr lang="en-US" sz="2800" dirty="0"/>
+              <a:t>&lt;16 x 36 &gt;</a:t>
+            </a:r>
+          </a:p>
+        </p:txBody>
+      </p:sp>
+      <p:sp>
+        <p:nvSpPr>
+          <p:cNvPr id="6" name="TextBox 5">
+            <a:extLst>
+              <a:ext uri="{FF2B5EF4-FFF2-40B4-BE49-F238E27FC236}">
+                <a16:creationId xmlns:a16="http://schemas.microsoft.com/office/drawing/2014/main" id="{251E5DB4-2CEC-C8D3-2B62-BA9696D691BC}"/>
+              </a:ext>
+            </a:extLst>
+          </p:cNvPr>
+          <p:cNvSpPr txBox="1"/>
+          <p:nvPr/>
+        </p:nvSpPr>
+        <p:spPr>
+          <a:xfrm>
+            <a:off x="6130750" y="1960123"/>
+            <a:ext cx="1526380" cy="523220"/>
+          </a:xfrm>
+          <a:prstGeom prst="rect">
+            <a:avLst/>
+          </a:prstGeom>
+          <a:noFill/>
+        </p:spPr>
+        <p:txBody>
+          <a:bodyPr wrap="none" rtlCol="0">
+            <a:spAutoFit/>
+          </a:bodyPr>
+          <a:lstStyle/>
+          <a:p>
+            <a:r>
+              <a:rPr lang="en-US" sz="2800" dirty="0"/>
+              <a:t>&lt;36 x 1 &gt;</a:t>
+            </a:r>
+          </a:p>
+        </p:txBody>
+      </p:sp>
+      <mc:AlternateContent xmlns:mc="http://schemas.openxmlformats.org/markup-compatibility/2006" xmlns:a14="http://schemas.microsoft.com/office/drawing/2010/main">
+        <mc:Choice Requires="a14">
+          <p:sp>
+            <p:nvSpPr>
+              <p:cNvPr id="8" name="TextBox 7">
+                <a:extLst>
+                  <a:ext uri="{FF2B5EF4-FFF2-40B4-BE49-F238E27FC236}">
+                    <a16:creationId xmlns:a16="http://schemas.microsoft.com/office/drawing/2014/main" id="{6974FF80-3986-37E1-CA58-CC5DB056BB00}"/>
+                  </a:ext>
+                </a:extLst>
+              </p:cNvPr>
+              <p:cNvSpPr txBox="1"/>
+              <p:nvPr/>
+            </p:nvSpPr>
+            <p:spPr>
+              <a:xfrm>
+                <a:off x="4904677" y="3983929"/>
+                <a:ext cx="6096000" cy="646331"/>
+              </a:xfrm>
+              <a:prstGeom prst="rect">
+                <a:avLst/>
+              </a:prstGeom>
+              <a:noFill/>
+            </p:spPr>
+            <p:txBody>
+              <a:bodyPr wrap="square">
+                <a:spAutoFit/>
+              </a:bodyPr>
+              <a:lstStyle/>
+              <a:p>
+                <a:pPr/>
+                <a14:m>
+                  <m:oMathPara xmlns:m="http://schemas.openxmlformats.org/officeDocument/2006/math">
+                    <m:oMathParaPr>
+                      <m:jc m:val="centerGroup"/>
+                    </m:oMathParaPr>
+                    <m:oMath xmlns:m="http://schemas.openxmlformats.org/officeDocument/2006/math">
+                      <m:r>
+                        <a:rPr lang="en-US" sz="3600" b="0" i="1" smtClean="0">
+                          <a:latin typeface="Cambria Math" panose="02040503050406030204" pitchFamily="18" charset="0"/>
+                        </a:rPr>
+                        <m:t>𝑟𝑒𝑠h𝑎𝑝𝑒</m:t>
+                      </m:r>
+                      <m:d>
+                        <m:dPr>
+                          <m:ctrlPr>
+                            <a:rPr lang="en-US" sz="3600" b="0" i="1" smtClean="0">
+                              <a:latin typeface="Cambria Math" panose="02040503050406030204" pitchFamily="18" charset="0"/>
+                            </a:rPr>
+                          </m:ctrlPr>
+                        </m:dPr>
+                        <m:e>
+                          <m:r>
+                            <a:rPr lang="en-US" sz="3600" b="0" i="1" smtClean="0">
+                              <a:latin typeface="Cambria Math" panose="02040503050406030204" pitchFamily="18" charset="0"/>
+                            </a:rPr>
+                            <m:t>𝑥</m:t>
+                          </m:r>
+                        </m:e>
+                      </m:d>
+                      <m:r>
+                        <a:rPr lang="en-US" sz="3600" b="0" i="1" smtClean="0">
+                          <a:latin typeface="Cambria Math" panose="02040503050406030204" pitchFamily="18" charset="0"/>
+                        </a:rPr>
+                        <m:t>→ &lt;4 </m:t>
+                      </m:r>
+                      <m:r>
+                        <a:rPr lang="en-US" sz="3600" b="0" i="1" smtClean="0">
+                          <a:latin typeface="Cambria Math" panose="02040503050406030204" pitchFamily="18" charset="0"/>
+                        </a:rPr>
+                        <m:t>𝑥</m:t>
+                      </m:r>
+                      <m:r>
+                        <a:rPr lang="en-US" sz="3600" b="0" i="1" smtClean="0">
+                          <a:latin typeface="Cambria Math" panose="02040503050406030204" pitchFamily="18" charset="0"/>
+                        </a:rPr>
+                        <m:t> 4&gt;</m:t>
+                      </m:r>
+                    </m:oMath>
+                  </m:oMathPara>
+                </a14:m>
+                <a:endParaRPr lang="en-US" sz="3600" dirty="0"/>
+              </a:p>
+            </p:txBody>
+          </p:sp>
+        </mc:Choice>
+        <mc:Fallback xmlns="">
+          <p:sp>
+            <p:nvSpPr>
+              <p:cNvPr id="8" name="TextBox 7">
+                <a:extLst>
+                  <a:ext uri="{FF2B5EF4-FFF2-40B4-BE49-F238E27FC236}">
+                    <a16:creationId xmlns:a16="http://schemas.microsoft.com/office/drawing/2014/main" id="{6974FF80-3986-37E1-CA58-CC5DB056BB00}"/>
+                  </a:ext>
+                </a:extLst>
+              </p:cNvPr>
+              <p:cNvSpPr txBox="1">
+                <a:spLocks noRot="1" noChangeAspect="1" noMove="1" noResize="1" noEditPoints="1" noAdjustHandles="1" noChangeArrowheads="1" noChangeShapeType="1" noTextEdit="1"/>
+              </p:cNvSpPr>
+              <p:nvPr/>
+            </p:nvSpPr>
+            <p:spPr>
+              <a:xfrm>
+                <a:off x="4904677" y="3983929"/>
+                <a:ext cx="6096000" cy="646331"/>
+              </a:xfrm>
+              <a:prstGeom prst="rect">
+                <a:avLst/>
+              </a:prstGeom>
+              <a:blipFill>
+                <a:blip r:embed="rId4"/>
+                <a:stretch>
+                  <a:fillRect t="-1923" b="-23077"/>
+                </a:stretch>
+              </a:blipFill>
+            </p:spPr>
+            <p:txBody>
+              <a:bodyPr/>
+              <a:lstStyle/>
+              <a:p>
+                <a:r>
+                  <a:rPr lang="en-US">
+                    <a:noFill/>
+                  </a:rPr>
+                  <a:t> </a:t>
+                </a:r>
+              </a:p>
+            </p:txBody>
+          </p:sp>
+        </mc:Fallback>
+      </mc:AlternateContent>
+      <p:sp>
+        <p:nvSpPr>
+          <p:cNvPr id="9" name="TextBox 8">
+            <a:extLst>
+              <a:ext uri="{FF2B5EF4-FFF2-40B4-BE49-F238E27FC236}">
+                <a16:creationId xmlns:a16="http://schemas.microsoft.com/office/drawing/2014/main" id="{4520772E-8619-48AF-DFDA-0DF91C92FE60}"/>
+              </a:ext>
+            </a:extLst>
+          </p:cNvPr>
+          <p:cNvSpPr txBox="1"/>
+          <p:nvPr/>
+        </p:nvSpPr>
+        <p:spPr>
+          <a:xfrm>
+            <a:off x="1489653" y="4405026"/>
+            <a:ext cx="1218603" cy="923330"/>
+          </a:xfrm>
+          <a:prstGeom prst="rect">
+            <a:avLst/>
+          </a:prstGeom>
+          <a:noFill/>
+        </p:spPr>
+        <p:txBody>
+          <a:bodyPr wrap="none" rtlCol="0">
+            <a:spAutoFit/>
+          </a:bodyPr>
+          <a:lstStyle/>
+          <a:p>
+            <a:r>
+              <a:rPr lang="en-US" sz="5400" dirty="0"/>
+              <a:t>= g’</a:t>
+            </a:r>
+          </a:p>
+        </p:txBody>
+      </p:sp>
+      <p:cxnSp>
+        <p:nvCxnSpPr>
+          <p:cNvPr id="10" name="Straight Arrow Connector 9">
+            <a:extLst>
+              <a:ext uri="{FF2B5EF4-FFF2-40B4-BE49-F238E27FC236}">
+                <a16:creationId xmlns:a16="http://schemas.microsoft.com/office/drawing/2014/main" id="{3EC67579-C8D8-5D98-5E45-07357AE2A0D8}"/>
+              </a:ext>
+            </a:extLst>
+          </p:cNvPr>
+          <p:cNvCxnSpPr/>
+          <p:nvPr/>
+        </p:nvCxnSpPr>
+        <p:spPr>
+          <a:xfrm>
+            <a:off x="4627943" y="2553128"/>
+            <a:ext cx="695834" cy="593004"/>
+          </a:xfrm>
+          <a:prstGeom prst="straightConnector1">
+            <a:avLst/>
+          </a:prstGeom>
+          <a:ln>
+            <a:tailEnd type="triangle"/>
+          </a:ln>
+        </p:spPr>
+        <p:style>
+          <a:lnRef idx="2">
+            <a:schemeClr val="accent1"/>
+          </a:lnRef>
+          <a:fillRef idx="0">
+            <a:schemeClr val="accent1"/>
+          </a:fillRef>
+          <a:effectRef idx="1">
+            <a:schemeClr val="accent1"/>
+          </a:effectRef>
+          <a:fontRef idx="minor">
+            <a:schemeClr val="tx1"/>
+          </a:fontRef>
+        </p:style>
+      </p:cxnSp>
+      <p:cxnSp>
+        <p:nvCxnSpPr>
+          <p:cNvPr id="11" name="Straight Arrow Connector 10">
+            <a:extLst>
+              <a:ext uri="{FF2B5EF4-FFF2-40B4-BE49-F238E27FC236}">
+                <a16:creationId xmlns:a16="http://schemas.microsoft.com/office/drawing/2014/main" id="{6C3404FD-874B-FD71-C158-3BF49639A59C}"/>
+              </a:ext>
+            </a:extLst>
+          </p:cNvPr>
+          <p:cNvCxnSpPr>
+            <a:cxnSpLocks/>
+          </p:cNvCxnSpPr>
+          <p:nvPr/>
+        </p:nvCxnSpPr>
+        <p:spPr>
+          <a:xfrm flipH="1">
+            <a:off x="6496050" y="2553128"/>
+            <a:ext cx="318835" cy="593004"/>
+          </a:xfrm>
+          <a:prstGeom prst="straightConnector1">
+            <a:avLst/>
+          </a:prstGeom>
+          <a:ln>
+            <a:tailEnd type="triangle"/>
+          </a:ln>
+        </p:spPr>
+        <p:style>
+          <a:lnRef idx="2">
+            <a:schemeClr val="accent1"/>
+          </a:lnRef>
+          <a:fillRef idx="0">
+            <a:schemeClr val="accent1"/>
+          </a:fillRef>
+          <a:effectRef idx="1">
+            <a:schemeClr val="accent1"/>
+          </a:effectRef>
+          <a:fontRef idx="minor">
+            <a:schemeClr val="tx1"/>
+          </a:fontRef>
+        </p:style>
+      </p:cxnSp>
+      <mc:AlternateContent xmlns:mc="http://schemas.openxmlformats.org/markup-compatibility/2006" xmlns:a14="http://schemas.microsoft.com/office/drawing/2010/main">
+        <mc:Choice Requires="a14">
+          <p:sp>
+            <p:nvSpPr>
+              <p:cNvPr id="13" name="TextBox 12">
+                <a:extLst>
+                  <a:ext uri="{FF2B5EF4-FFF2-40B4-BE49-F238E27FC236}">
+                    <a16:creationId xmlns:a16="http://schemas.microsoft.com/office/drawing/2014/main" id="{D8E4CB76-C0DA-324D-25C9-B67EFD1E8CA5}"/>
+                  </a:ext>
+                </a:extLst>
+              </p:cNvPr>
+              <p:cNvSpPr txBox="1"/>
+              <p:nvPr/>
+            </p:nvSpPr>
+            <p:spPr>
+              <a:xfrm>
+                <a:off x="511136" y="1370107"/>
+                <a:ext cx="2470228" cy="1614673"/>
+              </a:xfrm>
+              <a:prstGeom prst="rect">
+                <a:avLst/>
+              </a:prstGeom>
+              <a:noFill/>
+            </p:spPr>
+            <p:txBody>
+              <a:bodyPr wrap="none" lIns="0" tIns="0" rIns="0" bIns="0" rtlCol="0">
+                <a:spAutoFit/>
+              </a:bodyPr>
+              <a:lstStyle/>
+              <a:p>
+                <a:pPr/>
+                <a14:m>
+                  <m:oMathPara xmlns:m="http://schemas.openxmlformats.org/officeDocument/2006/math">
+                    <m:oMathParaPr>
+                      <m:jc m:val="centerGroup"/>
+                    </m:oMathParaPr>
+                    <m:oMath xmlns:m="http://schemas.openxmlformats.org/officeDocument/2006/math">
+                      <m:m>
+                        <m:mPr>
+                          <m:mcs>
+                            <m:mc>
+                              <m:mcPr>
+                                <m:count m:val="6"/>
+                                <m:mcJc m:val="center"/>
+                              </m:mcPr>
+                            </m:mc>
+                          </m:mcs>
+                          <m:ctrlPr>
+                            <a:rPr lang="en-US" i="1" smtClean="0">
+                              <a:latin typeface="Cambria Math" panose="02040503050406030204" pitchFamily="18" charset="0"/>
+                            </a:rPr>
+                          </m:ctrlPr>
+                        </m:mPr>
+                        <m:mr>
+                          <m:e>
+                            <m:r>
+                              <m:rPr>
+                                <m:brk m:alnAt="7"/>
+                              </m:rPr>
+                              <a:rPr lang="en-US" b="0" i="1" smtClean="0">
+                                <a:latin typeface="Cambria Math" panose="02040503050406030204" pitchFamily="18" charset="0"/>
+                              </a:rPr>
+                              <m:t>𝑎</m:t>
+                            </m:r>
+                          </m:e>
+                          <m:e>
+                            <m:r>
+                              <a:rPr lang="en-US" b="0" i="1" smtClean="0">
+                                <a:latin typeface="Cambria Math" panose="02040503050406030204" pitchFamily="18" charset="0"/>
+                              </a:rPr>
+                              <m:t>𝑏</m:t>
+                            </m:r>
+                          </m:e>
+                          <m:e>
+                            <m:r>
+                              <a:rPr lang="en-US" b="0" i="1" smtClean="0">
+                                <a:latin typeface="Cambria Math" panose="02040503050406030204" pitchFamily="18" charset="0"/>
+                              </a:rPr>
+                              <m:t>𝑐</m:t>
+                            </m:r>
+                          </m:e>
+                          <m:e>
+                            <m:r>
+                              <a:rPr lang="en-US" b="0" i="1" smtClean="0">
+                                <a:latin typeface="Cambria Math" panose="02040503050406030204" pitchFamily="18" charset="0"/>
+                              </a:rPr>
+                              <m:t>𝑑</m:t>
+                            </m:r>
+                          </m:e>
+                          <m:e>
+                            <m:r>
+                              <a:rPr lang="en-US" b="0" i="1" smtClean="0">
+                                <a:latin typeface="Cambria Math" panose="02040503050406030204" pitchFamily="18" charset="0"/>
+                              </a:rPr>
+                              <m:t>𝑒</m:t>
+                            </m:r>
+                          </m:e>
+                          <m:e>
+                            <m:r>
+                              <a:rPr lang="en-US" b="0" i="1" smtClean="0">
+                                <a:latin typeface="Cambria Math" panose="02040503050406030204" pitchFamily="18" charset="0"/>
+                              </a:rPr>
+                              <m:t>𝑓</m:t>
+                            </m:r>
+                          </m:e>
+                        </m:mr>
+                        <m:mr>
+                          <m:e>
+                            <m:r>
+                              <a:rPr lang="en-US" b="0" i="1" smtClean="0">
+                                <a:latin typeface="Cambria Math" panose="02040503050406030204" pitchFamily="18" charset="0"/>
+                              </a:rPr>
+                              <m:t>𝑔</m:t>
+                            </m:r>
+                          </m:e>
+                          <m:e>
+                            <m:r>
+                              <a:rPr lang="en-US" b="0" i="1" smtClean="0">
+                                <a:latin typeface="Cambria Math" panose="02040503050406030204" pitchFamily="18" charset="0"/>
+                              </a:rPr>
+                              <m:t>h</m:t>
+                            </m:r>
+                          </m:e>
+                          <m:e>
+                            <m:r>
+                              <a:rPr lang="en-US" b="0" i="1" smtClean="0">
+                                <a:latin typeface="Cambria Math" panose="02040503050406030204" pitchFamily="18" charset="0"/>
+                              </a:rPr>
+                              <m:t>…</m:t>
+                            </m:r>
+                          </m:e>
+                          <m:e/>
+                          <m:e/>
+                          <m:e/>
+                        </m:mr>
+                        <m:mr>
+                          <m:e/>
+                          <m:e/>
+                          <m:e/>
+                          <m:e/>
+                          <m:e/>
+                          <m:e/>
+                        </m:mr>
+                        <m:mr>
+                          <m:e/>
+                          <m:e/>
+                          <m:e/>
+                          <m:e/>
+                          <m:e/>
+                          <m:e/>
+                        </m:mr>
+                        <m:mr>
+                          <m:e/>
+                          <m:e/>
+                          <m:e/>
+                          <m:e/>
+                          <m:e/>
+                          <m:e/>
+                        </m:mr>
+                        <m:mr>
+                          <m:e/>
+                          <m:e/>
+                          <m:e/>
+                          <m:e/>
+                          <m:e/>
+                          <m:e/>
+                        </m:mr>
+                      </m:m>
+                    </m:oMath>
+                  </m:oMathPara>
+                </a14:m>
+                <a:endParaRPr lang="en-US" dirty="0"/>
+              </a:p>
+            </p:txBody>
+          </p:sp>
+        </mc:Choice>
+        <mc:Fallback xmlns="">
+          <p:sp>
+            <p:nvSpPr>
+              <p:cNvPr id="13" name="TextBox 12">
+                <a:extLst>
+                  <a:ext uri="{FF2B5EF4-FFF2-40B4-BE49-F238E27FC236}">
+                    <a16:creationId xmlns:a16="http://schemas.microsoft.com/office/drawing/2014/main" id="{D8E4CB76-C0DA-324D-25C9-B67EFD1E8CA5}"/>
+                  </a:ext>
+                </a:extLst>
+              </p:cNvPr>
+              <p:cNvSpPr txBox="1">
+                <a:spLocks noRot="1" noChangeAspect="1" noMove="1" noResize="1" noEditPoints="1" noAdjustHandles="1" noChangeArrowheads="1" noChangeShapeType="1" noTextEdit="1"/>
+              </p:cNvSpPr>
+              <p:nvPr/>
+            </p:nvSpPr>
+            <p:spPr>
+              <a:xfrm>
+                <a:off x="511136" y="1370107"/>
+                <a:ext cx="2470228" cy="1614673"/>
+              </a:xfrm>
+              <a:prstGeom prst="rect">
+                <a:avLst/>
+              </a:prstGeom>
+              <a:blipFill>
+                <a:blip r:embed="rId5"/>
+                <a:stretch>
+                  <a:fillRect l="-513" t="-1563" r="-1026"/>
+                </a:stretch>
+              </a:blipFill>
+            </p:spPr>
+            <p:txBody>
+              <a:bodyPr/>
+              <a:lstStyle/>
+              <a:p>
+                <a:r>
+                  <a:rPr lang="en-US">
+                    <a:noFill/>
+                  </a:rPr>
+                  <a:t> </a:t>
+                </a:r>
+              </a:p>
+            </p:txBody>
+          </p:sp>
+        </mc:Fallback>
+      </mc:AlternateContent>
+      <p:sp>
+        <p:nvSpPr>
+          <p:cNvPr id="14" name="TextBox 13">
+            <a:extLst>
+              <a:ext uri="{FF2B5EF4-FFF2-40B4-BE49-F238E27FC236}">
+                <a16:creationId xmlns:a16="http://schemas.microsoft.com/office/drawing/2014/main" id="{FE44D978-E40F-9B37-E021-8CAF51FFAA10}"/>
+              </a:ext>
+            </a:extLst>
+          </p:cNvPr>
+          <p:cNvSpPr txBox="1"/>
+          <p:nvPr/>
+        </p:nvSpPr>
+        <p:spPr>
+          <a:xfrm>
+            <a:off x="1301300" y="3074401"/>
+            <a:ext cx="1407758" cy="523220"/>
+          </a:xfrm>
+          <a:prstGeom prst="rect">
+            <a:avLst/>
+          </a:prstGeom>
+          <a:noFill/>
+        </p:spPr>
+        <p:txBody>
+          <a:bodyPr wrap="none" rtlCol="0">
+            <a:spAutoFit/>
+          </a:bodyPr>
+          <a:lstStyle/>
+          <a:p>
+            <a:r>
+              <a:rPr lang="en-US" sz="2800" dirty="0"/>
+              <a:t>&lt; 6 x 6 &gt;</a:t>
+            </a:r>
+          </a:p>
+        </p:txBody>
+      </p:sp>
+    </p:spTree>
+    <p:extLst>
+      <p:ext uri="{BB962C8B-B14F-4D97-AF65-F5344CB8AC3E}">
+        <p14:creationId xmlns:p14="http://schemas.microsoft.com/office/powerpoint/2010/main" val="1229996324"/>
+      </p:ext>
+    </p:extLst>
+  </p:cSld>
+  <p:clrMapOvr>
+    <a:masterClrMapping/>
+  </p:clrMapOvr>
+</p:sld>
+</file>
+
+<file path=ppt/slides/slide21.xml><?xml version="1.0" encoding="utf-8"?>
+<p:sld xmlns:a="http://schemas.openxmlformats.org/drawingml/2006/main" xmlns:r="http://schemas.openxmlformats.org/officeDocument/2006/relationships" xmlns:p="http://schemas.openxmlformats.org/presentationml/2006/main">
+  <p:cSld>
+    <p:spTree>
+      <p:nvGrpSpPr>
+        <p:cNvPr id="1" name=""/>
+        <p:cNvGrpSpPr/>
+        <p:nvPr/>
+      </p:nvGrpSpPr>
+      <p:grpSpPr>
+        <a:xfrm>
+          <a:off x="0" y="0"/>
+          <a:ext cx="0" cy="0"/>
+          <a:chOff x="0" y="0"/>
+          <a:chExt cx="0" cy="0"/>
+        </a:xfrm>
+      </p:grpSpPr>
+      <p:sp>
+        <p:nvSpPr>
           <p:cNvPr id="5" name="TextBox 4">
             <a:extLst>
               <a:ext uri="{FF2B5EF4-FFF2-40B4-BE49-F238E27FC236}">
@@ -21364,7 +22927,7 @@
 </p:sld>
 </file>
 
-<file path=ppt/slides/slide21.xml><?xml version="1.0" encoding="utf-8"?>
+<file path=ppt/slides/slide22.xml><?xml version="1.0" encoding="utf-8"?>
 <p:sld xmlns:a="http://schemas.openxmlformats.org/drawingml/2006/main" xmlns:r="http://schemas.openxmlformats.org/officeDocument/2006/relationships" xmlns:p="http://schemas.openxmlformats.org/presentationml/2006/main">
   <p:cSld>
     <p:spTree>
@@ -21644,7 +23207,7 @@
 </p:sld>
 </file>
 
-<file path=ppt/slides/slide22.xml><?xml version="1.0" encoding="utf-8"?>
+<file path=ppt/slides/slide23.xml><?xml version="1.0" encoding="utf-8"?>
 <p:sld xmlns:a="http://schemas.openxmlformats.org/drawingml/2006/main" xmlns:r="http://schemas.openxmlformats.org/officeDocument/2006/relationships" xmlns:p="http://schemas.openxmlformats.org/presentationml/2006/main">
   <p:cSld>
     <p:spTree>
@@ -29149,7 +30712,7 @@
 </p:sld>
 </file>
 
-<file path=ppt/slides/slide23.xml><?xml version="1.0" encoding="utf-8"?>
+<file path=ppt/slides/slide24.xml><?xml version="1.0" encoding="utf-8"?>
 <p:sld xmlns:a="http://schemas.openxmlformats.org/drawingml/2006/main" xmlns:r="http://schemas.openxmlformats.org/officeDocument/2006/relationships" xmlns:p="http://schemas.openxmlformats.org/presentationml/2006/main">
   <p:cSld>
     <p:spTree>
@@ -30154,7 +31717,7 @@
 </p:sld>
 </file>
 
-<file path=ppt/slides/slide24.xml><?xml version="1.0" encoding="utf-8"?>
+<file path=ppt/slides/slide25.xml><?xml version="1.0" encoding="utf-8"?>
 <p:sld xmlns:a="http://schemas.openxmlformats.org/drawingml/2006/main" xmlns:r="http://schemas.openxmlformats.org/officeDocument/2006/relationships" xmlns:p="http://schemas.openxmlformats.org/presentationml/2006/main">
   <p:cSld>
     <p:spTree>
@@ -31171,7 +32734,7 @@
 </p:sld>
 </file>
 
-<file path=ppt/slides/slide25.xml><?xml version="1.0" encoding="utf-8"?>
+<file path=ppt/slides/slide26.xml><?xml version="1.0" encoding="utf-8"?>
 <p:sld xmlns:a="http://schemas.openxmlformats.org/drawingml/2006/main" xmlns:r="http://schemas.openxmlformats.org/officeDocument/2006/relationships" xmlns:p="http://schemas.openxmlformats.org/presentationml/2006/main">
   <p:cSld>
     <p:spTree>
@@ -32697,7 +34260,7 @@
 </p:sld>
 </file>
 
-<file path=ppt/slides/slide26.xml><?xml version="1.0" encoding="utf-8"?>
+<file path=ppt/slides/slide27.xml><?xml version="1.0" encoding="utf-8"?>
 <p:sld xmlns:a="http://schemas.openxmlformats.org/drawingml/2006/main" xmlns:r="http://schemas.openxmlformats.org/officeDocument/2006/relationships" xmlns:p="http://schemas.openxmlformats.org/presentationml/2006/main">
   <p:cSld>
     <p:spTree>
@@ -33644,7 +35207,7 @@
 </p:sld>
 </file>
 
-<file path=ppt/slides/slide27.xml><?xml version="1.0" encoding="utf-8"?>
+<file path=ppt/slides/slide28.xml><?xml version="1.0" encoding="utf-8"?>
 <p:sld xmlns:a="http://schemas.openxmlformats.org/drawingml/2006/main" xmlns:r="http://schemas.openxmlformats.org/officeDocument/2006/relationships" xmlns:p="http://schemas.openxmlformats.org/presentationml/2006/main">
   <p:cSld>
     <p:spTree>
@@ -33806,7 +35369,7 @@
 </p:sld>
 </file>
 
-<file path=ppt/slides/slide28.xml><?xml version="1.0" encoding="utf-8"?>
+<file path=ppt/slides/slide29.xml><?xml version="1.0" encoding="utf-8"?>
 <p:sld xmlns:a="http://schemas.openxmlformats.org/drawingml/2006/main" xmlns:r="http://schemas.openxmlformats.org/officeDocument/2006/relationships" xmlns:p="http://schemas.openxmlformats.org/presentationml/2006/main">
   <p:cSld>
     <p:spTree>
@@ -34338,7 +35901,261 @@
 </p:sld>
 </file>
 
-<file path=ppt/slides/slide29.xml><?xml version="1.0" encoding="utf-8"?>
+<file path=ppt/slides/slide3.xml><?xml version="1.0" encoding="utf-8"?>
+<p:sld xmlns:a="http://schemas.openxmlformats.org/drawingml/2006/main" xmlns:r="http://schemas.openxmlformats.org/officeDocument/2006/relationships" xmlns:p="http://schemas.openxmlformats.org/presentationml/2006/main">
+  <p:cSld>
+    <p:spTree>
+      <p:nvGrpSpPr>
+        <p:cNvPr id="1" name=""/>
+        <p:cNvGrpSpPr/>
+        <p:nvPr/>
+      </p:nvGrpSpPr>
+      <p:grpSpPr>
+        <a:xfrm>
+          <a:off x="0" y="0"/>
+          <a:ext cx="0" cy="0"/>
+          <a:chOff x="0" y="0"/>
+          <a:chExt cx="0" cy="0"/>
+        </a:xfrm>
+      </p:grpSpPr>
+      <p:sp>
+        <p:nvSpPr>
+          <p:cNvPr id="2" name="Title 1">
+            <a:extLst>
+              <a:ext uri="{FF2B5EF4-FFF2-40B4-BE49-F238E27FC236}">
+                <a16:creationId xmlns:a16="http://schemas.microsoft.com/office/drawing/2014/main" id="{6B71FBA0-E79A-4C76-216D-9ED72F448BB7}"/>
+              </a:ext>
+            </a:extLst>
+          </p:cNvPr>
+          <p:cNvSpPr>
+            <a:spLocks noGrp="1"/>
+          </p:cNvSpPr>
+          <p:nvPr>
+            <p:ph type="title"/>
+          </p:nvPr>
+        </p:nvSpPr>
+        <p:spPr/>
+        <p:txBody>
+          <a:bodyPr/>
+          <a:lstStyle/>
+          <a:p>
+            <a:r>
+              <a:rPr lang="en-US" dirty="0"/>
+              <a:t>Brightness</a:t>
+            </a:r>
+          </a:p>
+        </p:txBody>
+      </p:sp>
+      <p:pic>
+        <p:nvPicPr>
+          <p:cNvPr id="4" name="Picture 3" descr="A foggy landscape of a beach&#10;&#10;Description automatically generated with medium confidence">
+            <a:extLst>
+              <a:ext uri="{FF2B5EF4-FFF2-40B4-BE49-F238E27FC236}">
+                <a16:creationId xmlns:a16="http://schemas.microsoft.com/office/drawing/2014/main" id="{B8C8D461-A14E-C812-570D-24B77545DD22}"/>
+              </a:ext>
+            </a:extLst>
+          </p:cNvPr>
+          <p:cNvPicPr>
+            <a:picLocks noChangeAspect="1"/>
+          </p:cNvPicPr>
+          <p:nvPr/>
+        </p:nvPicPr>
+        <p:blipFill>
+          <a:blip r:embed="rId2">
+            <a:extLst>
+              <a:ext uri="{28A0092B-C50C-407E-A947-70E740481C1C}">
+                <a14:useLocalDpi xmlns:a14="http://schemas.microsoft.com/office/drawing/2010/main" val="0"/>
+              </a:ext>
+            </a:extLst>
+          </a:blip>
+          <a:srcRect/>
+          <a:stretch>
+            <a:fillRect/>
+          </a:stretch>
+        </p:blipFill>
+        <p:spPr bwMode="auto">
+          <a:xfrm>
+            <a:off x="6096000" y="3429000"/>
+            <a:ext cx="4117848" cy="2941446"/>
+          </a:xfrm>
+          <a:prstGeom prst="rect">
+            <a:avLst/>
+          </a:prstGeom>
+          <a:noFill/>
+          <a:ln>
+            <a:noFill/>
+          </a:ln>
+        </p:spPr>
+      </p:pic>
+      <mc:AlternateContent xmlns:mc="http://schemas.openxmlformats.org/markup-compatibility/2006" xmlns:a14="http://schemas.microsoft.com/office/drawing/2010/main">
+        <mc:Choice Requires="a14">
+          <p:sp>
+            <p:nvSpPr>
+              <p:cNvPr id="7" name="TextBox 6">
+                <a:extLst>
+                  <a:ext uri="{FF2B5EF4-FFF2-40B4-BE49-F238E27FC236}">
+                    <a16:creationId xmlns:a16="http://schemas.microsoft.com/office/drawing/2014/main" id="{2F5C75C3-FA33-8D03-97B6-502183CCD43E}"/>
+                  </a:ext>
+                </a:extLst>
+              </p:cNvPr>
+              <p:cNvSpPr txBox="1"/>
+              <p:nvPr/>
+            </p:nvSpPr>
+            <p:spPr>
+              <a:xfrm>
+                <a:off x="1535723" y="1544182"/>
+                <a:ext cx="2582117" cy="677108"/>
+              </a:xfrm>
+              <a:prstGeom prst="rect">
+                <a:avLst/>
+              </a:prstGeom>
+              <a:noFill/>
+            </p:spPr>
+            <p:txBody>
+              <a:bodyPr wrap="none" lIns="0" tIns="0" rIns="0" bIns="0" rtlCol="0">
+                <a:spAutoFit/>
+              </a:bodyPr>
+              <a:lstStyle/>
+              <a:p>
+                <a:pPr/>
+                <a14:m>
+                  <m:oMathPara xmlns:m="http://schemas.openxmlformats.org/officeDocument/2006/math">
+                    <m:oMathParaPr>
+                      <m:jc m:val="centerGroup"/>
+                    </m:oMathParaPr>
+                    <m:oMath xmlns:m="http://schemas.openxmlformats.org/officeDocument/2006/math">
+                      <m:r>
+                        <a:rPr lang="en-US" sz="4400" b="0" i="1" smtClean="0">
+                          <a:latin typeface="Cambria Math" panose="02040503050406030204" pitchFamily="18" charset="0"/>
+                        </a:rPr>
+                        <m:t>𝑌</m:t>
+                      </m:r>
+                      <m:r>
+                        <a:rPr lang="en-US" sz="4400" b="0" i="1" smtClean="0">
+                          <a:latin typeface="Cambria Math" panose="02040503050406030204" pitchFamily="18" charset="0"/>
+                        </a:rPr>
+                        <m:t>=</m:t>
+                      </m:r>
+                      <m:r>
+                        <a:rPr lang="en-US" sz="4400" b="0" i="1" smtClean="0">
+                          <a:latin typeface="Cambria Math" panose="02040503050406030204" pitchFamily="18" charset="0"/>
+                        </a:rPr>
+                        <m:t>𝑋</m:t>
+                      </m:r>
+                      <m:r>
+                        <a:rPr lang="en-US" sz="4400" b="0" i="1" smtClean="0">
+                          <a:latin typeface="Cambria Math" panose="02040503050406030204" pitchFamily="18" charset="0"/>
+                        </a:rPr>
+                        <m:t>+</m:t>
+                      </m:r>
+                      <m:r>
+                        <a:rPr lang="en-US" sz="4400" b="0" i="1" smtClean="0">
+                          <a:latin typeface="Cambria Math" panose="02040503050406030204" pitchFamily="18" charset="0"/>
+                        </a:rPr>
+                        <m:t>𝑎</m:t>
+                      </m:r>
+                    </m:oMath>
+                  </m:oMathPara>
+                </a14:m>
+                <a:endParaRPr lang="en-US" sz="4400" dirty="0"/>
+              </a:p>
+            </p:txBody>
+          </p:sp>
+        </mc:Choice>
+        <mc:Fallback xmlns="">
+          <p:sp>
+            <p:nvSpPr>
+              <p:cNvPr id="7" name="TextBox 6">
+                <a:extLst>
+                  <a:ext uri="{FF2B5EF4-FFF2-40B4-BE49-F238E27FC236}">
+                    <a16:creationId xmlns:a16="http://schemas.microsoft.com/office/drawing/2014/main" id="{2F5C75C3-FA33-8D03-97B6-502183CCD43E}"/>
+                  </a:ext>
+                </a:extLst>
+              </p:cNvPr>
+              <p:cNvSpPr txBox="1">
+                <a:spLocks noRot="1" noChangeAspect="1" noMove="1" noResize="1" noEditPoints="1" noAdjustHandles="1" noChangeArrowheads="1" noChangeShapeType="1" noTextEdit="1"/>
+              </p:cNvSpPr>
+              <p:nvPr/>
+            </p:nvSpPr>
+            <p:spPr>
+              <a:xfrm>
+                <a:off x="1535723" y="1544182"/>
+                <a:ext cx="2582117" cy="677108"/>
+              </a:xfrm>
+              <a:prstGeom prst="rect">
+                <a:avLst/>
+              </a:prstGeom>
+              <a:blipFill>
+                <a:blip r:embed="rId3"/>
+                <a:stretch>
+                  <a:fillRect l="-4412" r="-2451" b="-5556"/>
+                </a:stretch>
+              </a:blipFill>
+            </p:spPr>
+            <p:txBody>
+              <a:bodyPr/>
+              <a:lstStyle/>
+              <a:p>
+                <a:r>
+                  <a:rPr lang="en-US">
+                    <a:noFill/>
+                  </a:rPr>
+                  <a:t> </a:t>
+                </a:r>
+              </a:p>
+            </p:txBody>
+          </p:sp>
+        </mc:Fallback>
+      </mc:AlternateContent>
+      <p:sp>
+        <p:nvSpPr>
+          <p:cNvPr id="8" name="TextBox 7">
+            <a:extLst>
+              <a:ext uri="{FF2B5EF4-FFF2-40B4-BE49-F238E27FC236}">
+                <a16:creationId xmlns:a16="http://schemas.microsoft.com/office/drawing/2014/main" id="{16DCD608-A425-67EF-17AF-F4804BAD7B4E}"/>
+              </a:ext>
+            </a:extLst>
+          </p:cNvPr>
+          <p:cNvSpPr txBox="1"/>
+          <p:nvPr/>
+        </p:nvSpPr>
+        <p:spPr>
+          <a:xfrm>
+            <a:off x="838200" y="2546579"/>
+            <a:ext cx="5709139" cy="1200329"/>
+          </a:xfrm>
+          <a:prstGeom prst="rect">
+            <a:avLst/>
+          </a:prstGeom>
+          <a:noFill/>
+        </p:spPr>
+        <p:txBody>
+          <a:bodyPr wrap="square" rtlCol="0">
+            <a:spAutoFit/>
+          </a:bodyPr>
+          <a:lstStyle/>
+          <a:p>
+            <a:r>
+              <a:rPr lang="en-US" sz="2400" dirty="0"/>
+              <a:t>Changing the brightness of an image means adding/subtracting a scalar from the image </a:t>
+            </a:r>
+          </a:p>
+        </p:txBody>
+      </p:sp>
+    </p:spTree>
+    <p:extLst>
+      <p:ext uri="{BB962C8B-B14F-4D97-AF65-F5344CB8AC3E}">
+        <p14:creationId xmlns:p14="http://schemas.microsoft.com/office/powerpoint/2010/main" val="3808656642"/>
+      </p:ext>
+    </p:extLst>
+  </p:cSld>
+  <p:clrMapOvr>
+    <a:masterClrMapping/>
+  </p:clrMapOvr>
+</p:sld>
+</file>
+
+<file path=ppt/slides/slide30.xml><?xml version="1.0" encoding="utf-8"?>
 <p:sld xmlns:a="http://schemas.openxmlformats.org/drawingml/2006/main" xmlns:r="http://schemas.openxmlformats.org/officeDocument/2006/relationships" xmlns:p="http://schemas.openxmlformats.org/presentationml/2006/main">
   <p:cSld>
     <p:spTree>
@@ -35115,261 +36932,7 @@
 </p:sld>
 </file>
 
-<file path=ppt/slides/slide3.xml><?xml version="1.0" encoding="utf-8"?>
-<p:sld xmlns:a="http://schemas.openxmlformats.org/drawingml/2006/main" xmlns:r="http://schemas.openxmlformats.org/officeDocument/2006/relationships" xmlns:p="http://schemas.openxmlformats.org/presentationml/2006/main">
-  <p:cSld>
-    <p:spTree>
-      <p:nvGrpSpPr>
-        <p:cNvPr id="1" name=""/>
-        <p:cNvGrpSpPr/>
-        <p:nvPr/>
-      </p:nvGrpSpPr>
-      <p:grpSpPr>
-        <a:xfrm>
-          <a:off x="0" y="0"/>
-          <a:ext cx="0" cy="0"/>
-          <a:chOff x="0" y="0"/>
-          <a:chExt cx="0" cy="0"/>
-        </a:xfrm>
-      </p:grpSpPr>
-      <p:sp>
-        <p:nvSpPr>
-          <p:cNvPr id="2" name="Title 1">
-            <a:extLst>
-              <a:ext uri="{FF2B5EF4-FFF2-40B4-BE49-F238E27FC236}">
-                <a16:creationId xmlns:a16="http://schemas.microsoft.com/office/drawing/2014/main" id="{6B71FBA0-E79A-4C76-216D-9ED72F448BB7}"/>
-              </a:ext>
-            </a:extLst>
-          </p:cNvPr>
-          <p:cNvSpPr>
-            <a:spLocks noGrp="1"/>
-          </p:cNvSpPr>
-          <p:nvPr>
-            <p:ph type="title"/>
-          </p:nvPr>
-        </p:nvSpPr>
-        <p:spPr/>
-        <p:txBody>
-          <a:bodyPr/>
-          <a:lstStyle/>
-          <a:p>
-            <a:r>
-              <a:rPr lang="en-US" dirty="0"/>
-              <a:t>Brightness</a:t>
-            </a:r>
-          </a:p>
-        </p:txBody>
-      </p:sp>
-      <p:pic>
-        <p:nvPicPr>
-          <p:cNvPr id="4" name="Picture 3" descr="A foggy landscape of a beach&#10;&#10;Description automatically generated with medium confidence">
-            <a:extLst>
-              <a:ext uri="{FF2B5EF4-FFF2-40B4-BE49-F238E27FC236}">
-                <a16:creationId xmlns:a16="http://schemas.microsoft.com/office/drawing/2014/main" id="{B8C8D461-A14E-C812-570D-24B77545DD22}"/>
-              </a:ext>
-            </a:extLst>
-          </p:cNvPr>
-          <p:cNvPicPr>
-            <a:picLocks noChangeAspect="1"/>
-          </p:cNvPicPr>
-          <p:nvPr/>
-        </p:nvPicPr>
-        <p:blipFill>
-          <a:blip r:embed="rId2">
-            <a:extLst>
-              <a:ext uri="{28A0092B-C50C-407E-A947-70E740481C1C}">
-                <a14:useLocalDpi xmlns:a14="http://schemas.microsoft.com/office/drawing/2010/main" val="0"/>
-              </a:ext>
-            </a:extLst>
-          </a:blip>
-          <a:srcRect/>
-          <a:stretch>
-            <a:fillRect/>
-          </a:stretch>
-        </p:blipFill>
-        <p:spPr bwMode="auto">
-          <a:xfrm>
-            <a:off x="6096000" y="3429000"/>
-            <a:ext cx="4117848" cy="2941446"/>
-          </a:xfrm>
-          <a:prstGeom prst="rect">
-            <a:avLst/>
-          </a:prstGeom>
-          <a:noFill/>
-          <a:ln>
-            <a:noFill/>
-          </a:ln>
-        </p:spPr>
-      </p:pic>
-      <mc:AlternateContent xmlns:mc="http://schemas.openxmlformats.org/markup-compatibility/2006" xmlns:a14="http://schemas.microsoft.com/office/drawing/2010/main">
-        <mc:Choice Requires="a14">
-          <p:sp>
-            <p:nvSpPr>
-              <p:cNvPr id="7" name="TextBox 6">
-                <a:extLst>
-                  <a:ext uri="{FF2B5EF4-FFF2-40B4-BE49-F238E27FC236}">
-                    <a16:creationId xmlns:a16="http://schemas.microsoft.com/office/drawing/2014/main" id="{2F5C75C3-FA33-8D03-97B6-502183CCD43E}"/>
-                  </a:ext>
-                </a:extLst>
-              </p:cNvPr>
-              <p:cNvSpPr txBox="1"/>
-              <p:nvPr/>
-            </p:nvSpPr>
-            <p:spPr>
-              <a:xfrm>
-                <a:off x="1535723" y="1544182"/>
-                <a:ext cx="2582117" cy="677108"/>
-              </a:xfrm>
-              <a:prstGeom prst="rect">
-                <a:avLst/>
-              </a:prstGeom>
-              <a:noFill/>
-            </p:spPr>
-            <p:txBody>
-              <a:bodyPr wrap="none" lIns="0" tIns="0" rIns="0" bIns="0" rtlCol="0">
-                <a:spAutoFit/>
-              </a:bodyPr>
-              <a:lstStyle/>
-              <a:p>
-                <a:pPr/>
-                <a14:m>
-                  <m:oMathPara xmlns:m="http://schemas.openxmlformats.org/officeDocument/2006/math">
-                    <m:oMathParaPr>
-                      <m:jc m:val="centerGroup"/>
-                    </m:oMathParaPr>
-                    <m:oMath xmlns:m="http://schemas.openxmlformats.org/officeDocument/2006/math">
-                      <m:r>
-                        <a:rPr lang="en-US" sz="4400" b="0" i="1" smtClean="0">
-                          <a:latin typeface="Cambria Math" panose="02040503050406030204" pitchFamily="18" charset="0"/>
-                        </a:rPr>
-                        <m:t>𝑌</m:t>
-                      </m:r>
-                      <m:r>
-                        <a:rPr lang="en-US" sz="4400" b="0" i="1" smtClean="0">
-                          <a:latin typeface="Cambria Math" panose="02040503050406030204" pitchFamily="18" charset="0"/>
-                        </a:rPr>
-                        <m:t>=</m:t>
-                      </m:r>
-                      <m:r>
-                        <a:rPr lang="en-US" sz="4400" b="0" i="1" smtClean="0">
-                          <a:latin typeface="Cambria Math" panose="02040503050406030204" pitchFamily="18" charset="0"/>
-                        </a:rPr>
-                        <m:t>𝑋</m:t>
-                      </m:r>
-                      <m:r>
-                        <a:rPr lang="en-US" sz="4400" b="0" i="1" smtClean="0">
-                          <a:latin typeface="Cambria Math" panose="02040503050406030204" pitchFamily="18" charset="0"/>
-                        </a:rPr>
-                        <m:t>+</m:t>
-                      </m:r>
-                      <m:r>
-                        <a:rPr lang="en-US" sz="4400" b="0" i="1" smtClean="0">
-                          <a:latin typeface="Cambria Math" panose="02040503050406030204" pitchFamily="18" charset="0"/>
-                        </a:rPr>
-                        <m:t>𝑎</m:t>
-                      </m:r>
-                    </m:oMath>
-                  </m:oMathPara>
-                </a14:m>
-                <a:endParaRPr lang="en-US" sz="4400" dirty="0"/>
-              </a:p>
-            </p:txBody>
-          </p:sp>
-        </mc:Choice>
-        <mc:Fallback xmlns="">
-          <p:sp>
-            <p:nvSpPr>
-              <p:cNvPr id="7" name="TextBox 6">
-                <a:extLst>
-                  <a:ext uri="{FF2B5EF4-FFF2-40B4-BE49-F238E27FC236}">
-                    <a16:creationId xmlns:a16="http://schemas.microsoft.com/office/drawing/2014/main" id="{2F5C75C3-FA33-8D03-97B6-502183CCD43E}"/>
-                  </a:ext>
-                </a:extLst>
-              </p:cNvPr>
-              <p:cNvSpPr txBox="1">
-                <a:spLocks noRot="1" noChangeAspect="1" noMove="1" noResize="1" noEditPoints="1" noAdjustHandles="1" noChangeArrowheads="1" noChangeShapeType="1" noTextEdit="1"/>
-              </p:cNvSpPr>
-              <p:nvPr/>
-            </p:nvSpPr>
-            <p:spPr>
-              <a:xfrm>
-                <a:off x="1535723" y="1544182"/>
-                <a:ext cx="2582117" cy="677108"/>
-              </a:xfrm>
-              <a:prstGeom prst="rect">
-                <a:avLst/>
-              </a:prstGeom>
-              <a:blipFill>
-                <a:blip r:embed="rId3"/>
-                <a:stretch>
-                  <a:fillRect l="-4412" r="-2451" b="-5556"/>
-                </a:stretch>
-              </a:blipFill>
-            </p:spPr>
-            <p:txBody>
-              <a:bodyPr/>
-              <a:lstStyle/>
-              <a:p>
-                <a:r>
-                  <a:rPr lang="en-US">
-                    <a:noFill/>
-                  </a:rPr>
-                  <a:t> </a:t>
-                </a:r>
-              </a:p>
-            </p:txBody>
-          </p:sp>
-        </mc:Fallback>
-      </mc:AlternateContent>
-      <p:sp>
-        <p:nvSpPr>
-          <p:cNvPr id="8" name="TextBox 7">
-            <a:extLst>
-              <a:ext uri="{FF2B5EF4-FFF2-40B4-BE49-F238E27FC236}">
-                <a16:creationId xmlns:a16="http://schemas.microsoft.com/office/drawing/2014/main" id="{16DCD608-A425-67EF-17AF-F4804BAD7B4E}"/>
-              </a:ext>
-            </a:extLst>
-          </p:cNvPr>
-          <p:cNvSpPr txBox="1"/>
-          <p:nvPr/>
-        </p:nvSpPr>
-        <p:spPr>
-          <a:xfrm>
-            <a:off x="838200" y="2546579"/>
-            <a:ext cx="5709139" cy="1200329"/>
-          </a:xfrm>
-          <a:prstGeom prst="rect">
-            <a:avLst/>
-          </a:prstGeom>
-          <a:noFill/>
-        </p:spPr>
-        <p:txBody>
-          <a:bodyPr wrap="square" rtlCol="0">
-            <a:spAutoFit/>
-          </a:bodyPr>
-          <a:lstStyle/>
-          <a:p>
-            <a:r>
-              <a:rPr lang="en-US" sz="2400" dirty="0"/>
-              <a:t>Changing the brightness of an image means adding/subtracting a scalar from the image </a:t>
-            </a:r>
-          </a:p>
-        </p:txBody>
-      </p:sp>
-    </p:spTree>
-    <p:extLst>
-      <p:ext uri="{BB962C8B-B14F-4D97-AF65-F5344CB8AC3E}">
-        <p14:creationId xmlns:p14="http://schemas.microsoft.com/office/powerpoint/2010/main" val="3808656642"/>
-      </p:ext>
-    </p:extLst>
-  </p:cSld>
-  <p:clrMapOvr>
-    <a:masterClrMapping/>
-  </p:clrMapOvr>
-</p:sld>
-</file>
-
-<file path=ppt/slides/slide30.xml><?xml version="1.0" encoding="utf-8"?>
+<file path=ppt/slides/slide31.xml><?xml version="1.0" encoding="utf-8"?>
 <p:sld xmlns:a="http://schemas.openxmlformats.org/drawingml/2006/main" xmlns:r="http://schemas.openxmlformats.org/officeDocument/2006/relationships" xmlns:p="http://schemas.openxmlformats.org/presentationml/2006/main">
   <p:cSld>
     <p:spTree>
@@ -35473,7 +37036,7 @@
 </p:sld>
 </file>
 
-<file path=ppt/slides/slide31.xml><?xml version="1.0" encoding="utf-8"?>
+<file path=ppt/slides/slide32.xml><?xml version="1.0" encoding="utf-8"?>
 <p:sld xmlns:a="http://schemas.openxmlformats.org/drawingml/2006/main" xmlns:r="http://schemas.openxmlformats.org/officeDocument/2006/relationships" xmlns:p="http://schemas.openxmlformats.org/presentationml/2006/main">
   <p:cSld>
     <p:spTree>
@@ -37919,6 +39482,337 @@
       </p:grpSpPr>
       <p:pic>
         <p:nvPicPr>
+          <p:cNvPr id="7" name="Picture 6">
+            <a:extLst>
+              <a:ext uri="{FF2B5EF4-FFF2-40B4-BE49-F238E27FC236}">
+                <a16:creationId xmlns:a16="http://schemas.microsoft.com/office/drawing/2014/main" id="{9325BEE4-CA00-A652-77FF-2E170538D146}"/>
+              </a:ext>
+            </a:extLst>
+          </p:cNvPr>
+          <p:cNvPicPr>
+            <a:picLocks noChangeAspect="1"/>
+          </p:cNvPicPr>
+          <p:nvPr/>
+        </p:nvPicPr>
+        <p:blipFill>
+          <a:blip r:embed="rId3"/>
+          <a:stretch>
+            <a:fillRect/>
+          </a:stretch>
+        </p:blipFill>
+        <p:spPr>
+          <a:xfrm>
+            <a:off x="2177976" y="84342"/>
+            <a:ext cx="6028267" cy="4521200"/>
+          </a:xfrm>
+          <a:prstGeom prst="rect">
+            <a:avLst/>
+          </a:prstGeom>
+        </p:spPr>
+      </p:pic>
+      <p:sp>
+        <p:nvSpPr>
+          <p:cNvPr id="8" name="TextBox 7">
+            <a:extLst>
+              <a:ext uri="{FF2B5EF4-FFF2-40B4-BE49-F238E27FC236}">
+                <a16:creationId xmlns:a16="http://schemas.microsoft.com/office/drawing/2014/main" id="{06189A62-6160-9C26-BB0B-C5AC0EDF22FF}"/>
+              </a:ext>
+            </a:extLst>
+          </p:cNvPr>
+          <p:cNvSpPr txBox="1"/>
+          <p:nvPr/>
+        </p:nvSpPr>
+        <p:spPr>
+          <a:xfrm>
+            <a:off x="2592841" y="4605542"/>
+            <a:ext cx="1490133" cy="646331"/>
+          </a:xfrm>
+          <a:prstGeom prst="rect">
+            <a:avLst/>
+          </a:prstGeom>
+          <a:noFill/>
+        </p:spPr>
+        <p:txBody>
+          <a:bodyPr wrap="square" rtlCol="0">
+            <a:spAutoFit/>
+          </a:bodyPr>
+          <a:lstStyle/>
+          <a:p>
+            <a:r>
+              <a:rPr lang="en-US" dirty="0"/>
+              <a:t>Harder to differentiate</a:t>
+            </a:r>
+          </a:p>
+        </p:txBody>
+      </p:sp>
+      <p:sp>
+        <p:nvSpPr>
+          <p:cNvPr id="9" name="TextBox 8">
+            <a:extLst>
+              <a:ext uri="{FF2B5EF4-FFF2-40B4-BE49-F238E27FC236}">
+                <a16:creationId xmlns:a16="http://schemas.microsoft.com/office/drawing/2014/main" id="{B28C6C46-53AA-32D4-93E2-8F0E2E9A08E2}"/>
+              </a:ext>
+            </a:extLst>
+          </p:cNvPr>
+          <p:cNvSpPr txBox="1"/>
+          <p:nvPr/>
+        </p:nvSpPr>
+        <p:spPr>
+          <a:xfrm>
+            <a:off x="6694941" y="4605542"/>
+            <a:ext cx="1490133" cy="646331"/>
+          </a:xfrm>
+          <a:prstGeom prst="rect">
+            <a:avLst/>
+          </a:prstGeom>
+          <a:noFill/>
+        </p:spPr>
+        <p:txBody>
+          <a:bodyPr wrap="square" rtlCol="0">
+            <a:spAutoFit/>
+          </a:bodyPr>
+          <a:lstStyle/>
+          <a:p>
+            <a:r>
+              <a:rPr lang="en-US" dirty="0"/>
+              <a:t>Harder to differentiate</a:t>
+            </a:r>
+          </a:p>
+        </p:txBody>
+      </p:sp>
+      <p:sp>
+        <p:nvSpPr>
+          <p:cNvPr id="10" name="TextBox 9">
+            <a:extLst>
+              <a:ext uri="{FF2B5EF4-FFF2-40B4-BE49-F238E27FC236}">
+                <a16:creationId xmlns:a16="http://schemas.microsoft.com/office/drawing/2014/main" id="{8578D2B2-4098-326E-9039-F914B1814939}"/>
+              </a:ext>
+            </a:extLst>
+          </p:cNvPr>
+          <p:cNvSpPr txBox="1"/>
+          <p:nvPr/>
+        </p:nvSpPr>
+        <p:spPr>
+          <a:xfrm>
+            <a:off x="4643891" y="4605541"/>
+            <a:ext cx="1490133" cy="646331"/>
+          </a:xfrm>
+          <a:prstGeom prst="rect">
+            <a:avLst/>
+          </a:prstGeom>
+          <a:noFill/>
+        </p:spPr>
+        <p:txBody>
+          <a:bodyPr wrap="square" rtlCol="0">
+            <a:spAutoFit/>
+          </a:bodyPr>
+          <a:lstStyle/>
+          <a:p>
+            <a:r>
+              <a:rPr lang="en-US" dirty="0"/>
+              <a:t>Easier to differentiate</a:t>
+            </a:r>
+          </a:p>
+        </p:txBody>
+      </p:sp>
+      <p:cxnSp>
+        <p:nvCxnSpPr>
+          <p:cNvPr id="12" name="Straight Arrow Connector 11">
+            <a:extLst>
+              <a:ext uri="{FF2B5EF4-FFF2-40B4-BE49-F238E27FC236}">
+                <a16:creationId xmlns:a16="http://schemas.microsoft.com/office/drawing/2014/main" id="{73CC95E5-C50F-23D2-EF6D-ADD117A681DE}"/>
+              </a:ext>
+            </a:extLst>
+          </p:cNvPr>
+          <p:cNvCxnSpPr>
+            <a:cxnSpLocks/>
+          </p:cNvCxnSpPr>
+          <p:nvPr/>
+        </p:nvCxnSpPr>
+        <p:spPr>
+          <a:xfrm flipV="1">
+            <a:off x="2914574" y="4233537"/>
+            <a:ext cx="270934" cy="372004"/>
+          </a:xfrm>
+          <a:prstGeom prst="straightConnector1">
+            <a:avLst/>
+          </a:prstGeom>
+          <a:ln>
+            <a:tailEnd type="triangle"/>
+          </a:ln>
+        </p:spPr>
+        <p:style>
+          <a:lnRef idx="2">
+            <a:schemeClr val="accent1"/>
+          </a:lnRef>
+          <a:fillRef idx="0">
+            <a:schemeClr val="accent1"/>
+          </a:fillRef>
+          <a:effectRef idx="1">
+            <a:schemeClr val="accent1"/>
+          </a:effectRef>
+          <a:fontRef idx="minor">
+            <a:schemeClr val="tx1"/>
+          </a:fontRef>
+        </p:style>
+      </p:cxnSp>
+      <p:cxnSp>
+        <p:nvCxnSpPr>
+          <p:cNvPr id="14" name="Straight Arrow Connector 13">
+            <a:extLst>
+              <a:ext uri="{FF2B5EF4-FFF2-40B4-BE49-F238E27FC236}">
+                <a16:creationId xmlns:a16="http://schemas.microsoft.com/office/drawing/2014/main" id="{216404DD-BD21-6F12-917E-F84264F3301F}"/>
+              </a:ext>
+            </a:extLst>
+          </p:cNvPr>
+          <p:cNvCxnSpPr>
+            <a:cxnSpLocks/>
+          </p:cNvCxnSpPr>
+          <p:nvPr/>
+        </p:nvCxnSpPr>
+        <p:spPr>
+          <a:xfrm flipV="1">
+            <a:off x="7365924" y="4153368"/>
+            <a:ext cx="0" cy="452173"/>
+          </a:xfrm>
+          <a:prstGeom prst="straightConnector1">
+            <a:avLst/>
+          </a:prstGeom>
+          <a:ln>
+            <a:tailEnd type="triangle"/>
+          </a:ln>
+        </p:spPr>
+        <p:style>
+          <a:lnRef idx="2">
+            <a:schemeClr val="accent1"/>
+          </a:lnRef>
+          <a:fillRef idx="0">
+            <a:schemeClr val="accent1"/>
+          </a:fillRef>
+          <a:effectRef idx="1">
+            <a:schemeClr val="accent1"/>
+          </a:effectRef>
+          <a:fontRef idx="minor">
+            <a:schemeClr val="tx1"/>
+          </a:fontRef>
+        </p:style>
+      </p:cxnSp>
+      <p:cxnSp>
+        <p:nvCxnSpPr>
+          <p:cNvPr id="16" name="Straight Arrow Connector 15">
+            <a:extLst>
+              <a:ext uri="{FF2B5EF4-FFF2-40B4-BE49-F238E27FC236}">
+                <a16:creationId xmlns:a16="http://schemas.microsoft.com/office/drawing/2014/main" id="{26B579DB-4AC0-873B-A4AC-65BE606992F1}"/>
+              </a:ext>
+            </a:extLst>
+          </p:cNvPr>
+          <p:cNvCxnSpPr>
+            <a:cxnSpLocks/>
+            <a:stCxn id="7" idx="2"/>
+          </p:cNvCxnSpPr>
+          <p:nvPr/>
+        </p:nvCxnSpPr>
+        <p:spPr>
+          <a:xfrm flipV="1">
+            <a:off x="5192110" y="4170301"/>
+            <a:ext cx="179914" cy="435241"/>
+          </a:xfrm>
+          <a:prstGeom prst="straightConnector1">
+            <a:avLst/>
+          </a:prstGeom>
+          <a:ln>
+            <a:tailEnd type="triangle"/>
+          </a:ln>
+        </p:spPr>
+        <p:style>
+          <a:lnRef idx="2">
+            <a:schemeClr val="accent1"/>
+          </a:lnRef>
+          <a:fillRef idx="0">
+            <a:schemeClr val="accent1"/>
+          </a:fillRef>
+          <a:effectRef idx="1">
+            <a:schemeClr val="accent1"/>
+          </a:effectRef>
+          <a:fontRef idx="minor">
+            <a:schemeClr val="tx1"/>
+          </a:fontRef>
+        </p:style>
+      </p:cxnSp>
+      <p:sp>
+        <p:nvSpPr>
+          <p:cNvPr id="18" name="TextBox 17">
+            <a:extLst>
+              <a:ext uri="{FF2B5EF4-FFF2-40B4-BE49-F238E27FC236}">
+                <a16:creationId xmlns:a16="http://schemas.microsoft.com/office/drawing/2014/main" id="{24D3127B-7016-4888-5256-6C11C01A5291}"/>
+              </a:ext>
+            </a:extLst>
+          </p:cNvPr>
+          <p:cNvSpPr txBox="1"/>
+          <p:nvPr/>
+        </p:nvSpPr>
+        <p:spPr>
+          <a:xfrm>
+            <a:off x="2558974" y="5955600"/>
+            <a:ext cx="5435600" cy="646331"/>
+          </a:xfrm>
+          <a:prstGeom prst="rect">
+            <a:avLst/>
+          </a:prstGeom>
+          <a:noFill/>
+        </p:spPr>
+        <p:txBody>
+          <a:bodyPr wrap="square" rtlCol="0">
+            <a:spAutoFit/>
+          </a:bodyPr>
+          <a:lstStyle/>
+          <a:p>
+            <a:r>
+              <a:rPr lang="en-US" dirty="0"/>
+              <a:t>Gamma correction (and similar) designed to adjust intensity </a:t>
+            </a:r>
+            <a:r>
+              <a:rPr lang="en-US" dirty="0">
+                <a:sym typeface="Wingdings" pitchFamily="2" charset="2"/>
+              </a:rPr>
+              <a:t> brightness  (next lecture)</a:t>
+            </a:r>
+            <a:endParaRPr lang="en-US" dirty="0"/>
+          </a:p>
+        </p:txBody>
+      </p:sp>
+    </p:spTree>
+    <p:extLst>
+      <p:ext uri="{BB962C8B-B14F-4D97-AF65-F5344CB8AC3E}">
+        <p14:creationId xmlns:p14="http://schemas.microsoft.com/office/powerpoint/2010/main" val="4056543603"/>
+      </p:ext>
+    </p:extLst>
+  </p:cSld>
+  <p:clrMapOvr>
+    <a:masterClrMapping/>
+  </p:clrMapOvr>
+</p:sld>
+</file>
+
+<file path=ppt/slides/slide5.xml><?xml version="1.0" encoding="utf-8"?>
+<p:sld xmlns:a="http://schemas.openxmlformats.org/drawingml/2006/main" xmlns:r="http://schemas.openxmlformats.org/officeDocument/2006/relationships" xmlns:p="http://schemas.openxmlformats.org/presentationml/2006/main">
+  <p:cSld>
+    <p:spTree>
+      <p:nvGrpSpPr>
+        <p:cNvPr id="1" name=""/>
+        <p:cNvGrpSpPr/>
+        <p:nvPr/>
+      </p:nvGrpSpPr>
+      <p:grpSpPr>
+        <a:xfrm>
+          <a:off x="0" y="0"/>
+          <a:ext cx="0" cy="0"/>
+          <a:chOff x="0" y="0"/>
+          <a:chExt cx="0" cy="0"/>
+        </a:xfrm>
+      </p:grpSpPr>
+      <p:pic>
+        <p:nvPicPr>
           <p:cNvPr id="12292" name="Picture 46" descr="A view of a beach and a rocky shore&#10;&#10;Description automatically generated with medium confidence">
             <a:extLst>
               <a:ext uri="{FF2B5EF4-FFF2-40B4-BE49-F238E27FC236}">
@@ -38415,7 +40309,7 @@
 </p:sld>
 </file>
 
-<file path=ppt/slides/slide5.xml><?xml version="1.0" encoding="utf-8"?>
+<file path=ppt/slides/slide6.xml><?xml version="1.0" encoding="utf-8"?>
 <p:sld xmlns:a="http://schemas.openxmlformats.org/drawingml/2006/main" xmlns:r="http://schemas.openxmlformats.org/officeDocument/2006/relationships" xmlns:p="http://schemas.openxmlformats.org/presentationml/2006/main">
   <p:cSld>
     <p:spTree>
@@ -38669,7 +40563,7 @@
 </p:sld>
 </file>
 
-<file path=ppt/slides/slide6.xml><?xml version="1.0" encoding="utf-8"?>
+<file path=ppt/slides/slide7.xml><?xml version="1.0" encoding="utf-8"?>
 <p:sld xmlns:a="http://schemas.openxmlformats.org/drawingml/2006/main" xmlns:r="http://schemas.openxmlformats.org/officeDocument/2006/relationships" xmlns:p="http://schemas.openxmlformats.org/presentationml/2006/main">
   <p:cSld>
     <p:spTree>
@@ -39255,7 +41149,7 @@
 </p:sld>
 </file>
 
-<file path=ppt/slides/slide7.xml><?xml version="1.0" encoding="utf-8"?>
+<file path=ppt/slides/slide8.xml><?xml version="1.0" encoding="utf-8"?>
 <p:sld xmlns:a="http://schemas.openxmlformats.org/drawingml/2006/main" xmlns:r="http://schemas.openxmlformats.org/officeDocument/2006/relationships" xmlns:p="http://schemas.openxmlformats.org/presentationml/2006/main">
   <p:cSld>
     <p:spTree>
@@ -39488,7 +41382,7 @@
 </p:sld>
 </file>
 
-<file path=ppt/slides/slide8.xml><?xml version="1.0" encoding="utf-8"?>
+<file path=ppt/slides/slide9.xml><?xml version="1.0" encoding="utf-8"?>
 <p:sld xmlns:a="http://schemas.openxmlformats.org/drawingml/2006/main" xmlns:r="http://schemas.openxmlformats.org/officeDocument/2006/relationships" xmlns:p="http://schemas.openxmlformats.org/presentationml/2006/main">
   <p:cSld>
     <p:spTree>
@@ -39690,1484 +41584,6 @@
     <p:extLst>
       <p:ext uri="{BB962C8B-B14F-4D97-AF65-F5344CB8AC3E}">
         <p14:creationId xmlns:p14="http://schemas.microsoft.com/office/powerpoint/2010/main" val="3672954062"/>
-      </p:ext>
-    </p:extLst>
-  </p:cSld>
-  <p:clrMapOvr>
-    <a:masterClrMapping/>
-  </p:clrMapOvr>
-</p:sld>
-</file>
-
-<file path=ppt/slides/slide9.xml><?xml version="1.0" encoding="utf-8"?>
-<p:sld xmlns:a="http://schemas.openxmlformats.org/drawingml/2006/main" xmlns:r="http://schemas.openxmlformats.org/officeDocument/2006/relationships" xmlns:p="http://schemas.openxmlformats.org/presentationml/2006/main">
-  <p:cSld>
-    <p:spTree>
-      <p:nvGrpSpPr>
-        <p:cNvPr id="1" name=""/>
-        <p:cNvGrpSpPr/>
-        <p:nvPr/>
-      </p:nvGrpSpPr>
-      <p:grpSpPr>
-        <a:xfrm>
-          <a:off x="0" y="0"/>
-          <a:ext cx="0" cy="0"/>
-          <a:chOff x="0" y="0"/>
-          <a:chExt cx="0" cy="0"/>
-        </a:xfrm>
-      </p:grpSpPr>
-      <p:sp>
-        <p:nvSpPr>
-          <p:cNvPr id="5" name="TextBox 4">
-            <a:extLst>
-              <a:ext uri="{FF2B5EF4-FFF2-40B4-BE49-F238E27FC236}">
-                <a16:creationId xmlns:a16="http://schemas.microsoft.com/office/drawing/2014/main" id="{03210803-3123-F78D-B7CD-C82CF941E461}"/>
-              </a:ext>
-            </a:extLst>
-          </p:cNvPr>
-          <p:cNvSpPr txBox="1"/>
-          <p:nvPr/>
-        </p:nvSpPr>
-        <p:spPr>
-          <a:xfrm>
-            <a:off x="3338257" y="1511166"/>
-            <a:ext cx="2757743" cy="400110"/>
-          </a:xfrm>
-          <a:prstGeom prst="rect">
-            <a:avLst/>
-          </a:prstGeom>
-          <a:noFill/>
-        </p:spPr>
-        <p:txBody>
-          <a:bodyPr wrap="none" rtlCol="0">
-            <a:spAutoFit/>
-          </a:bodyPr>
-          <a:lstStyle/>
-          <a:p>
-            <a:r>
-              <a:rPr lang="en-US" sz="2000" b="1" dirty="0"/>
-              <a:t>Point Spread Function</a:t>
-            </a:r>
-          </a:p>
-        </p:txBody>
-      </p:sp>
-      <mc:AlternateContent xmlns:mc="http://schemas.openxmlformats.org/markup-compatibility/2006" xmlns:a14="http://schemas.microsoft.com/office/drawing/2010/main">
-        <mc:Choice Requires="a14">
-          <p:sp>
-            <p:nvSpPr>
-              <p:cNvPr id="6" name="TextBox 5">
-                <a:extLst>
-                  <a:ext uri="{FF2B5EF4-FFF2-40B4-BE49-F238E27FC236}">
-                    <a16:creationId xmlns:a16="http://schemas.microsoft.com/office/drawing/2014/main" id="{0A709072-FFE3-E17B-A2AF-B784B92F13B0}"/>
-                  </a:ext>
-                </a:extLst>
-              </p:cNvPr>
-              <p:cNvSpPr txBox="1"/>
-              <p:nvPr/>
-            </p:nvSpPr>
-            <p:spPr>
-              <a:xfrm>
-                <a:off x="5130265" y="2285756"/>
-                <a:ext cx="1796710" cy="430887"/>
-              </a:xfrm>
-              <a:prstGeom prst="rect">
-                <a:avLst/>
-              </a:prstGeom>
-              <a:noFill/>
-            </p:spPr>
-            <p:txBody>
-              <a:bodyPr wrap="none" lIns="0" tIns="0" rIns="0" bIns="0" rtlCol="0">
-                <a:spAutoFit/>
-              </a:bodyPr>
-              <a:lstStyle/>
-              <a:p>
-                <a:pPr/>
-                <a14:m>
-                  <m:oMathPara xmlns:m="http://schemas.openxmlformats.org/officeDocument/2006/math">
-                    <m:oMathParaPr>
-                      <m:jc m:val="centerGroup"/>
-                    </m:oMathParaPr>
-                    <m:oMath xmlns:m="http://schemas.openxmlformats.org/officeDocument/2006/math">
-                      <m:r>
-                        <a:rPr lang="en-US" sz="2800" b="0" i="1" smtClean="0">
-                          <a:latin typeface="Cambria Math" panose="02040503050406030204" pitchFamily="18" charset="0"/>
-                        </a:rPr>
-                        <m:t>h</m:t>
-                      </m:r>
-                      <m:r>
-                        <a:rPr lang="en-US" sz="2800" b="0" i="1" smtClean="0">
-                          <a:latin typeface="Cambria Math" panose="02040503050406030204" pitchFamily="18" charset="0"/>
-                        </a:rPr>
-                        <m:t>(</m:t>
-                      </m:r>
-                      <m:r>
-                        <a:rPr lang="en-US" sz="2800" b="0" i="1" smtClean="0">
-                          <a:latin typeface="Cambria Math" panose="02040503050406030204" pitchFamily="18" charset="0"/>
-                        </a:rPr>
-                        <m:t>𝑥</m:t>
-                      </m:r>
-                      <m:r>
-                        <a:rPr lang="en-US" sz="2800" b="0" i="1" smtClean="0">
-                          <a:latin typeface="Cambria Math" panose="02040503050406030204" pitchFamily="18" charset="0"/>
-                        </a:rPr>
-                        <m:t>,</m:t>
-                      </m:r>
-                      <m:r>
-                        <a:rPr lang="en-US" sz="2800" b="0" i="1" smtClean="0">
-                          <a:latin typeface="Cambria Math" panose="02040503050406030204" pitchFamily="18" charset="0"/>
-                        </a:rPr>
-                        <m:t>𝑎</m:t>
-                      </m:r>
-                      <m:r>
-                        <a:rPr lang="en-US" sz="2800" b="0" i="1" smtClean="0">
-                          <a:latin typeface="Cambria Math" panose="02040503050406030204" pitchFamily="18" charset="0"/>
-                        </a:rPr>
-                        <m:t>,</m:t>
-                      </m:r>
-                      <m:r>
-                        <a:rPr lang="en-US" sz="2800" b="0" i="1" smtClean="0">
-                          <a:latin typeface="Cambria Math" panose="02040503050406030204" pitchFamily="18" charset="0"/>
-                        </a:rPr>
-                        <m:t>𝑦</m:t>
-                      </m:r>
-                      <m:r>
-                        <a:rPr lang="en-US" sz="2800" b="0" i="1" smtClean="0">
-                          <a:latin typeface="Cambria Math" panose="02040503050406030204" pitchFamily="18" charset="0"/>
-                        </a:rPr>
-                        <m:t>,</m:t>
-                      </m:r>
-                      <m:r>
-                        <a:rPr lang="en-US" sz="2800" b="0" i="1" smtClean="0">
-                          <a:latin typeface="Cambria Math" panose="02040503050406030204" pitchFamily="18" charset="0"/>
-                        </a:rPr>
-                        <m:t>𝑏</m:t>
-                      </m:r>
-                      <m:r>
-                        <a:rPr lang="en-US" sz="2800" b="0" i="1" smtClean="0">
-                          <a:latin typeface="Cambria Math" panose="02040503050406030204" pitchFamily="18" charset="0"/>
-                        </a:rPr>
-                        <m:t>)</m:t>
-                      </m:r>
-                    </m:oMath>
-                  </m:oMathPara>
-                </a14:m>
-                <a:endParaRPr lang="en-US" dirty="0"/>
-              </a:p>
-            </p:txBody>
-          </p:sp>
-        </mc:Choice>
-        <mc:Fallback xmlns="">
-          <p:sp>
-            <p:nvSpPr>
-              <p:cNvPr id="6" name="TextBox 5">
-                <a:extLst>
-                  <a:ext uri="{FF2B5EF4-FFF2-40B4-BE49-F238E27FC236}">
-                    <a16:creationId xmlns:a16="http://schemas.microsoft.com/office/drawing/2014/main" id="{0A709072-FFE3-E17B-A2AF-B784B92F13B0}"/>
-                  </a:ext>
-                </a:extLst>
-              </p:cNvPr>
-              <p:cNvSpPr txBox="1">
-                <a:spLocks noRot="1" noChangeAspect="1" noMove="1" noResize="1" noEditPoints="1" noAdjustHandles="1" noChangeArrowheads="1" noChangeShapeType="1" noTextEdit="1"/>
-              </p:cNvSpPr>
-              <p:nvPr/>
-            </p:nvSpPr>
-            <p:spPr>
-              <a:xfrm>
-                <a:off x="5130265" y="2285756"/>
-                <a:ext cx="1796710" cy="430887"/>
-              </a:xfrm>
-              <a:prstGeom prst="rect">
-                <a:avLst/>
-              </a:prstGeom>
-              <a:blipFill>
-                <a:blip r:embed="rId3"/>
-                <a:stretch>
-                  <a:fillRect l="-4930" t="-2857" r="-6338" b="-31429"/>
-                </a:stretch>
-              </a:blipFill>
-            </p:spPr>
-            <p:txBody>
-              <a:bodyPr/>
-              <a:lstStyle/>
-              <a:p>
-                <a:r>
-                  <a:rPr lang="en-US">
-                    <a:noFill/>
-                  </a:rPr>
-                  <a:t> </a:t>
-                </a:r>
-              </a:p>
-            </p:txBody>
-          </p:sp>
-        </mc:Fallback>
-      </mc:AlternateContent>
-      <mc:AlternateContent xmlns:mc="http://schemas.openxmlformats.org/markup-compatibility/2006" xmlns:a14="http://schemas.microsoft.com/office/drawing/2010/main">
-        <mc:Choice Requires="a14">
-          <p:sp>
-            <p:nvSpPr>
-              <p:cNvPr id="7" name="TextBox 6">
-                <a:extLst>
-                  <a:ext uri="{FF2B5EF4-FFF2-40B4-BE49-F238E27FC236}">
-                    <a16:creationId xmlns:a16="http://schemas.microsoft.com/office/drawing/2014/main" id="{BA36D7B2-C551-4A60-A240-096F03FF6D96}"/>
-                  </a:ext>
-                </a:extLst>
-              </p:cNvPr>
-              <p:cNvSpPr txBox="1"/>
-              <p:nvPr/>
-            </p:nvSpPr>
-            <p:spPr>
-              <a:xfrm>
-                <a:off x="5130265" y="4135842"/>
-                <a:ext cx="2384050" cy="430887"/>
-              </a:xfrm>
-              <a:prstGeom prst="rect">
-                <a:avLst/>
-              </a:prstGeom>
-              <a:noFill/>
-            </p:spPr>
-            <p:txBody>
-              <a:bodyPr wrap="none" lIns="0" tIns="0" rIns="0" bIns="0" rtlCol="0">
-                <a:spAutoFit/>
-              </a:bodyPr>
-              <a:lstStyle/>
-              <a:p>
-                <a:pPr/>
-                <a14:m>
-                  <m:oMathPara xmlns:m="http://schemas.openxmlformats.org/officeDocument/2006/math">
-                    <m:oMathParaPr>
-                      <m:jc m:val="centerGroup"/>
-                    </m:oMathParaPr>
-                    <m:oMath xmlns:m="http://schemas.openxmlformats.org/officeDocument/2006/math">
-                      <m:r>
-                        <a:rPr lang="en-US" sz="2800" b="0" i="1" smtClean="0">
-                          <a:latin typeface="Cambria Math" panose="02040503050406030204" pitchFamily="18" charset="0"/>
-                        </a:rPr>
-                        <m:t>h</m:t>
-                      </m:r>
-                      <m:r>
-                        <a:rPr lang="en-US" sz="2800" b="0" i="1" smtClean="0">
-                          <a:latin typeface="Cambria Math" panose="02040503050406030204" pitchFamily="18" charset="0"/>
-                        </a:rPr>
-                        <m:t>(</m:t>
-                      </m:r>
-                      <m:r>
-                        <a:rPr lang="en-US" sz="2800" b="0" i="1" smtClean="0">
-                          <a:latin typeface="Cambria Math" panose="02040503050406030204" pitchFamily="18" charset="0"/>
-                        </a:rPr>
-                        <m:t>𝑎</m:t>
-                      </m:r>
-                      <m:r>
-                        <a:rPr lang="en-US" sz="2800" b="0" i="1" smtClean="0">
-                          <a:latin typeface="Cambria Math" panose="02040503050406030204" pitchFamily="18" charset="0"/>
-                        </a:rPr>
-                        <m:t>−</m:t>
-                      </m:r>
-                      <m:r>
-                        <a:rPr lang="en-US" sz="2800" b="0" i="1" smtClean="0">
-                          <a:latin typeface="Cambria Math" panose="02040503050406030204" pitchFamily="18" charset="0"/>
-                        </a:rPr>
-                        <m:t>𝑥</m:t>
-                      </m:r>
-                      <m:r>
-                        <a:rPr lang="en-US" sz="2800" b="0" i="1" smtClean="0">
-                          <a:latin typeface="Cambria Math" panose="02040503050406030204" pitchFamily="18" charset="0"/>
-                        </a:rPr>
-                        <m:t>,</m:t>
-                      </m:r>
-                      <m:r>
-                        <a:rPr lang="en-US" sz="2800" b="0" i="1" smtClean="0">
-                          <a:latin typeface="Cambria Math" panose="02040503050406030204" pitchFamily="18" charset="0"/>
-                        </a:rPr>
-                        <m:t>𝑏</m:t>
-                      </m:r>
-                      <m:r>
-                        <a:rPr lang="en-US" sz="2800" b="0" i="1" smtClean="0">
-                          <a:latin typeface="Cambria Math" panose="02040503050406030204" pitchFamily="18" charset="0"/>
-                        </a:rPr>
-                        <m:t>−</m:t>
-                      </m:r>
-                      <m:r>
-                        <a:rPr lang="en-US" sz="2800" b="0" i="1" smtClean="0">
-                          <a:latin typeface="Cambria Math" panose="02040503050406030204" pitchFamily="18" charset="0"/>
-                        </a:rPr>
-                        <m:t>𝑦</m:t>
-                      </m:r>
-                      <m:r>
-                        <a:rPr lang="en-US" sz="2800" b="0" i="1" smtClean="0">
-                          <a:latin typeface="Cambria Math" panose="02040503050406030204" pitchFamily="18" charset="0"/>
-                        </a:rPr>
-                        <m:t>)</m:t>
-                      </m:r>
-                    </m:oMath>
-                  </m:oMathPara>
-                </a14:m>
-                <a:endParaRPr lang="en-US" dirty="0"/>
-              </a:p>
-            </p:txBody>
-          </p:sp>
-        </mc:Choice>
-        <mc:Fallback xmlns="">
-          <p:sp>
-            <p:nvSpPr>
-              <p:cNvPr id="7" name="TextBox 6">
-                <a:extLst>
-                  <a:ext uri="{FF2B5EF4-FFF2-40B4-BE49-F238E27FC236}">
-                    <a16:creationId xmlns:a16="http://schemas.microsoft.com/office/drawing/2014/main" id="{BA36D7B2-C551-4A60-A240-096F03FF6D96}"/>
-                  </a:ext>
-                </a:extLst>
-              </p:cNvPr>
-              <p:cNvSpPr txBox="1">
-                <a:spLocks noRot="1" noChangeAspect="1" noMove="1" noResize="1" noEditPoints="1" noAdjustHandles="1" noChangeArrowheads="1" noChangeShapeType="1" noTextEdit="1"/>
-              </p:cNvSpPr>
-              <p:nvPr/>
-            </p:nvSpPr>
-            <p:spPr>
-              <a:xfrm>
-                <a:off x="5130265" y="4135842"/>
-                <a:ext cx="2384050" cy="430887"/>
-              </a:xfrm>
-              <a:prstGeom prst="rect">
-                <a:avLst/>
-              </a:prstGeom>
-              <a:blipFill>
-                <a:blip r:embed="rId4"/>
-                <a:stretch>
-                  <a:fillRect l="-3723" t="-2857" r="-4787" b="-34286"/>
-                </a:stretch>
-              </a:blipFill>
-            </p:spPr>
-            <p:txBody>
-              <a:bodyPr/>
-              <a:lstStyle/>
-              <a:p>
-                <a:r>
-                  <a:rPr lang="en-US">
-                    <a:noFill/>
-                  </a:rPr>
-                  <a:t> </a:t>
-                </a:r>
-              </a:p>
-            </p:txBody>
-          </p:sp>
-        </mc:Fallback>
-      </mc:AlternateContent>
-      <p:sp>
-        <p:nvSpPr>
-          <p:cNvPr id="8" name="TextBox 7">
-            <a:extLst>
-              <a:ext uri="{FF2B5EF4-FFF2-40B4-BE49-F238E27FC236}">
-                <a16:creationId xmlns:a16="http://schemas.microsoft.com/office/drawing/2014/main" id="{2F4B592C-5F33-281B-D617-51CAD0E314AC}"/>
-              </a:ext>
-            </a:extLst>
-          </p:cNvPr>
-          <p:cNvSpPr txBox="1"/>
-          <p:nvPr/>
-        </p:nvSpPr>
-        <p:spPr>
-          <a:xfrm>
-            <a:off x="4307027" y="3686477"/>
-            <a:ext cx="1646476" cy="369332"/>
-          </a:xfrm>
-          <a:prstGeom prst="rect">
-            <a:avLst/>
-          </a:prstGeom>
-          <a:noFill/>
-        </p:spPr>
-        <p:txBody>
-          <a:bodyPr wrap="none" rtlCol="0">
-            <a:spAutoFit/>
-          </a:bodyPr>
-          <a:lstStyle/>
-          <a:p>
-            <a:r>
-              <a:rPr lang="en-US" b="1" dirty="0"/>
-              <a:t>Shift invariant</a:t>
-            </a:r>
-          </a:p>
-        </p:txBody>
-      </p:sp>
-      <p:sp>
-        <p:nvSpPr>
-          <p:cNvPr id="9" name="TextBox 8">
-            <a:extLst>
-              <a:ext uri="{FF2B5EF4-FFF2-40B4-BE49-F238E27FC236}">
-                <a16:creationId xmlns:a16="http://schemas.microsoft.com/office/drawing/2014/main" id="{863EBA52-E86E-64D4-78B2-B100E9B11D65}"/>
-              </a:ext>
-            </a:extLst>
-          </p:cNvPr>
-          <p:cNvSpPr txBox="1"/>
-          <p:nvPr/>
-        </p:nvSpPr>
-        <p:spPr>
-          <a:xfrm>
-            <a:off x="4345528" y="1851146"/>
-            <a:ext cx="1012970" cy="369332"/>
-          </a:xfrm>
-          <a:prstGeom prst="rect">
-            <a:avLst/>
-          </a:prstGeom>
-          <a:noFill/>
-        </p:spPr>
-        <p:txBody>
-          <a:bodyPr wrap="none" rtlCol="0">
-            <a:spAutoFit/>
-          </a:bodyPr>
-          <a:lstStyle/>
-          <a:p>
-            <a:r>
-              <a:rPr lang="en-US" b="1" dirty="0"/>
-              <a:t>General</a:t>
-            </a:r>
-          </a:p>
-        </p:txBody>
-      </p:sp>
-      <p:sp>
-        <p:nvSpPr>
-          <p:cNvPr id="10" name="TextBox 9">
-            <a:extLst>
-              <a:ext uri="{FF2B5EF4-FFF2-40B4-BE49-F238E27FC236}">
-                <a16:creationId xmlns:a16="http://schemas.microsoft.com/office/drawing/2014/main" id="{FA1500C6-E243-364E-7B58-CBF9FFDFB017}"/>
-              </a:ext>
-            </a:extLst>
-          </p:cNvPr>
-          <p:cNvSpPr txBox="1"/>
-          <p:nvPr/>
-        </p:nvSpPr>
-        <p:spPr>
-          <a:xfrm>
-            <a:off x="5358498" y="2839453"/>
-            <a:ext cx="6552499" cy="369332"/>
-          </a:xfrm>
-          <a:prstGeom prst="rect">
-            <a:avLst/>
-          </a:prstGeom>
-          <a:noFill/>
-        </p:spPr>
-        <p:txBody>
-          <a:bodyPr wrap="none" rtlCol="0">
-            <a:spAutoFit/>
-          </a:bodyPr>
-          <a:lstStyle/>
-          <a:p>
-            <a:r>
-              <a:rPr lang="en-US" dirty="0"/>
-              <a:t>Operation varies depending on which position (</a:t>
-            </a:r>
-            <a:r>
-              <a:rPr lang="en-US" dirty="0" err="1"/>
-              <a:t>x,y</a:t>
-            </a:r>
-            <a:r>
-              <a:rPr lang="en-US" dirty="0"/>
-              <a:t>) in the image</a:t>
-            </a:r>
-          </a:p>
-        </p:txBody>
-      </p:sp>
-      <p:sp>
-        <p:nvSpPr>
-          <p:cNvPr id="11" name="TextBox 10">
-            <a:extLst>
-              <a:ext uri="{FF2B5EF4-FFF2-40B4-BE49-F238E27FC236}">
-                <a16:creationId xmlns:a16="http://schemas.microsoft.com/office/drawing/2014/main" id="{B12FE83B-F31E-1BF8-7CE5-2C2167F2E958}"/>
-              </a:ext>
-            </a:extLst>
-          </p:cNvPr>
-          <p:cNvSpPr txBox="1"/>
-          <p:nvPr/>
-        </p:nvSpPr>
-        <p:spPr>
-          <a:xfrm>
-            <a:off x="5493252" y="4798200"/>
-            <a:ext cx="5811078" cy="369332"/>
-          </a:xfrm>
-          <a:prstGeom prst="rect">
-            <a:avLst/>
-          </a:prstGeom>
-          <a:noFill/>
-        </p:spPr>
-        <p:txBody>
-          <a:bodyPr wrap="none" rtlCol="0">
-            <a:spAutoFit/>
-          </a:bodyPr>
-          <a:lstStyle/>
-          <a:p>
-            <a:r>
-              <a:rPr lang="en-US" dirty="0"/>
-              <a:t>Operation is independent of the position (</a:t>
-            </a:r>
-            <a:r>
-              <a:rPr lang="en-US" dirty="0" err="1"/>
-              <a:t>x,y</a:t>
-            </a:r>
-            <a:r>
-              <a:rPr lang="en-US" dirty="0"/>
-              <a:t>) in the image</a:t>
-            </a:r>
-          </a:p>
-        </p:txBody>
-      </p:sp>
-      <p:grpSp>
-        <p:nvGrpSpPr>
-          <p:cNvPr id="12" name="Group 11">
-            <a:extLst>
-              <a:ext uri="{FF2B5EF4-FFF2-40B4-BE49-F238E27FC236}">
-                <a16:creationId xmlns:a16="http://schemas.microsoft.com/office/drawing/2014/main" id="{EC93AFF7-4EB4-0DC0-4345-72BE99A66D53}"/>
-              </a:ext>
-            </a:extLst>
-          </p:cNvPr>
-          <p:cNvGrpSpPr/>
-          <p:nvPr/>
-        </p:nvGrpSpPr>
-        <p:grpSpPr>
-          <a:xfrm>
-            <a:off x="1081103" y="2506715"/>
-            <a:ext cx="2539975" cy="2743193"/>
-            <a:chOff x="2489200" y="1701800"/>
-            <a:chExt cx="4572000" cy="4572000"/>
-          </a:xfrm>
-          <a:solidFill>
-            <a:schemeClr val="bg1">
-              <a:alpha val="58000"/>
-            </a:schemeClr>
-          </a:solidFill>
-        </p:grpSpPr>
-        <p:sp>
-          <p:nvSpPr>
-            <p:cNvPr id="13" name="Rectangle 12">
-              <a:extLst>
-                <a:ext uri="{FF2B5EF4-FFF2-40B4-BE49-F238E27FC236}">
-                  <a16:creationId xmlns:a16="http://schemas.microsoft.com/office/drawing/2014/main" id="{98B1E443-656F-FE89-550F-94F02EEE65DD}"/>
-                </a:ext>
-              </a:extLst>
-            </p:cNvPr>
-            <p:cNvSpPr/>
-            <p:nvPr/>
-          </p:nvSpPr>
-          <p:spPr>
-            <a:xfrm>
-              <a:off x="2489200" y="1701800"/>
-              <a:ext cx="4572000" cy="4572000"/>
-            </a:xfrm>
-            <a:prstGeom prst="rect">
-              <a:avLst/>
-            </a:prstGeom>
-            <a:grpFill/>
-            <a:ln w="50800">
-              <a:solidFill>
-                <a:schemeClr val="tx1"/>
-              </a:solidFill>
-            </a:ln>
-          </p:spPr>
-          <p:style>
-            <a:lnRef idx="2">
-              <a:schemeClr val="accent1">
-                <a:shade val="15000"/>
-              </a:schemeClr>
-            </a:lnRef>
-            <a:fillRef idx="1">
-              <a:schemeClr val="accent1"/>
-            </a:fillRef>
-            <a:effectRef idx="0">
-              <a:schemeClr val="accent1"/>
-            </a:effectRef>
-            <a:fontRef idx="minor">
-              <a:schemeClr val="lt1"/>
-            </a:fontRef>
-          </p:style>
-          <p:txBody>
-            <a:bodyPr rtlCol="0" anchor="ctr"/>
-            <a:lstStyle/>
-            <a:p>
-              <a:pPr algn="ctr"/>
-              <a:endParaRPr lang="en-US" dirty="0"/>
-            </a:p>
-          </p:txBody>
-        </p:sp>
-        <p:grpSp>
-          <p:nvGrpSpPr>
-            <p:cNvPr id="14" name="Group 13">
-              <a:extLst>
-                <a:ext uri="{FF2B5EF4-FFF2-40B4-BE49-F238E27FC236}">
-                  <a16:creationId xmlns:a16="http://schemas.microsoft.com/office/drawing/2014/main" id="{69C0E143-0D21-9D70-C805-14033F0AFA74}"/>
-                </a:ext>
-              </a:extLst>
-            </p:cNvPr>
-            <p:cNvGrpSpPr/>
-            <p:nvPr/>
-          </p:nvGrpSpPr>
-          <p:grpSpPr>
-            <a:xfrm>
-              <a:off x="2980267" y="1701800"/>
-              <a:ext cx="3522133" cy="4572000"/>
-              <a:chOff x="2980267" y="1701800"/>
-              <a:chExt cx="3522133" cy="4572000"/>
-            </a:xfrm>
-            <a:grpFill/>
-          </p:grpSpPr>
-          <p:cxnSp>
-            <p:nvCxnSpPr>
-              <p:cNvPr id="23" name="Straight Connector 22">
-                <a:extLst>
-                  <a:ext uri="{FF2B5EF4-FFF2-40B4-BE49-F238E27FC236}">
-                    <a16:creationId xmlns:a16="http://schemas.microsoft.com/office/drawing/2014/main" id="{1136A38C-C7E8-E8E7-65D0-6096CFD84F33}"/>
-                  </a:ext>
-                </a:extLst>
-              </p:cNvPr>
-              <p:cNvCxnSpPr>
-                <a:cxnSpLocks/>
-              </p:cNvCxnSpPr>
-              <p:nvPr/>
-            </p:nvCxnSpPr>
-            <p:spPr>
-              <a:xfrm>
-                <a:off x="4741333" y="1701800"/>
-                <a:ext cx="0" cy="4572000"/>
-              </a:xfrm>
-              <a:prstGeom prst="line">
-                <a:avLst/>
-              </a:prstGeom>
-              <a:grpFill/>
-              <a:ln w="50800">
-                <a:solidFill>
-                  <a:schemeClr val="tx1"/>
-                </a:solidFill>
-              </a:ln>
-            </p:spPr>
-            <p:style>
-              <a:lnRef idx="2">
-                <a:schemeClr val="accent1"/>
-              </a:lnRef>
-              <a:fillRef idx="0">
-                <a:schemeClr val="accent1"/>
-              </a:fillRef>
-              <a:effectRef idx="1">
-                <a:schemeClr val="accent1"/>
-              </a:effectRef>
-              <a:fontRef idx="minor">
-                <a:schemeClr val="tx1"/>
-              </a:fontRef>
-            </p:style>
-          </p:cxnSp>
-          <p:cxnSp>
-            <p:nvCxnSpPr>
-              <p:cNvPr id="24" name="Straight Connector 23">
-                <a:extLst>
-                  <a:ext uri="{FF2B5EF4-FFF2-40B4-BE49-F238E27FC236}">
-                    <a16:creationId xmlns:a16="http://schemas.microsoft.com/office/drawing/2014/main" id="{5785EBC8-C222-6AC4-14A2-3B64DA999A05}"/>
-                  </a:ext>
-                </a:extLst>
-              </p:cNvPr>
-              <p:cNvCxnSpPr>
-                <a:cxnSpLocks/>
-              </p:cNvCxnSpPr>
-              <p:nvPr/>
-            </p:nvCxnSpPr>
-            <p:spPr>
-              <a:xfrm>
-                <a:off x="5915377" y="1701800"/>
-                <a:ext cx="0" cy="4572000"/>
-              </a:xfrm>
-              <a:prstGeom prst="line">
-                <a:avLst/>
-              </a:prstGeom>
-              <a:grpFill/>
-              <a:ln w="50800">
-                <a:solidFill>
-                  <a:schemeClr val="tx1"/>
-                </a:solidFill>
-              </a:ln>
-            </p:spPr>
-            <p:style>
-              <a:lnRef idx="2">
-                <a:schemeClr val="accent1"/>
-              </a:lnRef>
-              <a:fillRef idx="0">
-                <a:schemeClr val="accent1"/>
-              </a:fillRef>
-              <a:effectRef idx="1">
-                <a:schemeClr val="accent1"/>
-              </a:effectRef>
-              <a:fontRef idx="minor">
-                <a:schemeClr val="tx1"/>
-              </a:fontRef>
-            </p:style>
-          </p:cxnSp>
-          <p:cxnSp>
-            <p:nvCxnSpPr>
-              <p:cNvPr id="25" name="Straight Connector 24">
-                <a:extLst>
-                  <a:ext uri="{FF2B5EF4-FFF2-40B4-BE49-F238E27FC236}">
-                    <a16:creationId xmlns:a16="http://schemas.microsoft.com/office/drawing/2014/main" id="{17424C71-0245-C941-C265-81B3974DB0B5}"/>
-                  </a:ext>
-                </a:extLst>
-              </p:cNvPr>
-              <p:cNvCxnSpPr>
-                <a:cxnSpLocks/>
-              </p:cNvCxnSpPr>
-              <p:nvPr/>
-            </p:nvCxnSpPr>
-            <p:spPr>
-              <a:xfrm>
-                <a:off x="5328355" y="1701800"/>
-                <a:ext cx="0" cy="4572000"/>
-              </a:xfrm>
-              <a:prstGeom prst="line">
-                <a:avLst/>
-              </a:prstGeom>
-              <a:grpFill/>
-              <a:ln w="50800">
-                <a:solidFill>
-                  <a:schemeClr val="tx1"/>
-                </a:solidFill>
-              </a:ln>
-            </p:spPr>
-            <p:style>
-              <a:lnRef idx="2">
-                <a:schemeClr val="accent1"/>
-              </a:lnRef>
-              <a:fillRef idx="0">
-                <a:schemeClr val="accent1"/>
-              </a:fillRef>
-              <a:effectRef idx="1">
-                <a:schemeClr val="accent1"/>
-              </a:effectRef>
-              <a:fontRef idx="minor">
-                <a:schemeClr val="tx1"/>
-              </a:fontRef>
-            </p:style>
-          </p:cxnSp>
-          <p:cxnSp>
-            <p:nvCxnSpPr>
-              <p:cNvPr id="26" name="Straight Connector 25">
-                <a:extLst>
-                  <a:ext uri="{FF2B5EF4-FFF2-40B4-BE49-F238E27FC236}">
-                    <a16:creationId xmlns:a16="http://schemas.microsoft.com/office/drawing/2014/main" id="{A021A35C-E96A-7898-68AE-9BE4CE0E60C2}"/>
-                  </a:ext>
-                </a:extLst>
-              </p:cNvPr>
-              <p:cNvCxnSpPr>
-                <a:cxnSpLocks/>
-              </p:cNvCxnSpPr>
-              <p:nvPr/>
-            </p:nvCxnSpPr>
-            <p:spPr>
-              <a:xfrm>
-                <a:off x="6502400" y="1701800"/>
-                <a:ext cx="0" cy="4572000"/>
-              </a:xfrm>
-              <a:prstGeom prst="line">
-                <a:avLst/>
-              </a:prstGeom>
-              <a:grpFill/>
-              <a:ln w="50800">
-                <a:solidFill>
-                  <a:schemeClr val="tx1"/>
-                </a:solidFill>
-              </a:ln>
-            </p:spPr>
-            <p:style>
-              <a:lnRef idx="2">
-                <a:schemeClr val="accent1"/>
-              </a:lnRef>
-              <a:fillRef idx="0">
-                <a:schemeClr val="accent1"/>
-              </a:fillRef>
-              <a:effectRef idx="1">
-                <a:schemeClr val="accent1"/>
-              </a:effectRef>
-              <a:fontRef idx="minor">
-                <a:schemeClr val="tx1"/>
-              </a:fontRef>
-            </p:style>
-          </p:cxnSp>
-          <p:cxnSp>
-            <p:nvCxnSpPr>
-              <p:cNvPr id="27" name="Straight Connector 26">
-                <a:extLst>
-                  <a:ext uri="{FF2B5EF4-FFF2-40B4-BE49-F238E27FC236}">
-                    <a16:creationId xmlns:a16="http://schemas.microsoft.com/office/drawing/2014/main" id="{4F2AC8BF-0539-74B2-1483-61F0C0F93B12}"/>
-                  </a:ext>
-                </a:extLst>
-              </p:cNvPr>
-              <p:cNvCxnSpPr>
-                <a:cxnSpLocks/>
-              </p:cNvCxnSpPr>
-              <p:nvPr/>
-            </p:nvCxnSpPr>
-            <p:spPr>
-              <a:xfrm>
-                <a:off x="3567289" y="1701800"/>
-                <a:ext cx="0" cy="4572000"/>
-              </a:xfrm>
-              <a:prstGeom prst="line">
-                <a:avLst/>
-              </a:prstGeom>
-              <a:grpFill/>
-              <a:ln w="50800">
-                <a:solidFill>
-                  <a:schemeClr val="tx1"/>
-                </a:solidFill>
-              </a:ln>
-            </p:spPr>
-            <p:style>
-              <a:lnRef idx="2">
-                <a:schemeClr val="accent1"/>
-              </a:lnRef>
-              <a:fillRef idx="0">
-                <a:schemeClr val="accent1"/>
-              </a:fillRef>
-              <a:effectRef idx="1">
-                <a:schemeClr val="accent1"/>
-              </a:effectRef>
-              <a:fontRef idx="minor">
-                <a:schemeClr val="tx1"/>
-              </a:fontRef>
-            </p:style>
-          </p:cxnSp>
-          <p:cxnSp>
-            <p:nvCxnSpPr>
-              <p:cNvPr id="28" name="Straight Connector 27">
-                <a:extLst>
-                  <a:ext uri="{FF2B5EF4-FFF2-40B4-BE49-F238E27FC236}">
-                    <a16:creationId xmlns:a16="http://schemas.microsoft.com/office/drawing/2014/main" id="{8E843F69-29D5-6F97-C5C3-A180D9EC6375}"/>
-                  </a:ext>
-                </a:extLst>
-              </p:cNvPr>
-              <p:cNvCxnSpPr>
-                <a:cxnSpLocks/>
-              </p:cNvCxnSpPr>
-              <p:nvPr/>
-            </p:nvCxnSpPr>
-            <p:spPr>
-              <a:xfrm>
-                <a:off x="2980267" y="1701800"/>
-                <a:ext cx="0" cy="4572000"/>
-              </a:xfrm>
-              <a:prstGeom prst="line">
-                <a:avLst/>
-              </a:prstGeom>
-              <a:grpFill/>
-              <a:ln w="50800">
-                <a:solidFill>
-                  <a:schemeClr val="tx1"/>
-                </a:solidFill>
-              </a:ln>
-            </p:spPr>
-            <p:style>
-              <a:lnRef idx="2">
-                <a:schemeClr val="accent1"/>
-              </a:lnRef>
-              <a:fillRef idx="0">
-                <a:schemeClr val="accent1"/>
-              </a:fillRef>
-              <a:effectRef idx="1">
-                <a:schemeClr val="accent1"/>
-              </a:effectRef>
-              <a:fontRef idx="minor">
-                <a:schemeClr val="tx1"/>
-              </a:fontRef>
-            </p:style>
-          </p:cxnSp>
-          <p:cxnSp>
-            <p:nvCxnSpPr>
-              <p:cNvPr id="29" name="Straight Connector 28">
-                <a:extLst>
-                  <a:ext uri="{FF2B5EF4-FFF2-40B4-BE49-F238E27FC236}">
-                    <a16:creationId xmlns:a16="http://schemas.microsoft.com/office/drawing/2014/main" id="{21068300-F9D6-6DB2-0537-36D05E74297C}"/>
-                  </a:ext>
-                </a:extLst>
-              </p:cNvPr>
-              <p:cNvCxnSpPr>
-                <a:cxnSpLocks/>
-              </p:cNvCxnSpPr>
-              <p:nvPr/>
-            </p:nvCxnSpPr>
-            <p:spPr>
-              <a:xfrm>
-                <a:off x="4154311" y="1701800"/>
-                <a:ext cx="0" cy="4572000"/>
-              </a:xfrm>
-              <a:prstGeom prst="line">
-                <a:avLst/>
-              </a:prstGeom>
-              <a:grpFill/>
-              <a:ln w="50800">
-                <a:solidFill>
-                  <a:schemeClr val="tx1"/>
-                </a:solidFill>
-              </a:ln>
-            </p:spPr>
-            <p:style>
-              <a:lnRef idx="2">
-                <a:schemeClr val="accent1"/>
-              </a:lnRef>
-              <a:fillRef idx="0">
-                <a:schemeClr val="accent1"/>
-              </a:fillRef>
-              <a:effectRef idx="1">
-                <a:schemeClr val="accent1"/>
-              </a:effectRef>
-              <a:fontRef idx="minor">
-                <a:schemeClr val="tx1"/>
-              </a:fontRef>
-            </p:style>
-          </p:cxnSp>
-        </p:grpSp>
-        <p:grpSp>
-          <p:nvGrpSpPr>
-            <p:cNvPr id="15" name="Group 14">
-              <a:extLst>
-                <a:ext uri="{FF2B5EF4-FFF2-40B4-BE49-F238E27FC236}">
-                  <a16:creationId xmlns:a16="http://schemas.microsoft.com/office/drawing/2014/main" id="{6958389A-EC0D-AB65-3267-4FEC75B9FB48}"/>
-                </a:ext>
-              </a:extLst>
-            </p:cNvPr>
-            <p:cNvGrpSpPr/>
-            <p:nvPr/>
-          </p:nvGrpSpPr>
-          <p:grpSpPr>
-            <a:xfrm rot="5400000">
-              <a:off x="3014133" y="1701800"/>
-              <a:ext cx="3522133" cy="4572000"/>
-              <a:chOff x="2980267" y="1701800"/>
-              <a:chExt cx="3522133" cy="4572000"/>
-            </a:xfrm>
-            <a:grpFill/>
-          </p:grpSpPr>
-          <p:cxnSp>
-            <p:nvCxnSpPr>
-              <p:cNvPr id="16" name="Straight Connector 15">
-                <a:extLst>
-                  <a:ext uri="{FF2B5EF4-FFF2-40B4-BE49-F238E27FC236}">
-                    <a16:creationId xmlns:a16="http://schemas.microsoft.com/office/drawing/2014/main" id="{7EB93441-FCAE-E9A6-5276-1EAB5778F5AB}"/>
-                  </a:ext>
-                </a:extLst>
-              </p:cNvPr>
-              <p:cNvCxnSpPr>
-                <a:cxnSpLocks/>
-              </p:cNvCxnSpPr>
-              <p:nvPr/>
-            </p:nvCxnSpPr>
-            <p:spPr>
-              <a:xfrm>
-                <a:off x="4741333" y="1701800"/>
-                <a:ext cx="0" cy="4572000"/>
-              </a:xfrm>
-              <a:prstGeom prst="line">
-                <a:avLst/>
-              </a:prstGeom>
-              <a:grpFill/>
-              <a:ln w="50800">
-                <a:solidFill>
-                  <a:schemeClr val="tx1"/>
-                </a:solidFill>
-              </a:ln>
-            </p:spPr>
-            <p:style>
-              <a:lnRef idx="2">
-                <a:schemeClr val="accent1"/>
-              </a:lnRef>
-              <a:fillRef idx="0">
-                <a:schemeClr val="accent1"/>
-              </a:fillRef>
-              <a:effectRef idx="1">
-                <a:schemeClr val="accent1"/>
-              </a:effectRef>
-              <a:fontRef idx="minor">
-                <a:schemeClr val="tx1"/>
-              </a:fontRef>
-            </p:style>
-          </p:cxnSp>
-          <p:cxnSp>
-            <p:nvCxnSpPr>
-              <p:cNvPr id="17" name="Straight Connector 16">
-                <a:extLst>
-                  <a:ext uri="{FF2B5EF4-FFF2-40B4-BE49-F238E27FC236}">
-                    <a16:creationId xmlns:a16="http://schemas.microsoft.com/office/drawing/2014/main" id="{4C8E1B46-FA76-5D8E-CAF1-0F52431B9307}"/>
-                  </a:ext>
-                </a:extLst>
-              </p:cNvPr>
-              <p:cNvCxnSpPr>
-                <a:cxnSpLocks/>
-              </p:cNvCxnSpPr>
-              <p:nvPr/>
-            </p:nvCxnSpPr>
-            <p:spPr>
-              <a:xfrm>
-                <a:off x="5915377" y="1701800"/>
-                <a:ext cx="0" cy="4572000"/>
-              </a:xfrm>
-              <a:prstGeom prst="line">
-                <a:avLst/>
-              </a:prstGeom>
-              <a:grpFill/>
-              <a:ln w="50800">
-                <a:solidFill>
-                  <a:schemeClr val="tx1"/>
-                </a:solidFill>
-              </a:ln>
-            </p:spPr>
-            <p:style>
-              <a:lnRef idx="2">
-                <a:schemeClr val="accent1"/>
-              </a:lnRef>
-              <a:fillRef idx="0">
-                <a:schemeClr val="accent1"/>
-              </a:fillRef>
-              <a:effectRef idx="1">
-                <a:schemeClr val="accent1"/>
-              </a:effectRef>
-              <a:fontRef idx="minor">
-                <a:schemeClr val="tx1"/>
-              </a:fontRef>
-            </p:style>
-          </p:cxnSp>
-          <p:cxnSp>
-            <p:nvCxnSpPr>
-              <p:cNvPr id="18" name="Straight Connector 17">
-                <a:extLst>
-                  <a:ext uri="{FF2B5EF4-FFF2-40B4-BE49-F238E27FC236}">
-                    <a16:creationId xmlns:a16="http://schemas.microsoft.com/office/drawing/2014/main" id="{22DE5504-DDF2-0092-C301-FCAA91AC5727}"/>
-                  </a:ext>
-                </a:extLst>
-              </p:cNvPr>
-              <p:cNvCxnSpPr>
-                <a:cxnSpLocks/>
-              </p:cNvCxnSpPr>
-              <p:nvPr/>
-            </p:nvCxnSpPr>
-            <p:spPr>
-              <a:xfrm>
-                <a:off x="5328355" y="1701800"/>
-                <a:ext cx="0" cy="4572000"/>
-              </a:xfrm>
-              <a:prstGeom prst="line">
-                <a:avLst/>
-              </a:prstGeom>
-              <a:grpFill/>
-              <a:ln w="50800">
-                <a:solidFill>
-                  <a:schemeClr val="tx1"/>
-                </a:solidFill>
-              </a:ln>
-            </p:spPr>
-            <p:style>
-              <a:lnRef idx="2">
-                <a:schemeClr val="accent1"/>
-              </a:lnRef>
-              <a:fillRef idx="0">
-                <a:schemeClr val="accent1"/>
-              </a:fillRef>
-              <a:effectRef idx="1">
-                <a:schemeClr val="accent1"/>
-              </a:effectRef>
-              <a:fontRef idx="minor">
-                <a:schemeClr val="tx1"/>
-              </a:fontRef>
-            </p:style>
-          </p:cxnSp>
-          <p:cxnSp>
-            <p:nvCxnSpPr>
-              <p:cNvPr id="19" name="Straight Connector 18">
-                <a:extLst>
-                  <a:ext uri="{FF2B5EF4-FFF2-40B4-BE49-F238E27FC236}">
-                    <a16:creationId xmlns:a16="http://schemas.microsoft.com/office/drawing/2014/main" id="{15A26F9E-FCB9-637A-88F1-0EFEFC72AAFE}"/>
-                  </a:ext>
-                </a:extLst>
-              </p:cNvPr>
-              <p:cNvCxnSpPr>
-                <a:cxnSpLocks/>
-              </p:cNvCxnSpPr>
-              <p:nvPr/>
-            </p:nvCxnSpPr>
-            <p:spPr>
-              <a:xfrm>
-                <a:off x="6502400" y="1701800"/>
-                <a:ext cx="0" cy="4572000"/>
-              </a:xfrm>
-              <a:prstGeom prst="line">
-                <a:avLst/>
-              </a:prstGeom>
-              <a:grpFill/>
-              <a:ln w="50800">
-                <a:solidFill>
-                  <a:schemeClr val="tx1"/>
-                </a:solidFill>
-              </a:ln>
-            </p:spPr>
-            <p:style>
-              <a:lnRef idx="2">
-                <a:schemeClr val="accent1"/>
-              </a:lnRef>
-              <a:fillRef idx="0">
-                <a:schemeClr val="accent1"/>
-              </a:fillRef>
-              <a:effectRef idx="1">
-                <a:schemeClr val="accent1"/>
-              </a:effectRef>
-              <a:fontRef idx="minor">
-                <a:schemeClr val="tx1"/>
-              </a:fontRef>
-            </p:style>
-          </p:cxnSp>
-          <p:cxnSp>
-            <p:nvCxnSpPr>
-              <p:cNvPr id="20" name="Straight Connector 19">
-                <a:extLst>
-                  <a:ext uri="{FF2B5EF4-FFF2-40B4-BE49-F238E27FC236}">
-                    <a16:creationId xmlns:a16="http://schemas.microsoft.com/office/drawing/2014/main" id="{3A2F69A8-32FA-B4FF-D611-0C23797E010B}"/>
-                  </a:ext>
-                </a:extLst>
-              </p:cNvPr>
-              <p:cNvCxnSpPr>
-                <a:cxnSpLocks/>
-              </p:cNvCxnSpPr>
-              <p:nvPr/>
-            </p:nvCxnSpPr>
-            <p:spPr>
-              <a:xfrm>
-                <a:off x="3567289" y="1701800"/>
-                <a:ext cx="0" cy="4572000"/>
-              </a:xfrm>
-              <a:prstGeom prst="line">
-                <a:avLst/>
-              </a:prstGeom>
-              <a:grpFill/>
-              <a:ln w="50800">
-                <a:solidFill>
-                  <a:schemeClr val="tx1"/>
-                </a:solidFill>
-              </a:ln>
-            </p:spPr>
-            <p:style>
-              <a:lnRef idx="2">
-                <a:schemeClr val="accent1"/>
-              </a:lnRef>
-              <a:fillRef idx="0">
-                <a:schemeClr val="accent1"/>
-              </a:fillRef>
-              <a:effectRef idx="1">
-                <a:schemeClr val="accent1"/>
-              </a:effectRef>
-              <a:fontRef idx="minor">
-                <a:schemeClr val="tx1"/>
-              </a:fontRef>
-            </p:style>
-          </p:cxnSp>
-          <p:cxnSp>
-            <p:nvCxnSpPr>
-              <p:cNvPr id="21" name="Straight Connector 20">
-                <a:extLst>
-                  <a:ext uri="{FF2B5EF4-FFF2-40B4-BE49-F238E27FC236}">
-                    <a16:creationId xmlns:a16="http://schemas.microsoft.com/office/drawing/2014/main" id="{680D549A-3155-915C-59DC-81BC7F82DFC9}"/>
-                  </a:ext>
-                </a:extLst>
-              </p:cNvPr>
-              <p:cNvCxnSpPr>
-                <a:cxnSpLocks/>
-              </p:cNvCxnSpPr>
-              <p:nvPr/>
-            </p:nvCxnSpPr>
-            <p:spPr>
-              <a:xfrm>
-                <a:off x="2980267" y="1701800"/>
-                <a:ext cx="0" cy="4572000"/>
-              </a:xfrm>
-              <a:prstGeom prst="line">
-                <a:avLst/>
-              </a:prstGeom>
-              <a:grpFill/>
-              <a:ln w="50800">
-                <a:solidFill>
-                  <a:schemeClr val="tx1"/>
-                </a:solidFill>
-              </a:ln>
-            </p:spPr>
-            <p:style>
-              <a:lnRef idx="2">
-                <a:schemeClr val="accent1"/>
-              </a:lnRef>
-              <a:fillRef idx="0">
-                <a:schemeClr val="accent1"/>
-              </a:fillRef>
-              <a:effectRef idx="1">
-                <a:schemeClr val="accent1"/>
-              </a:effectRef>
-              <a:fontRef idx="minor">
-                <a:schemeClr val="tx1"/>
-              </a:fontRef>
-            </p:style>
-          </p:cxnSp>
-          <p:cxnSp>
-            <p:nvCxnSpPr>
-              <p:cNvPr id="22" name="Straight Connector 21">
-                <a:extLst>
-                  <a:ext uri="{FF2B5EF4-FFF2-40B4-BE49-F238E27FC236}">
-                    <a16:creationId xmlns:a16="http://schemas.microsoft.com/office/drawing/2014/main" id="{101CC20D-69BB-10EE-65C0-CA93FF16F64D}"/>
-                  </a:ext>
-                </a:extLst>
-              </p:cNvPr>
-              <p:cNvCxnSpPr>
-                <a:cxnSpLocks/>
-              </p:cNvCxnSpPr>
-              <p:nvPr/>
-            </p:nvCxnSpPr>
-            <p:spPr>
-              <a:xfrm>
-                <a:off x="4154311" y="1701800"/>
-                <a:ext cx="0" cy="4572000"/>
-              </a:xfrm>
-              <a:prstGeom prst="line">
-                <a:avLst/>
-              </a:prstGeom>
-              <a:grpFill/>
-              <a:ln w="50800">
-                <a:solidFill>
-                  <a:schemeClr val="tx1"/>
-                </a:solidFill>
-              </a:ln>
-            </p:spPr>
-            <p:style>
-              <a:lnRef idx="2">
-                <a:schemeClr val="accent1"/>
-              </a:lnRef>
-              <a:fillRef idx="0">
-                <a:schemeClr val="accent1"/>
-              </a:fillRef>
-              <a:effectRef idx="1">
-                <a:schemeClr val="accent1"/>
-              </a:effectRef>
-              <a:fontRef idx="minor">
-                <a:schemeClr val="tx1"/>
-              </a:fontRef>
-            </p:style>
-          </p:cxnSp>
-        </p:grpSp>
-      </p:grpSp>
-      <p:sp>
-        <p:nvSpPr>
-          <p:cNvPr id="30" name="TextBox 29">
-            <a:extLst>
-              <a:ext uri="{FF2B5EF4-FFF2-40B4-BE49-F238E27FC236}">
-                <a16:creationId xmlns:a16="http://schemas.microsoft.com/office/drawing/2014/main" id="{23431B99-5A86-7962-CD70-7F7F1A752708}"/>
-              </a:ext>
-            </a:extLst>
-          </p:cNvPr>
-          <p:cNvSpPr txBox="1"/>
-          <p:nvPr/>
-        </p:nvSpPr>
-        <p:spPr>
-          <a:xfrm>
-            <a:off x="2128973" y="3453899"/>
-            <a:ext cx="705706" cy="461665"/>
-          </a:xfrm>
-          <a:prstGeom prst="rect">
-            <a:avLst/>
-          </a:prstGeom>
-          <a:noFill/>
-        </p:spPr>
-        <p:txBody>
-          <a:bodyPr wrap="none" rtlCol="0">
-            <a:spAutoFit/>
-          </a:bodyPr>
-          <a:lstStyle/>
-          <a:p>
-            <a:r>
-              <a:rPr lang="en-US" sz="2400" dirty="0">
-                <a:solidFill>
-                  <a:srgbClr val="FF0000"/>
-                </a:solidFill>
-              </a:rPr>
-              <a:t>(</a:t>
-            </a:r>
-            <a:r>
-              <a:rPr lang="en-US" sz="2400" dirty="0" err="1">
-                <a:solidFill>
-                  <a:srgbClr val="FF0000"/>
-                </a:solidFill>
-              </a:rPr>
-              <a:t>x,y</a:t>
-            </a:r>
-            <a:r>
-              <a:rPr lang="en-US" sz="2400" dirty="0">
-                <a:solidFill>
-                  <a:srgbClr val="FF0000"/>
-                </a:solidFill>
-              </a:rPr>
-              <a:t>)</a:t>
-            </a:r>
-          </a:p>
-        </p:txBody>
-      </p:sp>
-      <p:sp>
-        <p:nvSpPr>
-          <p:cNvPr id="31" name="TextBox 30">
-            <a:extLst>
-              <a:ext uri="{FF2B5EF4-FFF2-40B4-BE49-F238E27FC236}">
-                <a16:creationId xmlns:a16="http://schemas.microsoft.com/office/drawing/2014/main" id="{CF7AB1BC-6E33-AC1C-12D9-C78B5D5138DE}"/>
-              </a:ext>
-            </a:extLst>
-          </p:cNvPr>
-          <p:cNvSpPr txBox="1"/>
-          <p:nvPr/>
-        </p:nvSpPr>
-        <p:spPr>
-          <a:xfrm>
-            <a:off x="2957052" y="3453898"/>
-            <a:ext cx="348172" cy="461665"/>
-          </a:xfrm>
-          <a:prstGeom prst="rect">
-            <a:avLst/>
-          </a:prstGeom>
-          <a:noFill/>
-        </p:spPr>
-        <p:txBody>
-          <a:bodyPr wrap="none" rtlCol="0">
-            <a:spAutoFit/>
-          </a:bodyPr>
-          <a:lstStyle/>
-          <a:p>
-            <a:r>
-              <a:rPr lang="en-US" sz="2400" dirty="0">
-                <a:solidFill>
-                  <a:srgbClr val="FF0000"/>
-                </a:solidFill>
-              </a:rPr>
-              <a:t>a</a:t>
-            </a:r>
-          </a:p>
-        </p:txBody>
-      </p:sp>
-      <p:sp>
-        <p:nvSpPr>
-          <p:cNvPr id="32" name="TextBox 31">
-            <a:extLst>
-              <a:ext uri="{FF2B5EF4-FFF2-40B4-BE49-F238E27FC236}">
-                <a16:creationId xmlns:a16="http://schemas.microsoft.com/office/drawing/2014/main" id="{20034F06-AA61-14F8-808A-AA83387B2DD8}"/>
-              </a:ext>
-            </a:extLst>
-          </p:cNvPr>
-          <p:cNvSpPr txBox="1"/>
-          <p:nvPr/>
-        </p:nvSpPr>
-        <p:spPr>
-          <a:xfrm>
-            <a:off x="2943600" y="2728993"/>
-            <a:ext cx="357790" cy="461665"/>
-          </a:xfrm>
-          <a:prstGeom prst="rect">
-            <a:avLst/>
-          </a:prstGeom>
-          <a:noFill/>
-        </p:spPr>
-        <p:txBody>
-          <a:bodyPr wrap="none" rtlCol="0">
-            <a:spAutoFit/>
-          </a:bodyPr>
-          <a:lstStyle/>
-          <a:p>
-            <a:r>
-              <a:rPr lang="en-US" sz="2400" dirty="0">
-                <a:solidFill>
-                  <a:srgbClr val="FF0000"/>
-                </a:solidFill>
-              </a:rPr>
-              <a:t>b</a:t>
-            </a:r>
-          </a:p>
-        </p:txBody>
-      </p:sp>
-      <p:cxnSp>
-        <p:nvCxnSpPr>
-          <p:cNvPr id="34" name="Straight Arrow Connector 33">
-            <a:extLst>
-              <a:ext uri="{FF2B5EF4-FFF2-40B4-BE49-F238E27FC236}">
-                <a16:creationId xmlns:a16="http://schemas.microsoft.com/office/drawing/2014/main" id="{6924D4D2-7635-08C6-EB59-3B38F692FD91}"/>
-              </a:ext>
-            </a:extLst>
-          </p:cNvPr>
-          <p:cNvCxnSpPr/>
-          <p:nvPr/>
-        </p:nvCxnSpPr>
-        <p:spPr>
-          <a:xfrm>
-            <a:off x="2510023" y="3878311"/>
-            <a:ext cx="649312" cy="0"/>
-          </a:xfrm>
-          <a:prstGeom prst="straightConnector1">
-            <a:avLst/>
-          </a:prstGeom>
-          <a:ln w="38100">
-            <a:solidFill>
-              <a:srgbClr val="C00000"/>
-            </a:solidFill>
-            <a:tailEnd type="triangle"/>
-          </a:ln>
-        </p:spPr>
-        <p:style>
-          <a:lnRef idx="2">
-            <a:schemeClr val="accent1"/>
-          </a:lnRef>
-          <a:fillRef idx="0">
-            <a:schemeClr val="accent1"/>
-          </a:fillRef>
-          <a:effectRef idx="1">
-            <a:schemeClr val="accent1"/>
-          </a:effectRef>
-          <a:fontRef idx="minor">
-            <a:schemeClr val="tx1"/>
-          </a:fontRef>
-        </p:style>
-      </p:cxnSp>
-      <p:cxnSp>
-        <p:nvCxnSpPr>
-          <p:cNvPr id="35" name="Straight Arrow Connector 34">
-            <a:extLst>
-              <a:ext uri="{FF2B5EF4-FFF2-40B4-BE49-F238E27FC236}">
-                <a16:creationId xmlns:a16="http://schemas.microsoft.com/office/drawing/2014/main" id="{D4D5EDF5-87E9-A2E1-101A-D754E8CB1816}"/>
-              </a:ext>
-            </a:extLst>
-          </p:cNvPr>
-          <p:cNvCxnSpPr>
-            <a:cxnSpLocks/>
-          </p:cNvCxnSpPr>
-          <p:nvPr/>
-        </p:nvCxnSpPr>
-        <p:spPr>
-          <a:xfrm flipV="1">
-            <a:off x="3310636" y="2959825"/>
-            <a:ext cx="0" cy="809028"/>
-          </a:xfrm>
-          <a:prstGeom prst="straightConnector1">
-            <a:avLst/>
-          </a:prstGeom>
-          <a:ln w="38100">
-            <a:solidFill>
-              <a:srgbClr val="C00000"/>
-            </a:solidFill>
-            <a:tailEnd type="triangle"/>
-          </a:ln>
-        </p:spPr>
-        <p:style>
-          <a:lnRef idx="2">
-            <a:schemeClr val="accent1"/>
-          </a:lnRef>
-          <a:fillRef idx="0">
-            <a:schemeClr val="accent1"/>
-          </a:fillRef>
-          <a:effectRef idx="1">
-            <a:schemeClr val="accent1"/>
-          </a:effectRef>
-          <a:fontRef idx="minor">
-            <a:schemeClr val="tx1"/>
-          </a:fontRef>
-        </p:style>
-      </p:cxnSp>
-    </p:spTree>
-    <p:extLst>
-      <p:ext uri="{BB962C8B-B14F-4D97-AF65-F5344CB8AC3E}">
-        <p14:creationId xmlns:p14="http://schemas.microsoft.com/office/powerpoint/2010/main" val="992342197"/>
       </p:ext>
     </p:extLst>
   </p:cSld>
